--- a/2025/specification-education-monthly/2025-10-Europe-Asia.pptx
+++ b/2025/specification-education-monthly/2025-10-Europe-Asia.pptx
@@ -5,29 +5,32 @@
     <p:sldMasterId id="2147483664" r:id="rId1"/>
   </p:sldMasterIdLst>
   <p:notesMasterIdLst>
-    <p:notesMasterId r:id="rId18"/>
+    <p:notesMasterId r:id="rId17"/>
   </p:notesMasterIdLst>
   <p:sldIdLst>
-    <p:sldId id="257" r:id="rId2"/>
-    <p:sldId id="269" r:id="rId3"/>
-    <p:sldId id="270" r:id="rId4"/>
-    <p:sldId id="762" r:id="rId5"/>
-    <p:sldId id="764" r:id="rId6"/>
-    <p:sldId id="770" r:id="rId7"/>
-    <p:sldId id="763" r:id="rId8"/>
-    <p:sldId id="670" r:id="rId9"/>
-    <p:sldId id="765" r:id="rId10"/>
-    <p:sldId id="768" r:id="rId11"/>
-    <p:sldId id="769" r:id="rId12"/>
-    <p:sldId id="272" r:id="rId13"/>
-    <p:sldId id="752" r:id="rId14"/>
-    <p:sldId id="278" r:id="rId15"/>
-    <p:sldId id="279" r:id="rId16"/>
-    <p:sldId id="267" r:id="rId17"/>
+    <p:sldId id="771" r:id="rId2"/>
+    <p:sldId id="772" r:id="rId3"/>
+    <p:sldId id="773" r:id="rId4"/>
+    <p:sldId id="774" r:id="rId5"/>
+    <p:sldId id="775" r:id="rId6"/>
+    <p:sldId id="776" r:id="rId7"/>
+    <p:sldId id="777" r:id="rId8"/>
+    <p:sldId id="779" r:id="rId9"/>
+    <p:sldId id="780" r:id="rId10"/>
+    <p:sldId id="781" r:id="rId11"/>
+    <p:sldId id="782" r:id="rId12"/>
+    <p:sldId id="783" r:id="rId13"/>
+    <p:sldId id="784" r:id="rId14"/>
+    <p:sldId id="785" r:id="rId15"/>
+    <p:sldId id="786" r:id="rId16"/>
   </p:sldIdLst>
   <p:sldSz cx="9144000" cy="5143500" type="screen16x9"/>
   <p:notesSz cx="6858000" cy="9144000"/>
   <p:embeddedFontLst>
+    <p:embeddedFont>
+      <p:font typeface="Chalkduster" panose="03050602040202020205" pitchFamily="66" charset="77"/>
+      <p:regular r:id="rId18"/>
+    </p:embeddedFont>
     <p:embeddedFont>
       <p:font typeface="Open Sans Medium" panose="020B0306030504020204" pitchFamily="34" charset="0"/>
       <p:regular r:id="rId19"/>
@@ -864,110 +867,6 @@
 </p:notes>
 </file>
 
-<file path=ppt/notesSlides/notesSlide10.xml><?xml version="1.0" encoding="utf-8"?>
-<p:notes xmlns:a="http://schemas.openxmlformats.org/drawingml/2006/main" xmlns:r="http://schemas.openxmlformats.org/officeDocument/2006/relationships" xmlns:p="http://schemas.openxmlformats.org/presentationml/2006/main" showMasterSp="0" showMasterPhAnim="0">
-  <p:cSld>
-    <p:spTree>
-      <p:nvGrpSpPr>
-        <p:cNvPr id="1" name="Shape 177"/>
-        <p:cNvGrpSpPr/>
-        <p:nvPr/>
-      </p:nvGrpSpPr>
-      <p:grpSpPr>
-        <a:xfrm>
-          <a:off x="0" y="0"/>
-          <a:ext cx="0" cy="0"/>
-          <a:chOff x="0" y="0"/>
-          <a:chExt cx="0" cy="0"/>
-        </a:xfrm>
-      </p:grpSpPr>
-      <p:sp>
-        <p:nvSpPr>
-          <p:cNvPr id="178" name="Google Shape;178;g144aaa0767c_0_104:notes"/>
-          <p:cNvSpPr>
-            <a:spLocks noGrp="1" noRot="1" noChangeAspect="1"/>
-          </p:cNvSpPr>
-          <p:nvPr>
-            <p:ph type="sldImg" idx="2"/>
-          </p:nvPr>
-        </p:nvSpPr>
-        <p:spPr>
-          <a:xfrm>
-            <a:off x="381000" y="685800"/>
-            <a:ext cx="6096000" cy="3429000"/>
-          </a:xfrm>
-          <a:custGeom>
-            <a:avLst/>
-            <a:gdLst/>
-            <a:ahLst/>
-            <a:cxnLst/>
-            <a:rect l="l" t="t" r="r" b="b"/>
-            <a:pathLst>
-              <a:path w="120000" h="120000" extrusionOk="0">
-                <a:moveTo>
-                  <a:pt x="0" y="0"/>
-                </a:moveTo>
-                <a:lnTo>
-                  <a:pt x="120000" y="0"/>
-                </a:lnTo>
-                <a:lnTo>
-                  <a:pt x="120000" y="120000"/>
-                </a:lnTo>
-                <a:lnTo>
-                  <a:pt x="0" y="120000"/>
-                </a:lnTo>
-                <a:close/>
-              </a:path>
-            </a:pathLst>
-          </a:custGeom>
-        </p:spPr>
-      </p:sp>
-      <p:sp>
-        <p:nvSpPr>
-          <p:cNvPr id="179" name="Google Shape;179;g144aaa0767c_0_104:notes"/>
-          <p:cNvSpPr txBox="1">
-            <a:spLocks noGrp="1"/>
-          </p:cNvSpPr>
-          <p:nvPr>
-            <p:ph type="body" idx="1"/>
-          </p:nvPr>
-        </p:nvSpPr>
-        <p:spPr>
-          <a:xfrm>
-            <a:off x="685800" y="4343400"/>
-            <a:ext cx="5486400" cy="4114800"/>
-          </a:xfrm>
-          <a:prstGeom prst="rect">
-            <a:avLst/>
-          </a:prstGeom>
-        </p:spPr>
-        <p:txBody>
-          <a:bodyPr spcFirstLastPara="1" wrap="square" lIns="91425" tIns="91425" rIns="91425" bIns="91425" anchor="t" anchorCtr="0">
-            <a:noAutofit/>
-          </a:bodyPr>
-          <a:lstStyle/>
-          <a:p>
-            <a:pPr marL="0" lvl="0" indent="0" algn="l" rtl="0">
-              <a:spcBef>
-                <a:spcPts val="0"/>
-              </a:spcBef>
-              <a:spcAft>
-                <a:spcPts val="0"/>
-              </a:spcAft>
-              <a:buNone/>
-            </a:pPr>
-            <a:endParaRPr/>
-          </a:p>
-        </p:txBody>
-      </p:sp>
-    </p:spTree>
-  </p:cSld>
-  <p:clrMapOvr>
-    <a:masterClrMapping/>
-  </p:clrMapOvr>
-</p:notes>
-</file>
-
 <file path=ppt/notesSlides/notesSlide2.xml><?xml version="1.0" encoding="utf-8"?>
 <p:notes xmlns:a="http://schemas.openxmlformats.org/drawingml/2006/main" xmlns:r="http://schemas.openxmlformats.org/officeDocument/2006/relationships" xmlns:p="http://schemas.openxmlformats.org/presentationml/2006/main" showMasterSp="0" showMasterPhAnim="0">
   <p:cSld>
@@ -1481,7 +1380,7 @@
   <p:cSld>
     <p:spTree>
       <p:nvGrpSpPr>
-        <p:cNvPr id="1" name="Shape 146"/>
+        <p:cNvPr id="1" name="Shape 141"/>
         <p:cNvGrpSpPr/>
         <p:nvPr/>
       </p:nvGrpSpPr>
@@ -1495,7 +1394,7 @@
       </p:grpSpPr>
       <p:sp>
         <p:nvSpPr>
-          <p:cNvPr id="147" name="Google Shape;147;g144aaa0767c_0_84:notes"/>
+          <p:cNvPr id="142" name="Google Shape;142;g146cbe31ecc_0_96:notes"/>
           <p:cNvSpPr>
             <a:spLocks noGrp="1" noRot="1" noChangeAspect="1"/>
           </p:cNvSpPr>
@@ -1536,7 +1435,7 @@
       </p:sp>
       <p:sp>
         <p:nvSpPr>
-          <p:cNvPr id="148" name="Google Shape;148;g144aaa0767c_0_84:notes"/>
+          <p:cNvPr id="143" name="Google Shape;143;g146cbe31ecc_0_96:notes"/>
           <p:cNvSpPr txBox="1">
             <a:spLocks noGrp="1"/>
           </p:cNvSpPr>
@@ -1575,7 +1474,7 @@
     </p:spTree>
     <p:extLst>
       <p:ext uri="{BB962C8B-B14F-4D97-AF65-F5344CB8AC3E}">
-        <p14:creationId xmlns:p14="http://schemas.microsoft.com/office/powerpoint/2010/main" val="3682009053"/>
+        <p14:creationId xmlns:p14="http://schemas.microsoft.com/office/powerpoint/2010/main" val="3506008363"/>
       </p:ext>
     </p:extLst>
   </p:cSld>
@@ -1684,7 +1583,7 @@
     </p:spTree>
     <p:extLst>
       <p:ext uri="{BB962C8B-B14F-4D97-AF65-F5344CB8AC3E}">
-        <p14:creationId xmlns:p14="http://schemas.microsoft.com/office/powerpoint/2010/main" val="3506008363"/>
+        <p14:creationId xmlns:p14="http://schemas.microsoft.com/office/powerpoint/2010/main" val="4066291479"/>
       </p:ext>
     </p:extLst>
   </p:cSld>
@@ -1793,7 +1692,7 @@
     </p:spTree>
     <p:extLst>
       <p:ext uri="{BB962C8B-B14F-4D97-AF65-F5344CB8AC3E}">
-        <p14:creationId xmlns:p14="http://schemas.microsoft.com/office/powerpoint/2010/main" val="4066291479"/>
+        <p14:creationId xmlns:p14="http://schemas.microsoft.com/office/powerpoint/2010/main" val="1623051584"/>
       </p:ext>
     </p:extLst>
   </p:cSld>
@@ -1808,7 +1707,7 @@
   <p:cSld>
     <p:spTree>
       <p:nvGrpSpPr>
-        <p:cNvPr id="1" name="Shape 141"/>
+        <p:cNvPr id="1" name="Shape 177"/>
         <p:cNvGrpSpPr/>
         <p:nvPr/>
       </p:nvGrpSpPr>
@@ -1822,7 +1721,7 @@
       </p:grpSpPr>
       <p:sp>
         <p:nvSpPr>
-          <p:cNvPr id="142" name="Google Shape;142;g146cbe31ecc_0_96:notes"/>
+          <p:cNvPr id="178" name="Google Shape;178;g144aaa0767c_0_104:notes"/>
           <p:cNvSpPr>
             <a:spLocks noGrp="1" noRot="1" noChangeAspect="1"/>
           </p:cNvSpPr>
@@ -1863,7 +1762,7 @@
       </p:sp>
       <p:sp>
         <p:nvSpPr>
-          <p:cNvPr id="143" name="Google Shape;143;g146cbe31ecc_0_96:notes"/>
+          <p:cNvPr id="179" name="Google Shape;179;g144aaa0767c_0_104:notes"/>
           <p:cNvSpPr txBox="1">
             <a:spLocks noGrp="1"/>
           </p:cNvSpPr>
@@ -1900,11 +1799,6 @@
         </p:txBody>
       </p:sp>
     </p:spTree>
-    <p:extLst>
-      <p:ext uri="{BB962C8B-B14F-4D97-AF65-F5344CB8AC3E}">
-        <p14:creationId xmlns:p14="http://schemas.microsoft.com/office/powerpoint/2010/main" val="1623051584"/>
-      </p:ext>
-    </p:extLst>
   </p:cSld>
   <p:clrMapOvr>
     <a:masterClrMapping/>
@@ -4142,799 +4036,6 @@
 </p:sldLayout>
 </file>
 
-<file path=ppt/slideLayouts/slideLayout7.xml><?xml version="1.0" encoding="utf-8"?>
-<p:sldLayout xmlns:a="http://schemas.openxmlformats.org/drawingml/2006/main" xmlns:r="http://schemas.openxmlformats.org/officeDocument/2006/relationships" xmlns:p="http://schemas.openxmlformats.org/presentationml/2006/main" matchingName="Title and two columns" type="twoColTx">
-  <p:cSld name="Title and two columns">
-    <p:spTree>
-      <p:nvGrpSpPr>
-        <p:cNvPr id="1" name="Shape 68"/>
-        <p:cNvGrpSpPr/>
-        <p:nvPr/>
-      </p:nvGrpSpPr>
-      <p:grpSpPr>
-        <a:xfrm>
-          <a:off x="0" y="0"/>
-          <a:ext cx="0" cy="0"/>
-          <a:chOff x="0" y="0"/>
-          <a:chExt cx="0" cy="0"/>
-        </a:xfrm>
-      </p:grpSpPr>
-      <p:sp>
-        <p:nvSpPr>
-          <p:cNvPr id="69" name="Google Shape;69;p10"/>
-          <p:cNvSpPr txBox="1">
-            <a:spLocks noGrp="1"/>
-          </p:cNvSpPr>
-          <p:nvPr>
-            <p:ph type="title"/>
-          </p:nvPr>
-        </p:nvSpPr>
-        <p:spPr>
-          <a:xfrm>
-            <a:off x="311700" y="410000"/>
-            <a:ext cx="6614100" cy="607800"/>
-          </a:xfrm>
-          <a:prstGeom prst="rect">
-            <a:avLst/>
-          </a:prstGeom>
-        </p:spPr>
-        <p:txBody>
-          <a:bodyPr spcFirstLastPara="1" wrap="square" lIns="91425" tIns="91425" rIns="91425" bIns="91425" anchor="t" anchorCtr="0">
-            <a:normAutofit/>
-          </a:bodyPr>
-          <a:lstStyle>
-            <a:lvl1pPr lvl="0">
-              <a:spcBef>
-                <a:spcPts val="0"/>
-              </a:spcBef>
-              <a:spcAft>
-                <a:spcPts val="0"/>
-              </a:spcAft>
-              <a:buSzPts val="3000"/>
-              <a:buNone/>
-              <a:defRPr/>
-            </a:lvl1pPr>
-            <a:lvl2pPr lvl="1">
-              <a:spcBef>
-                <a:spcPts val="0"/>
-              </a:spcBef>
-              <a:spcAft>
-                <a:spcPts val="0"/>
-              </a:spcAft>
-              <a:buSzPts val="3000"/>
-              <a:buNone/>
-              <a:defRPr/>
-            </a:lvl2pPr>
-            <a:lvl3pPr lvl="2">
-              <a:spcBef>
-                <a:spcPts val="0"/>
-              </a:spcBef>
-              <a:spcAft>
-                <a:spcPts val="0"/>
-              </a:spcAft>
-              <a:buSzPts val="3000"/>
-              <a:buNone/>
-              <a:defRPr/>
-            </a:lvl3pPr>
-            <a:lvl4pPr lvl="3">
-              <a:spcBef>
-                <a:spcPts val="0"/>
-              </a:spcBef>
-              <a:spcAft>
-                <a:spcPts val="0"/>
-              </a:spcAft>
-              <a:buSzPts val="3000"/>
-              <a:buNone/>
-              <a:defRPr/>
-            </a:lvl4pPr>
-            <a:lvl5pPr lvl="4">
-              <a:spcBef>
-                <a:spcPts val="0"/>
-              </a:spcBef>
-              <a:spcAft>
-                <a:spcPts val="0"/>
-              </a:spcAft>
-              <a:buSzPts val="3000"/>
-              <a:buNone/>
-              <a:defRPr/>
-            </a:lvl5pPr>
-            <a:lvl6pPr lvl="5">
-              <a:spcBef>
-                <a:spcPts val="0"/>
-              </a:spcBef>
-              <a:spcAft>
-                <a:spcPts val="0"/>
-              </a:spcAft>
-              <a:buSzPts val="3000"/>
-              <a:buNone/>
-              <a:defRPr/>
-            </a:lvl6pPr>
-            <a:lvl7pPr lvl="6">
-              <a:spcBef>
-                <a:spcPts val="0"/>
-              </a:spcBef>
-              <a:spcAft>
-                <a:spcPts val="0"/>
-              </a:spcAft>
-              <a:buSzPts val="3000"/>
-              <a:buNone/>
-              <a:defRPr/>
-            </a:lvl7pPr>
-            <a:lvl8pPr lvl="7">
-              <a:spcBef>
-                <a:spcPts val="0"/>
-              </a:spcBef>
-              <a:spcAft>
-                <a:spcPts val="0"/>
-              </a:spcAft>
-              <a:buSzPts val="3000"/>
-              <a:buNone/>
-              <a:defRPr/>
-            </a:lvl8pPr>
-            <a:lvl9pPr lvl="8">
-              <a:spcBef>
-                <a:spcPts val="0"/>
-              </a:spcBef>
-              <a:spcAft>
-                <a:spcPts val="0"/>
-              </a:spcAft>
-              <a:buSzPts val="3000"/>
-              <a:buNone/>
-              <a:defRPr/>
-            </a:lvl9pPr>
-          </a:lstStyle>
-          <a:p>
-            <a:endParaRPr/>
-          </a:p>
-        </p:txBody>
-      </p:sp>
-      <p:sp>
-        <p:nvSpPr>
-          <p:cNvPr id="70" name="Google Shape;70;p10"/>
-          <p:cNvSpPr txBox="1">
-            <a:spLocks noGrp="1"/>
-          </p:cNvSpPr>
-          <p:nvPr>
-            <p:ph type="body" idx="1"/>
-          </p:nvPr>
-        </p:nvSpPr>
-        <p:spPr>
-          <a:xfrm>
-            <a:off x="311700" y="1229975"/>
-            <a:ext cx="3999900" cy="3339000"/>
-          </a:xfrm>
-          <a:prstGeom prst="rect">
-            <a:avLst/>
-          </a:prstGeom>
-        </p:spPr>
-        <p:txBody>
-          <a:bodyPr spcFirstLastPara="1" wrap="square" lIns="91425" tIns="91425" rIns="91425" bIns="91425" anchor="t" anchorCtr="0">
-            <a:normAutofit/>
-          </a:bodyPr>
-          <a:lstStyle>
-            <a:lvl1pPr marL="457200" lvl="0" indent="-317500">
-              <a:spcBef>
-                <a:spcPts val="0"/>
-              </a:spcBef>
-              <a:spcAft>
-                <a:spcPts val="0"/>
-              </a:spcAft>
-              <a:buSzPts val="1400"/>
-              <a:buChar char="●"/>
-              <a:defRPr sz="1400"/>
-            </a:lvl1pPr>
-            <a:lvl2pPr marL="914400" lvl="1" indent="-304800">
-              <a:spcBef>
-                <a:spcPts val="0"/>
-              </a:spcBef>
-              <a:spcAft>
-                <a:spcPts val="0"/>
-              </a:spcAft>
-              <a:buSzPts val="1200"/>
-              <a:buChar char="○"/>
-              <a:defRPr sz="1200"/>
-            </a:lvl2pPr>
-            <a:lvl3pPr marL="1371600" lvl="2" indent="-304800">
-              <a:spcBef>
-                <a:spcPts val="0"/>
-              </a:spcBef>
-              <a:spcAft>
-                <a:spcPts val="0"/>
-              </a:spcAft>
-              <a:buSzPts val="1200"/>
-              <a:buChar char="■"/>
-              <a:defRPr sz="1200"/>
-            </a:lvl3pPr>
-            <a:lvl4pPr marL="1828800" lvl="3" indent="-304800">
-              <a:spcBef>
-                <a:spcPts val="0"/>
-              </a:spcBef>
-              <a:spcAft>
-                <a:spcPts val="0"/>
-              </a:spcAft>
-              <a:buSzPts val="1200"/>
-              <a:buChar char="●"/>
-              <a:defRPr sz="1200"/>
-            </a:lvl4pPr>
-            <a:lvl5pPr marL="2286000" lvl="4" indent="-304800">
-              <a:spcBef>
-                <a:spcPts val="0"/>
-              </a:spcBef>
-              <a:spcAft>
-                <a:spcPts val="0"/>
-              </a:spcAft>
-              <a:buSzPts val="1200"/>
-              <a:buChar char="○"/>
-              <a:defRPr sz="1200"/>
-            </a:lvl5pPr>
-            <a:lvl6pPr marL="2743200" lvl="5" indent="-304800">
-              <a:spcBef>
-                <a:spcPts val="0"/>
-              </a:spcBef>
-              <a:spcAft>
-                <a:spcPts val="0"/>
-              </a:spcAft>
-              <a:buSzPts val="1200"/>
-              <a:buChar char="■"/>
-              <a:defRPr sz="1200"/>
-            </a:lvl6pPr>
-            <a:lvl7pPr marL="3200400" lvl="6" indent="-304800">
-              <a:spcBef>
-                <a:spcPts val="0"/>
-              </a:spcBef>
-              <a:spcAft>
-                <a:spcPts val="0"/>
-              </a:spcAft>
-              <a:buSzPts val="1200"/>
-              <a:buChar char="●"/>
-              <a:defRPr sz="1200"/>
-            </a:lvl7pPr>
-            <a:lvl8pPr marL="3657600" lvl="7" indent="-304800">
-              <a:spcBef>
-                <a:spcPts val="0"/>
-              </a:spcBef>
-              <a:spcAft>
-                <a:spcPts val="0"/>
-              </a:spcAft>
-              <a:buSzPts val="1200"/>
-              <a:buChar char="○"/>
-              <a:defRPr sz="1200"/>
-            </a:lvl8pPr>
-            <a:lvl9pPr marL="4114800" lvl="8" indent="-304800">
-              <a:spcBef>
-                <a:spcPts val="0"/>
-              </a:spcBef>
-              <a:spcAft>
-                <a:spcPts val="0"/>
-              </a:spcAft>
-              <a:buSzPts val="1200"/>
-              <a:buChar char="■"/>
-              <a:defRPr sz="1200"/>
-            </a:lvl9pPr>
-          </a:lstStyle>
-          <a:p>
-            <a:endParaRPr/>
-          </a:p>
-        </p:txBody>
-      </p:sp>
-      <p:sp>
-        <p:nvSpPr>
-          <p:cNvPr id="71" name="Google Shape;71;p10"/>
-          <p:cNvSpPr txBox="1">
-            <a:spLocks noGrp="1"/>
-          </p:cNvSpPr>
-          <p:nvPr>
-            <p:ph type="body" idx="2"/>
-          </p:nvPr>
-        </p:nvSpPr>
-        <p:spPr>
-          <a:xfrm>
-            <a:off x="4832400" y="1229975"/>
-            <a:ext cx="3999900" cy="3339000"/>
-          </a:xfrm>
-          <a:prstGeom prst="rect">
-            <a:avLst/>
-          </a:prstGeom>
-        </p:spPr>
-        <p:txBody>
-          <a:bodyPr spcFirstLastPara="1" wrap="square" lIns="91425" tIns="91425" rIns="91425" bIns="91425" anchor="t" anchorCtr="0">
-            <a:normAutofit/>
-          </a:bodyPr>
-          <a:lstStyle>
-            <a:lvl1pPr marL="457200" lvl="0" indent="-317500">
-              <a:spcBef>
-                <a:spcPts val="0"/>
-              </a:spcBef>
-              <a:spcAft>
-                <a:spcPts val="0"/>
-              </a:spcAft>
-              <a:buSzPts val="1400"/>
-              <a:buChar char="●"/>
-              <a:defRPr sz="1400"/>
-            </a:lvl1pPr>
-            <a:lvl2pPr marL="914400" lvl="1" indent="-304800">
-              <a:spcBef>
-                <a:spcPts val="0"/>
-              </a:spcBef>
-              <a:spcAft>
-                <a:spcPts val="0"/>
-              </a:spcAft>
-              <a:buSzPts val="1200"/>
-              <a:buChar char="○"/>
-              <a:defRPr sz="1200"/>
-            </a:lvl2pPr>
-            <a:lvl3pPr marL="1371600" lvl="2" indent="-304800">
-              <a:spcBef>
-                <a:spcPts val="0"/>
-              </a:spcBef>
-              <a:spcAft>
-                <a:spcPts val="0"/>
-              </a:spcAft>
-              <a:buSzPts val="1200"/>
-              <a:buChar char="■"/>
-              <a:defRPr sz="1200"/>
-            </a:lvl3pPr>
-            <a:lvl4pPr marL="1828800" lvl="3" indent="-304800">
-              <a:spcBef>
-                <a:spcPts val="0"/>
-              </a:spcBef>
-              <a:spcAft>
-                <a:spcPts val="0"/>
-              </a:spcAft>
-              <a:buSzPts val="1200"/>
-              <a:buChar char="●"/>
-              <a:defRPr sz="1200"/>
-            </a:lvl4pPr>
-            <a:lvl5pPr marL="2286000" lvl="4" indent="-304800">
-              <a:spcBef>
-                <a:spcPts val="0"/>
-              </a:spcBef>
-              <a:spcAft>
-                <a:spcPts val="0"/>
-              </a:spcAft>
-              <a:buSzPts val="1200"/>
-              <a:buChar char="○"/>
-              <a:defRPr sz="1200"/>
-            </a:lvl5pPr>
-            <a:lvl6pPr marL="2743200" lvl="5" indent="-304800">
-              <a:spcBef>
-                <a:spcPts val="0"/>
-              </a:spcBef>
-              <a:spcAft>
-                <a:spcPts val="0"/>
-              </a:spcAft>
-              <a:buSzPts val="1200"/>
-              <a:buChar char="■"/>
-              <a:defRPr sz="1200"/>
-            </a:lvl6pPr>
-            <a:lvl7pPr marL="3200400" lvl="6" indent="-304800">
-              <a:spcBef>
-                <a:spcPts val="0"/>
-              </a:spcBef>
-              <a:spcAft>
-                <a:spcPts val="0"/>
-              </a:spcAft>
-              <a:buSzPts val="1200"/>
-              <a:buChar char="●"/>
-              <a:defRPr sz="1200"/>
-            </a:lvl7pPr>
-            <a:lvl8pPr marL="3657600" lvl="7" indent="-304800">
-              <a:spcBef>
-                <a:spcPts val="0"/>
-              </a:spcBef>
-              <a:spcAft>
-                <a:spcPts val="0"/>
-              </a:spcAft>
-              <a:buSzPts val="1200"/>
-              <a:buChar char="○"/>
-              <a:defRPr sz="1200"/>
-            </a:lvl8pPr>
-            <a:lvl9pPr marL="4114800" lvl="8" indent="-304800">
-              <a:spcBef>
-                <a:spcPts val="0"/>
-              </a:spcBef>
-              <a:spcAft>
-                <a:spcPts val="0"/>
-              </a:spcAft>
-              <a:buSzPts val="1200"/>
-              <a:buChar char="■"/>
-              <a:defRPr sz="1200"/>
-            </a:lvl9pPr>
-          </a:lstStyle>
-          <a:p>
-            <a:endParaRPr/>
-          </a:p>
-        </p:txBody>
-      </p:sp>
-      <p:sp>
-        <p:nvSpPr>
-          <p:cNvPr id="72" name="Google Shape;72;p10"/>
-          <p:cNvSpPr txBox="1">
-            <a:spLocks noGrp="1"/>
-          </p:cNvSpPr>
-          <p:nvPr>
-            <p:ph type="sldNum" idx="12"/>
-          </p:nvPr>
-        </p:nvSpPr>
-        <p:spPr>
-          <a:xfrm>
-            <a:off x="8460431" y="4651190"/>
-            <a:ext cx="548700" cy="393600"/>
-          </a:xfrm>
-          <a:prstGeom prst="rect">
-            <a:avLst/>
-          </a:prstGeom>
-        </p:spPr>
-        <p:txBody>
-          <a:bodyPr spcFirstLastPara="1" wrap="square" lIns="91425" tIns="91425" rIns="91425" bIns="91425" anchor="ctr" anchorCtr="0">
-            <a:normAutofit/>
-          </a:bodyPr>
-          <a:lstStyle>
-            <a:lvl1pPr lvl="0">
-              <a:buNone/>
-              <a:defRPr>
-                <a:solidFill>
-                  <a:schemeClr val="dk2"/>
-                </a:solidFill>
-              </a:defRPr>
-            </a:lvl1pPr>
-            <a:lvl2pPr lvl="1">
-              <a:buNone/>
-              <a:defRPr>
-                <a:solidFill>
-                  <a:schemeClr val="dk2"/>
-                </a:solidFill>
-              </a:defRPr>
-            </a:lvl2pPr>
-            <a:lvl3pPr lvl="2">
-              <a:buNone/>
-              <a:defRPr>
-                <a:solidFill>
-                  <a:schemeClr val="dk2"/>
-                </a:solidFill>
-              </a:defRPr>
-            </a:lvl3pPr>
-            <a:lvl4pPr lvl="3">
-              <a:buNone/>
-              <a:defRPr>
-                <a:solidFill>
-                  <a:schemeClr val="dk2"/>
-                </a:solidFill>
-              </a:defRPr>
-            </a:lvl4pPr>
-            <a:lvl5pPr lvl="4">
-              <a:buNone/>
-              <a:defRPr>
-                <a:solidFill>
-                  <a:schemeClr val="dk2"/>
-                </a:solidFill>
-              </a:defRPr>
-            </a:lvl5pPr>
-            <a:lvl6pPr lvl="5">
-              <a:buNone/>
-              <a:defRPr>
-                <a:solidFill>
-                  <a:schemeClr val="dk2"/>
-                </a:solidFill>
-              </a:defRPr>
-            </a:lvl6pPr>
-            <a:lvl7pPr lvl="6">
-              <a:buNone/>
-              <a:defRPr>
-                <a:solidFill>
-                  <a:schemeClr val="dk2"/>
-                </a:solidFill>
-              </a:defRPr>
-            </a:lvl7pPr>
-            <a:lvl8pPr lvl="7">
-              <a:buNone/>
-              <a:defRPr>
-                <a:solidFill>
-                  <a:schemeClr val="dk2"/>
-                </a:solidFill>
-              </a:defRPr>
-            </a:lvl8pPr>
-            <a:lvl9pPr lvl="8">
-              <a:buNone/>
-              <a:defRPr>
-                <a:solidFill>
-                  <a:schemeClr val="dk2"/>
-                </a:solidFill>
-              </a:defRPr>
-            </a:lvl9pPr>
-          </a:lstStyle>
-          <a:p>
-            <a:pPr marL="0" lvl="0" indent="0" algn="r" rtl="0">
-              <a:spcBef>
-                <a:spcPts val="0"/>
-              </a:spcBef>
-              <a:spcAft>
-                <a:spcPts val="0"/>
-              </a:spcAft>
-              <a:buNone/>
-            </a:pPr>
-            <a:fld id="{00000000-1234-1234-1234-123412341234}" type="slidenum">
-              <a:rPr lang="en"/>
-              <a:t>‹#›</a:t>
-            </a:fld>
-            <a:endParaRPr dirty="0"/>
-          </a:p>
-        </p:txBody>
-      </p:sp>
-      <p:grpSp>
-        <p:nvGrpSpPr>
-          <p:cNvPr id="73" name="Google Shape;73;p10"/>
-          <p:cNvGrpSpPr/>
-          <p:nvPr/>
-        </p:nvGrpSpPr>
-        <p:grpSpPr>
-          <a:xfrm>
-            <a:off x="6971838" y="-12"/>
-            <a:ext cx="2174881" cy="1450030"/>
-            <a:chOff x="6098378" y="5"/>
-            <a:chExt cx="3045625" cy="2030570"/>
-          </a:xfrm>
-        </p:grpSpPr>
-        <p:sp>
-          <p:nvSpPr>
-            <p:cNvPr id="74" name="Google Shape;74;p10"/>
-            <p:cNvSpPr/>
-            <p:nvPr/>
-          </p:nvSpPr>
-          <p:spPr>
-            <a:xfrm>
-              <a:off x="8128803" y="16"/>
-              <a:ext cx="1015200" cy="1015200"/>
-            </a:xfrm>
-            <a:prstGeom prst="rect">
-              <a:avLst/>
-            </a:prstGeom>
-            <a:solidFill>
-              <a:schemeClr val="accent1"/>
-            </a:solidFill>
-            <a:ln>
-              <a:noFill/>
-            </a:ln>
-          </p:spPr>
-          <p:txBody>
-            <a:bodyPr spcFirstLastPara="1" wrap="square" lIns="91425" tIns="91425" rIns="91425" bIns="91425" anchor="ctr" anchorCtr="0">
-              <a:noAutofit/>
-            </a:bodyPr>
-            <a:lstStyle/>
-            <a:p>
-              <a:pPr marL="0" lvl="0" indent="0" algn="l" rtl="0">
-                <a:spcBef>
-                  <a:spcPts val="0"/>
-                </a:spcBef>
-                <a:spcAft>
-                  <a:spcPts val="0"/>
-                </a:spcAft>
-                <a:buNone/>
-              </a:pPr>
-              <a:endParaRPr dirty="0"/>
-            </a:p>
-          </p:txBody>
-        </p:sp>
-        <p:sp>
-          <p:nvSpPr>
-            <p:cNvPr id="75" name="Google Shape;75;p10"/>
-            <p:cNvSpPr/>
-            <p:nvPr/>
-          </p:nvSpPr>
-          <p:spPr>
-            <a:xfrm flipH="1">
-              <a:off x="7113463" y="5"/>
-              <a:ext cx="1015200" cy="1015200"/>
-            </a:xfrm>
-            <a:prstGeom prst="rtTriangle">
-              <a:avLst/>
-            </a:prstGeom>
-            <a:solidFill>
-              <a:schemeClr val="lt1"/>
-            </a:solidFill>
-            <a:ln>
-              <a:noFill/>
-            </a:ln>
-          </p:spPr>
-          <p:txBody>
-            <a:bodyPr spcFirstLastPara="1" wrap="square" lIns="91425" tIns="91425" rIns="91425" bIns="91425" anchor="ctr" anchorCtr="0">
-              <a:noAutofit/>
-            </a:bodyPr>
-            <a:lstStyle/>
-            <a:p>
-              <a:pPr marL="0" lvl="0" indent="0" algn="l" rtl="0">
-                <a:spcBef>
-                  <a:spcPts val="0"/>
-                </a:spcBef>
-                <a:spcAft>
-                  <a:spcPts val="0"/>
-                </a:spcAft>
-                <a:buNone/>
-              </a:pPr>
-              <a:endParaRPr dirty="0"/>
-            </a:p>
-          </p:txBody>
-        </p:sp>
-        <p:sp>
-          <p:nvSpPr>
-            <p:cNvPr id="76" name="Google Shape;76;p10"/>
-            <p:cNvSpPr/>
-            <p:nvPr/>
-          </p:nvSpPr>
-          <p:spPr>
-            <a:xfrm rot="10800000">
-              <a:off x="6098378" y="97"/>
-              <a:ext cx="1015200" cy="1015200"/>
-            </a:xfrm>
-            <a:prstGeom prst="rtTriangle">
-              <a:avLst/>
-            </a:prstGeom>
-            <a:solidFill>
-              <a:schemeClr val="lt1"/>
-            </a:solidFill>
-            <a:ln>
-              <a:noFill/>
-            </a:ln>
-          </p:spPr>
-          <p:txBody>
-            <a:bodyPr spcFirstLastPara="1" wrap="square" lIns="91425" tIns="91425" rIns="91425" bIns="91425" anchor="ctr" anchorCtr="0">
-              <a:noAutofit/>
-            </a:bodyPr>
-            <a:lstStyle/>
-            <a:p>
-              <a:pPr marL="0" lvl="0" indent="0" algn="l" rtl="0">
-                <a:spcBef>
-                  <a:spcPts val="0"/>
-                </a:spcBef>
-                <a:spcAft>
-                  <a:spcPts val="0"/>
-                </a:spcAft>
-                <a:buNone/>
-              </a:pPr>
-              <a:endParaRPr dirty="0"/>
-            </a:p>
-          </p:txBody>
-        </p:sp>
-        <p:sp>
-          <p:nvSpPr>
-            <p:cNvPr id="77" name="Google Shape;77;p10"/>
-            <p:cNvSpPr/>
-            <p:nvPr/>
-          </p:nvSpPr>
-          <p:spPr>
-            <a:xfrm rot="10800000">
-              <a:off x="8128789" y="1015375"/>
-              <a:ext cx="1015200" cy="1015200"/>
-            </a:xfrm>
-            <a:prstGeom prst="rtTriangle">
-              <a:avLst/>
-            </a:prstGeom>
-            <a:solidFill>
-              <a:schemeClr val="accent2"/>
-            </a:solidFill>
-            <a:ln>
-              <a:noFill/>
-            </a:ln>
-          </p:spPr>
-          <p:txBody>
-            <a:bodyPr spcFirstLastPara="1" wrap="square" lIns="91425" tIns="91425" rIns="91425" bIns="91425" anchor="ctr" anchorCtr="0">
-              <a:noAutofit/>
-            </a:bodyPr>
-            <a:lstStyle/>
-            <a:p>
-              <a:pPr marL="0" lvl="0" indent="0" algn="l" rtl="0">
-                <a:spcBef>
-                  <a:spcPts val="0"/>
-                </a:spcBef>
-                <a:spcAft>
-                  <a:spcPts val="0"/>
-                </a:spcAft>
-                <a:buNone/>
-              </a:pPr>
-              <a:endParaRPr dirty="0"/>
-            </a:p>
-          </p:txBody>
-        </p:sp>
-      </p:grpSp>
-      <p:pic>
-        <p:nvPicPr>
-          <p:cNvPr id="78" name="Google Shape;78;p10"/>
-          <p:cNvPicPr preferRelativeResize="0"/>
-          <p:nvPr/>
-        </p:nvPicPr>
-        <p:blipFill>
-          <a:blip r:embed="rId2">
-            <a:alphaModFix/>
-          </a:blip>
-          <a:stretch>
-            <a:fillRect/>
-          </a:stretch>
-        </p:blipFill>
-        <p:spPr>
-          <a:xfrm>
-            <a:off x="8675950" y="0"/>
-            <a:ext cx="470775" cy="470775"/>
-          </a:xfrm>
-          <a:prstGeom prst="rect">
-            <a:avLst/>
-          </a:prstGeom>
-          <a:noFill/>
-          <a:ln>
-            <a:noFill/>
-          </a:ln>
-        </p:spPr>
-      </p:pic>
-      <p:pic>
-        <p:nvPicPr>
-          <p:cNvPr id="79" name="Google Shape;79;p10"/>
-          <p:cNvPicPr preferRelativeResize="0"/>
-          <p:nvPr/>
-        </p:nvPicPr>
-        <p:blipFill>
-          <a:blip r:embed="rId3">
-            <a:alphaModFix/>
-          </a:blip>
-          <a:stretch>
-            <a:fillRect/>
-          </a:stretch>
-        </p:blipFill>
-        <p:spPr>
-          <a:xfrm>
-            <a:off x="190335" y="4651200"/>
-            <a:ext cx="970780" cy="319850"/>
-          </a:xfrm>
-          <a:prstGeom prst="rect">
-            <a:avLst/>
-          </a:prstGeom>
-          <a:noFill/>
-          <a:ln>
-            <a:noFill/>
-          </a:ln>
-        </p:spPr>
-      </p:pic>
-      <p:pic>
-        <p:nvPicPr>
-          <p:cNvPr id="2" name="Picture 1">
-            <a:extLst>
-              <a:ext uri="{FF2B5EF4-FFF2-40B4-BE49-F238E27FC236}">
-                <a16:creationId xmlns:a16="http://schemas.microsoft.com/office/drawing/2014/main" id="{4C3F07AF-469B-D3CF-D9C7-4D2528542FA3}"/>
-              </a:ext>
-            </a:extLst>
-          </p:cNvPr>
-          <p:cNvPicPr>
-            <a:picLocks noChangeAspect="1"/>
-          </p:cNvPicPr>
-          <p:nvPr userDrawn="1"/>
-        </p:nvPicPr>
-        <p:blipFill>
-          <a:blip r:embed="rId4"/>
-          <a:stretch>
-            <a:fillRect/>
-          </a:stretch>
-        </p:blipFill>
-        <p:spPr>
-          <a:xfrm>
-            <a:off x="1315843" y="4618434"/>
-            <a:ext cx="673323" cy="385382"/>
-          </a:xfrm>
-          <a:prstGeom prst="rect">
-            <a:avLst/>
-          </a:prstGeom>
-        </p:spPr>
-      </p:pic>
-    </p:spTree>
-    <p:extLst>
-      <p:ext uri="{BB962C8B-B14F-4D97-AF65-F5344CB8AC3E}">
-        <p14:creationId xmlns:p14="http://schemas.microsoft.com/office/powerpoint/2010/main" val="1033043230"/>
-      </p:ext>
-    </p:extLst>
-  </p:cSld>
-  <p:clrMapOvr>
-    <a:masterClrMapping/>
-  </p:clrMapOvr>
-</p:sldLayout>
-</file>
-
 <file path=ppt/slideMasters/slideMaster1.xml><?xml version="1.0" encoding="utf-8"?>
 <p:sldMaster xmlns:a="http://schemas.openxmlformats.org/drawingml/2006/main" xmlns:r="http://schemas.openxmlformats.org/officeDocument/2006/relationships" xmlns:p="http://schemas.openxmlformats.org/presentationml/2006/main">
   <p:cSld name="geometric">
@@ -5634,7 +4735,6 @@
     <p:sldLayoutId id="2147483661" r:id="rId4"/>
     <p:sldLayoutId id="2147483663" r:id="rId5"/>
     <p:sldLayoutId id="2147483665" r:id="rId6"/>
-    <p:sldLayoutId id="2147483666" r:id="rId7"/>
   </p:sldLayoutIdLst>
   <p:hf sldNum="0" hdr="0" ftr="0" dt="0"/>
   <p:txStyles>
@@ -6441,7 +5541,7 @@
             <a:pPr marL="0" lvl="0" indent="0"/>
             <a:r>
               <a:rPr lang="en-US" dirty="0"/>
-              <a:t>North America / Europe - 2025-10-08 @ 16:30 UTC</a:t>
+              <a:t>Europe / Asia - 2025-10-15 @ 08:30 UTC</a:t>
             </a:r>
             <a:endParaRPr dirty="0"/>
           </a:p>
@@ -6450,7 +5550,7 @@
     </p:spTree>
     <p:extLst>
       <p:ext uri="{BB962C8B-B14F-4D97-AF65-F5344CB8AC3E}">
-        <p14:creationId xmlns:p14="http://schemas.microsoft.com/office/powerpoint/2010/main" val="1190988011"/>
+        <p14:creationId xmlns:p14="http://schemas.microsoft.com/office/powerpoint/2010/main" val="947089284"/>
       </p:ext>
     </p:extLst>
   </p:cSld>
@@ -6461,6 +5561,1721 @@
 </file>
 
 <file path=ppt/slides/slide10.xml><?xml version="1.0" encoding="utf-8"?>
+<p:sld xmlns:a="http://schemas.openxmlformats.org/drawingml/2006/main" xmlns:r="http://schemas.openxmlformats.org/officeDocument/2006/relationships" xmlns:p="http://schemas.openxmlformats.org/presentationml/2006/main">
+  <p:cSld>
+    <p:spTree>
+      <p:nvGrpSpPr>
+        <p:cNvPr id="1" name=""/>
+        <p:cNvGrpSpPr/>
+        <p:nvPr/>
+      </p:nvGrpSpPr>
+      <p:grpSpPr>
+        <a:xfrm>
+          <a:off x="0" y="0"/>
+          <a:ext cx="0" cy="0"/>
+          <a:chOff x="0" y="0"/>
+          <a:chExt cx="0" cy="0"/>
+        </a:xfrm>
+      </p:grpSpPr>
+      <p:sp>
+        <p:nvSpPr>
+          <p:cNvPr id="2" name="Title 1">
+            <a:extLst>
+              <a:ext uri="{FF2B5EF4-FFF2-40B4-BE49-F238E27FC236}">
+                <a16:creationId xmlns:a16="http://schemas.microsoft.com/office/drawing/2014/main" id="{61A40F00-93AF-DFEE-0A05-975C494FAD9C}"/>
+              </a:ext>
+            </a:extLst>
+          </p:cNvPr>
+          <p:cNvSpPr>
+            <a:spLocks noGrp="1"/>
+          </p:cNvSpPr>
+          <p:nvPr>
+            <p:ph type="title"/>
+          </p:nvPr>
+        </p:nvSpPr>
+        <p:spPr/>
+        <p:txBody>
+          <a:bodyPr>
+            <a:normAutofit fontScale="90000"/>
+          </a:bodyPr>
+          <a:lstStyle/>
+          <a:p>
+            <a:r>
+              <a:rPr lang="en-JP" dirty="0"/>
+              <a:t>Meanwhile, Over At FINOS</a:t>
+            </a:r>
+          </a:p>
+        </p:txBody>
+      </p:sp>
+      <p:sp>
+        <p:nvSpPr>
+          <p:cNvPr id="3" name="Text Placeholder 2">
+            <a:extLst>
+              <a:ext uri="{FF2B5EF4-FFF2-40B4-BE49-F238E27FC236}">
+                <a16:creationId xmlns:a16="http://schemas.microsoft.com/office/drawing/2014/main" id="{52C67F67-6EFC-71A7-2226-08E4174E3B9C}"/>
+              </a:ext>
+            </a:extLst>
+          </p:cNvPr>
+          <p:cNvSpPr>
+            <a:spLocks noGrp="1"/>
+          </p:cNvSpPr>
+          <p:nvPr>
+            <p:ph type="body" idx="1"/>
+          </p:nvPr>
+        </p:nvSpPr>
+        <p:spPr/>
+        <p:txBody>
+          <a:bodyPr/>
+          <a:lstStyle/>
+          <a:p>
+            <a:r>
+              <a:rPr lang="en-US" dirty="0"/>
+              <a:t>We have a request from FINOS (bank open source) to help them consider ways to turn a governance framework into an ISO standard. Let’s walk through this: </a:t>
+            </a:r>
+            <a:br>
+              <a:rPr lang="en-US" dirty="0"/>
+            </a:br>
+            <a:r>
+              <a:rPr lang="en-US" dirty="0">
+                <a:hlinkClick r:id="rId2"/>
+              </a:rPr>
+              <a:t>https://air-governance-framework.finos.org</a:t>
+            </a:r>
+            <a:r>
+              <a:rPr lang="en-US" dirty="0"/>
+              <a:t> </a:t>
+            </a:r>
+          </a:p>
+          <a:p>
+            <a:endParaRPr lang="en-US" dirty="0"/>
+          </a:p>
+          <a:p>
+            <a:r>
+              <a:rPr lang="en-US" dirty="0"/>
+              <a:t>First thoughts: there is a lot of work to do to turn this series of information and solution ideas into a specification, but it seems like an interesting journey, and it would be interesting to see if we could collaborate if the community agrees.</a:t>
+            </a:r>
+          </a:p>
+          <a:p>
+            <a:r>
+              <a:rPr lang="en-US" dirty="0"/>
+              <a:t>Key thing: mapping </a:t>
+            </a:r>
+            <a:r>
+              <a:rPr lang="en-US" i="1" dirty="0"/>
+              <a:t>problem</a:t>
+            </a:r>
+            <a:r>
+              <a:rPr lang="en-US" dirty="0"/>
+              <a:t> &gt; </a:t>
+            </a:r>
+            <a:r>
+              <a:rPr lang="en-US" i="1" dirty="0"/>
+              <a:t>requirements to solve </a:t>
+            </a:r>
+            <a:r>
+              <a:rPr lang="en-US" dirty="0"/>
+              <a:t>&gt; </a:t>
+            </a:r>
+            <a:r>
+              <a:rPr lang="en-US" i="1" dirty="0"/>
+              <a:t>solution</a:t>
+            </a:r>
+            <a:endParaRPr lang="en-JP" i="1" dirty="0"/>
+          </a:p>
+        </p:txBody>
+      </p:sp>
+    </p:spTree>
+    <p:extLst>
+      <p:ext uri="{BB962C8B-B14F-4D97-AF65-F5344CB8AC3E}">
+        <p14:creationId xmlns:p14="http://schemas.microsoft.com/office/powerpoint/2010/main" val="134142318"/>
+      </p:ext>
+    </p:extLst>
+  </p:cSld>
+  <p:clrMapOvr>
+    <a:masterClrMapping/>
+  </p:clrMapOvr>
+</p:sld>
+</file>
+
+<file path=ppt/slides/slide11.xml><?xml version="1.0" encoding="utf-8"?>
+<p:sld xmlns:a="http://schemas.openxmlformats.org/drawingml/2006/main" xmlns:r="http://schemas.openxmlformats.org/officeDocument/2006/relationships" xmlns:p="http://schemas.openxmlformats.org/presentationml/2006/main">
+  <p:cSld>
+    <p:spTree>
+      <p:nvGrpSpPr>
+        <p:cNvPr id="1" name="Shape 144"/>
+        <p:cNvGrpSpPr/>
+        <p:nvPr/>
+      </p:nvGrpSpPr>
+      <p:grpSpPr>
+        <a:xfrm>
+          <a:off x="0" y="0"/>
+          <a:ext cx="0" cy="0"/>
+          <a:chOff x="0" y="0"/>
+          <a:chExt cx="0" cy="0"/>
+        </a:xfrm>
+      </p:grpSpPr>
+      <p:sp>
+        <p:nvSpPr>
+          <p:cNvPr id="145" name="Google Shape;145;p23"/>
+          <p:cNvSpPr txBox="1">
+            <a:spLocks noGrp="1"/>
+          </p:cNvSpPr>
+          <p:nvPr>
+            <p:ph type="title"/>
+          </p:nvPr>
+        </p:nvSpPr>
+        <p:spPr>
+          <a:xfrm>
+            <a:off x="598100" y="2152347"/>
+            <a:ext cx="8222100" cy="838800"/>
+          </a:xfrm>
+          <a:prstGeom prst="rect">
+            <a:avLst/>
+          </a:prstGeom>
+        </p:spPr>
+        <p:txBody>
+          <a:bodyPr spcFirstLastPara="1" wrap="square" lIns="91425" tIns="91425" rIns="91425" bIns="91425" anchor="ctr" anchorCtr="0">
+            <a:normAutofit/>
+          </a:bodyPr>
+          <a:lstStyle/>
+          <a:p>
+            <a:pPr marL="0" lvl="0" indent="0" algn="l" rtl="0">
+              <a:spcBef>
+                <a:spcPts val="0"/>
+              </a:spcBef>
+              <a:spcAft>
+                <a:spcPts val="0"/>
+              </a:spcAft>
+              <a:buNone/>
+            </a:pPr>
+            <a:r>
+              <a:rPr lang="en-US" dirty="0"/>
+              <a:t>Education Work Group</a:t>
+            </a:r>
+            <a:endParaRPr dirty="0"/>
+          </a:p>
+        </p:txBody>
+      </p:sp>
+      <p:pic>
+        <p:nvPicPr>
+          <p:cNvPr id="2" name="Picture 1">
+            <a:extLst>
+              <a:ext uri="{FF2B5EF4-FFF2-40B4-BE49-F238E27FC236}">
+                <a16:creationId xmlns:a16="http://schemas.microsoft.com/office/drawing/2014/main" id="{93D6512B-4352-C2ED-23BC-2CCA11A590A3}"/>
+              </a:ext>
+            </a:extLst>
+          </p:cNvPr>
+          <p:cNvPicPr>
+            <a:picLocks noChangeAspect="1"/>
+          </p:cNvPicPr>
+          <p:nvPr/>
+        </p:nvPicPr>
+        <p:blipFill>
+          <a:blip r:embed="rId3"/>
+          <a:srcRect/>
+          <a:stretch/>
+        </p:blipFill>
+        <p:spPr>
+          <a:xfrm>
+            <a:off x="7931820" y="0"/>
+            <a:ext cx="1212180" cy="1212180"/>
+          </a:xfrm>
+          <a:prstGeom prst="rect">
+            <a:avLst/>
+          </a:prstGeom>
+        </p:spPr>
+      </p:pic>
+    </p:spTree>
+    <p:extLst>
+      <p:ext uri="{BB962C8B-B14F-4D97-AF65-F5344CB8AC3E}">
+        <p14:creationId xmlns:p14="http://schemas.microsoft.com/office/powerpoint/2010/main" val="1975314787"/>
+      </p:ext>
+    </p:extLst>
+  </p:cSld>
+  <p:clrMapOvr>
+    <a:masterClrMapping/>
+  </p:clrMapOvr>
+</p:sld>
+</file>
+
+<file path=ppt/slides/slide12.xml><?xml version="1.0" encoding="utf-8"?>
+<p:sld xmlns:a="http://schemas.openxmlformats.org/drawingml/2006/main" xmlns:r="http://schemas.openxmlformats.org/officeDocument/2006/relationships" xmlns:p="http://schemas.openxmlformats.org/presentationml/2006/main">
+  <p:cSld>
+    <p:spTree>
+      <p:nvGrpSpPr>
+        <p:cNvPr id="1" name=""/>
+        <p:cNvGrpSpPr/>
+        <p:nvPr/>
+      </p:nvGrpSpPr>
+      <p:grpSpPr>
+        <a:xfrm>
+          <a:off x="0" y="0"/>
+          <a:ext cx="0" cy="0"/>
+          <a:chOff x="0" y="0"/>
+          <a:chExt cx="0" cy="0"/>
+        </a:xfrm>
+      </p:grpSpPr>
+      <p:sp>
+        <p:nvSpPr>
+          <p:cNvPr id="2" name="Title 1">
+            <a:extLst>
+              <a:ext uri="{FF2B5EF4-FFF2-40B4-BE49-F238E27FC236}">
+                <a16:creationId xmlns:a16="http://schemas.microsoft.com/office/drawing/2014/main" id="{90203FAF-AA08-B5ED-E162-53AE0EE19E1F}"/>
+              </a:ext>
+            </a:extLst>
+          </p:cNvPr>
+          <p:cNvSpPr>
+            <a:spLocks noGrp="1"/>
+          </p:cNvSpPr>
+          <p:nvPr>
+            <p:ph type="title"/>
+          </p:nvPr>
+        </p:nvSpPr>
+        <p:spPr/>
+        <p:txBody>
+          <a:bodyPr>
+            <a:normAutofit fontScale="90000"/>
+          </a:bodyPr>
+          <a:lstStyle/>
+          <a:p>
+            <a:r>
+              <a:rPr lang="en-JP" dirty="0"/>
+              <a:t>Update and Next Steps – Training Material</a:t>
+            </a:r>
+          </a:p>
+        </p:txBody>
+      </p:sp>
+      <p:sp>
+        <p:nvSpPr>
+          <p:cNvPr id="3" name="Text Placeholder 2">
+            <a:extLst>
+              <a:ext uri="{FF2B5EF4-FFF2-40B4-BE49-F238E27FC236}">
+                <a16:creationId xmlns:a16="http://schemas.microsoft.com/office/drawing/2014/main" id="{678CC759-90B3-FA4A-8F7F-E44B2B6284F8}"/>
+              </a:ext>
+            </a:extLst>
+          </p:cNvPr>
+          <p:cNvSpPr>
+            <a:spLocks noGrp="1"/>
+          </p:cNvSpPr>
+          <p:nvPr>
+            <p:ph type="body" idx="1"/>
+          </p:nvPr>
+        </p:nvSpPr>
+        <p:spPr>
+          <a:xfrm>
+            <a:off x="311700" y="1266450"/>
+            <a:ext cx="8520600" cy="3339000"/>
+          </a:xfrm>
+        </p:spPr>
+        <p:txBody>
+          <a:bodyPr>
+            <a:normAutofit fontScale="92500" lnSpcReduction="10000"/>
+          </a:bodyPr>
+          <a:lstStyle/>
+          <a:p>
+            <a:pPr marL="114300" indent="0">
+              <a:buNone/>
+            </a:pPr>
+            <a:r>
+              <a:rPr lang="en-US" b="1" dirty="0"/>
+              <a:t>Example Policy template</a:t>
+            </a:r>
+          </a:p>
+          <a:p>
+            <a:pPr marL="114300" indent="0">
+              <a:buNone/>
+            </a:pPr>
+            <a:r>
+              <a:rPr lang="en-US" dirty="0"/>
+              <a:t>Reference training links (as shown last call) committed to master</a:t>
+            </a:r>
+          </a:p>
+          <a:p>
+            <a:pPr marL="114300" indent="0">
+              <a:buNone/>
+            </a:pPr>
+            <a:r>
+              <a:rPr lang="en-US" dirty="0"/>
+              <a:t>"Require a procedure to create a SBOM" text updated, see:</a:t>
+            </a:r>
+            <a:br>
+              <a:rPr lang="en-US" dirty="0"/>
+            </a:br>
+            <a:r>
+              <a:rPr lang="en-US" dirty="0">
+                <a:hlinkClick r:id="rId2"/>
+              </a:rPr>
+              <a:t>https://github.com/OpenChain-Project/Reference-Material/issues/112</a:t>
+            </a:r>
+            <a:endParaRPr lang="en-US" dirty="0"/>
+          </a:p>
+          <a:p>
+            <a:pPr marL="114300" indent="0">
+              <a:buNone/>
+            </a:pPr>
+            <a:endParaRPr lang="en-US" dirty="0"/>
+          </a:p>
+          <a:p>
+            <a:pPr marL="114300" indent="0">
+              <a:buNone/>
+            </a:pPr>
+            <a:r>
+              <a:rPr lang="en-US" b="1" dirty="0"/>
+              <a:t>LFC193 Training</a:t>
+            </a:r>
+          </a:p>
+          <a:p>
+            <a:pPr marL="114300" indent="0">
+              <a:buNone/>
+            </a:pPr>
+            <a:r>
+              <a:rPr lang="en-US" dirty="0"/>
+              <a:t>Proposed updated Ch4 diagrams - intention is that for the LF Training hosted course an AI presenter can talk the text with accompanying video animated diagrams. See latest version : </a:t>
+            </a:r>
+            <a:br>
+              <a:rPr lang="en-US" dirty="0"/>
+            </a:br>
+            <a:r>
+              <a:rPr lang="en-US" dirty="0">
+                <a:hlinkClick r:id="rId3"/>
+              </a:rPr>
+              <a:t>https://github.com/OpenChain-Project/Reference-Material/tree/master/OpenChain-Training/en/Online-Training-Courses/LFC193%20Course%20Content</a:t>
+            </a:r>
+            <a:r>
+              <a:rPr lang="en-US" dirty="0"/>
+              <a:t> </a:t>
+            </a:r>
+          </a:p>
+        </p:txBody>
+      </p:sp>
+      <p:pic>
+        <p:nvPicPr>
+          <p:cNvPr id="4" name="Picture 3">
+            <a:extLst>
+              <a:ext uri="{FF2B5EF4-FFF2-40B4-BE49-F238E27FC236}">
+                <a16:creationId xmlns:a16="http://schemas.microsoft.com/office/drawing/2014/main" id="{C710BFFD-8BE8-DDF7-63F3-89EC8CCCB04B}"/>
+              </a:ext>
+            </a:extLst>
+          </p:cNvPr>
+          <p:cNvPicPr>
+            <a:picLocks noChangeAspect="1"/>
+          </p:cNvPicPr>
+          <p:nvPr/>
+        </p:nvPicPr>
+        <p:blipFill>
+          <a:blip r:embed="rId4"/>
+          <a:srcRect/>
+          <a:stretch/>
+        </p:blipFill>
+        <p:spPr>
+          <a:xfrm>
+            <a:off x="7931820" y="0"/>
+            <a:ext cx="1212180" cy="1212180"/>
+          </a:xfrm>
+          <a:prstGeom prst="rect">
+            <a:avLst/>
+          </a:prstGeom>
+        </p:spPr>
+      </p:pic>
+    </p:spTree>
+    <p:extLst>
+      <p:ext uri="{BB962C8B-B14F-4D97-AF65-F5344CB8AC3E}">
+        <p14:creationId xmlns:p14="http://schemas.microsoft.com/office/powerpoint/2010/main" val="2753625562"/>
+      </p:ext>
+    </p:extLst>
+  </p:cSld>
+  <p:clrMapOvr>
+    <a:masterClrMapping/>
+  </p:clrMapOvr>
+</p:sld>
+</file>
+
+<file path=ppt/slides/slide13.xml><?xml version="1.0" encoding="utf-8"?>
+<p:sld xmlns:a="http://schemas.openxmlformats.org/drawingml/2006/main" xmlns:r="http://schemas.openxmlformats.org/officeDocument/2006/relationships" xmlns:p="http://schemas.openxmlformats.org/presentationml/2006/main">
+  <p:cSld>
+    <p:spTree>
+      <p:nvGrpSpPr>
+        <p:cNvPr id="1" name="Shape 144"/>
+        <p:cNvGrpSpPr/>
+        <p:nvPr/>
+      </p:nvGrpSpPr>
+      <p:grpSpPr>
+        <a:xfrm>
+          <a:off x="0" y="0"/>
+          <a:ext cx="0" cy="0"/>
+          <a:chOff x="0" y="0"/>
+          <a:chExt cx="0" cy="0"/>
+        </a:xfrm>
+      </p:grpSpPr>
+      <p:sp>
+        <p:nvSpPr>
+          <p:cNvPr id="145" name="Google Shape;145;p23"/>
+          <p:cNvSpPr txBox="1">
+            <a:spLocks noGrp="1"/>
+          </p:cNvSpPr>
+          <p:nvPr>
+            <p:ph type="title"/>
+          </p:nvPr>
+        </p:nvSpPr>
+        <p:spPr>
+          <a:xfrm>
+            <a:off x="598100" y="2152347"/>
+            <a:ext cx="8222100" cy="838800"/>
+          </a:xfrm>
+          <a:prstGeom prst="rect">
+            <a:avLst/>
+          </a:prstGeom>
+        </p:spPr>
+        <p:txBody>
+          <a:bodyPr spcFirstLastPara="1" wrap="square" lIns="91425" tIns="91425" rIns="91425" bIns="91425" anchor="ctr" anchorCtr="0">
+            <a:normAutofit/>
+          </a:bodyPr>
+          <a:lstStyle/>
+          <a:p>
+            <a:pPr marL="0" lvl="0" indent="0" algn="l" rtl="0">
+              <a:spcBef>
+                <a:spcPts val="0"/>
+              </a:spcBef>
+              <a:spcAft>
+                <a:spcPts val="0"/>
+              </a:spcAft>
+              <a:buNone/>
+            </a:pPr>
+            <a:r>
+              <a:rPr lang="en-US" dirty="0"/>
+              <a:t>Any other business?</a:t>
+            </a:r>
+            <a:endParaRPr dirty="0"/>
+          </a:p>
+        </p:txBody>
+      </p:sp>
+    </p:spTree>
+    <p:extLst>
+      <p:ext uri="{BB962C8B-B14F-4D97-AF65-F5344CB8AC3E}">
+        <p14:creationId xmlns:p14="http://schemas.microsoft.com/office/powerpoint/2010/main" val="786786854"/>
+      </p:ext>
+    </p:extLst>
+  </p:cSld>
+  <p:clrMapOvr>
+    <a:masterClrMapping/>
+  </p:clrMapOvr>
+</p:sld>
+</file>
+
+<file path=ppt/slides/slide14.xml><?xml version="1.0" encoding="utf-8"?>
+<p:sld xmlns:a="http://schemas.openxmlformats.org/drawingml/2006/main" xmlns:r="http://schemas.openxmlformats.org/officeDocument/2006/relationships" xmlns:p="http://schemas.openxmlformats.org/presentationml/2006/main">
+  <p:cSld>
+    <p:spTree>
+      <p:nvGrpSpPr>
+        <p:cNvPr id="1" name="Shape 144"/>
+        <p:cNvGrpSpPr/>
+        <p:nvPr/>
+      </p:nvGrpSpPr>
+      <p:grpSpPr>
+        <a:xfrm>
+          <a:off x="0" y="0"/>
+          <a:ext cx="0" cy="0"/>
+          <a:chOff x="0" y="0"/>
+          <a:chExt cx="0" cy="0"/>
+        </a:xfrm>
+      </p:grpSpPr>
+      <p:sp>
+        <p:nvSpPr>
+          <p:cNvPr id="145" name="Google Shape;145;p23"/>
+          <p:cNvSpPr txBox="1">
+            <a:spLocks noGrp="1"/>
+          </p:cNvSpPr>
+          <p:nvPr>
+            <p:ph type="title"/>
+          </p:nvPr>
+        </p:nvSpPr>
+        <p:spPr>
+          <a:xfrm>
+            <a:off x="598100" y="2152347"/>
+            <a:ext cx="8222100" cy="838800"/>
+          </a:xfrm>
+          <a:prstGeom prst="rect">
+            <a:avLst/>
+          </a:prstGeom>
+        </p:spPr>
+        <p:txBody>
+          <a:bodyPr spcFirstLastPara="1" wrap="square" lIns="91425" tIns="91425" rIns="91425" bIns="91425" anchor="ctr" anchorCtr="0">
+            <a:normAutofit/>
+          </a:bodyPr>
+          <a:lstStyle/>
+          <a:p>
+            <a:pPr marL="0" lvl="0" indent="0" algn="l" rtl="0">
+              <a:spcBef>
+                <a:spcPts val="0"/>
+              </a:spcBef>
+              <a:spcAft>
+                <a:spcPts val="0"/>
+              </a:spcAft>
+              <a:buNone/>
+            </a:pPr>
+            <a:r>
+              <a:rPr lang="en-US" dirty="0"/>
+              <a:t>Close of meeting</a:t>
+            </a:r>
+            <a:endParaRPr dirty="0"/>
+          </a:p>
+        </p:txBody>
+      </p:sp>
+    </p:spTree>
+    <p:extLst>
+      <p:ext uri="{BB962C8B-B14F-4D97-AF65-F5344CB8AC3E}">
+        <p14:creationId xmlns:p14="http://schemas.microsoft.com/office/powerpoint/2010/main" val="724416444"/>
+      </p:ext>
+    </p:extLst>
+  </p:cSld>
+  <p:clrMapOvr>
+    <a:masterClrMapping/>
+  </p:clrMapOvr>
+</p:sld>
+</file>
+
+<file path=ppt/slides/slide15.xml><?xml version="1.0" encoding="utf-8"?>
+<p:sld xmlns:a="http://schemas.openxmlformats.org/drawingml/2006/main" xmlns:r="http://schemas.openxmlformats.org/officeDocument/2006/relationships" xmlns:p="http://schemas.openxmlformats.org/presentationml/2006/main">
+  <p:cSld>
+    <p:spTree>
+      <p:nvGrpSpPr>
+        <p:cNvPr id="1" name="Shape 180"/>
+        <p:cNvGrpSpPr/>
+        <p:nvPr/>
+      </p:nvGrpSpPr>
+      <p:grpSpPr>
+        <a:xfrm>
+          <a:off x="0" y="0"/>
+          <a:ext cx="0" cy="0"/>
+          <a:chOff x="0" y="0"/>
+          <a:chExt cx="0" cy="0"/>
+        </a:xfrm>
+      </p:grpSpPr>
+      <p:sp>
+        <p:nvSpPr>
+          <p:cNvPr id="3" name="Text Placeholder 2">
+            <a:extLst>
+              <a:ext uri="{FF2B5EF4-FFF2-40B4-BE49-F238E27FC236}">
+                <a16:creationId xmlns:a16="http://schemas.microsoft.com/office/drawing/2014/main" id="{318B57C4-0EE4-84CC-F4DC-10D170F512D8}"/>
+              </a:ext>
+            </a:extLst>
+          </p:cNvPr>
+          <p:cNvSpPr>
+            <a:spLocks noGrp="1"/>
+          </p:cNvSpPr>
+          <p:nvPr>
+            <p:ph type="body" idx="1"/>
+          </p:nvPr>
+        </p:nvSpPr>
+        <p:spPr/>
+        <p:txBody>
+          <a:bodyPr/>
+          <a:lstStyle/>
+          <a:p>
+            <a:r>
+              <a:rPr lang="en-JP" dirty="0"/>
+              <a:t>See you next time!</a:t>
+            </a:r>
+          </a:p>
+        </p:txBody>
+      </p:sp>
+    </p:spTree>
+  </p:cSld>
+  <p:clrMapOvr>
+    <a:masterClrMapping/>
+  </p:clrMapOvr>
+</p:sld>
+</file>
+
+<file path=ppt/slides/slide2.xml><?xml version="1.0" encoding="utf-8"?>
+<p:sld xmlns:a="http://schemas.openxmlformats.org/drawingml/2006/main" xmlns:r="http://schemas.openxmlformats.org/officeDocument/2006/relationships" xmlns:p="http://schemas.openxmlformats.org/presentationml/2006/main">
+  <p:cSld>
+    <p:spTree>
+      <p:nvGrpSpPr>
+        <p:cNvPr id="1" name="Shape 156">
+          <a:extLst>
+            <a:ext uri="{FF2B5EF4-FFF2-40B4-BE49-F238E27FC236}">
+              <a16:creationId xmlns:a16="http://schemas.microsoft.com/office/drawing/2014/main" id="{1FB7760A-A438-CF83-58B9-104D650B44D0}"/>
+            </a:ext>
+          </a:extLst>
+        </p:cNvPr>
+        <p:cNvGrpSpPr/>
+        <p:nvPr/>
+      </p:nvGrpSpPr>
+      <p:grpSpPr>
+        <a:xfrm>
+          <a:off x="0" y="0"/>
+          <a:ext cx="0" cy="0"/>
+          <a:chOff x="0" y="0"/>
+          <a:chExt cx="0" cy="0"/>
+        </a:xfrm>
+      </p:grpSpPr>
+      <p:sp>
+        <p:nvSpPr>
+          <p:cNvPr id="157" name="Google Shape;157;p25">
+            <a:extLst>
+              <a:ext uri="{FF2B5EF4-FFF2-40B4-BE49-F238E27FC236}">
+                <a16:creationId xmlns:a16="http://schemas.microsoft.com/office/drawing/2014/main" id="{7A30E041-2553-6337-7E68-DDCF3A20E850}"/>
+              </a:ext>
+            </a:extLst>
+          </p:cNvPr>
+          <p:cNvSpPr txBox="1">
+            <a:spLocks noGrp="1"/>
+          </p:cNvSpPr>
+          <p:nvPr>
+            <p:ph type="title"/>
+          </p:nvPr>
+        </p:nvSpPr>
+        <p:spPr>
+          <a:xfrm>
+            <a:off x="311700" y="410000"/>
+            <a:ext cx="8520600" cy="607800"/>
+          </a:xfrm>
+          <a:prstGeom prst="rect">
+            <a:avLst/>
+          </a:prstGeom>
+        </p:spPr>
+        <p:txBody>
+          <a:bodyPr spcFirstLastPara="1" wrap="square" lIns="91425" tIns="91425" rIns="91425" bIns="91425" anchor="t" anchorCtr="0">
+            <a:normAutofit fontScale="90000"/>
+          </a:bodyPr>
+          <a:lstStyle/>
+          <a:p>
+            <a:pPr marL="0" lvl="0" indent="0" algn="l" rtl="0">
+              <a:spcBef>
+                <a:spcPts val="0"/>
+              </a:spcBef>
+              <a:spcAft>
+                <a:spcPts val="0"/>
+              </a:spcAft>
+              <a:buNone/>
+            </a:pPr>
+            <a:r>
+              <a:rPr lang="en-US" dirty="0"/>
+              <a:t>Anti-Trust Policy Notice</a:t>
+            </a:r>
+            <a:endParaRPr dirty="0"/>
+          </a:p>
+        </p:txBody>
+      </p:sp>
+      <p:sp>
+        <p:nvSpPr>
+          <p:cNvPr id="158" name="Google Shape;158;p25">
+            <a:extLst>
+              <a:ext uri="{FF2B5EF4-FFF2-40B4-BE49-F238E27FC236}">
+                <a16:creationId xmlns:a16="http://schemas.microsoft.com/office/drawing/2014/main" id="{888CF8C5-3787-B0CC-C452-3AEA8E7E9D8F}"/>
+              </a:ext>
+            </a:extLst>
+          </p:cNvPr>
+          <p:cNvSpPr txBox="1">
+            <a:spLocks noGrp="1"/>
+          </p:cNvSpPr>
+          <p:nvPr>
+            <p:ph type="body" idx="1"/>
+          </p:nvPr>
+        </p:nvSpPr>
+        <p:spPr>
+          <a:xfrm>
+            <a:off x="280350" y="1266450"/>
+            <a:ext cx="8520600" cy="3339000"/>
+          </a:xfrm>
+          <a:prstGeom prst="rect">
+            <a:avLst/>
+          </a:prstGeom>
+        </p:spPr>
+        <p:txBody>
+          <a:bodyPr spcFirstLastPara="1" wrap="square" lIns="91425" tIns="91425" rIns="91425" bIns="91425" anchor="t" anchorCtr="0">
+            <a:normAutofit fontScale="85000" lnSpcReduction="10000"/>
+          </a:bodyPr>
+          <a:lstStyle/>
+          <a:p>
+            <a:pPr marL="285750" indent="-285750">
+              <a:spcAft>
+                <a:spcPts val="1200"/>
+              </a:spcAft>
+            </a:pPr>
+            <a:r>
+              <a:rPr lang="en-US" dirty="0"/>
+              <a:t>Linux Foundation meetings involve participation by industry competitors, and it is the intention of the Linux Foundation to conduct all of its activities in accordance with applicable antitrust and competition laws. It is therefore extremely important that attendees adhere to meeting agendas, and be aware of, and not participate in, any activities that are prohibited under applicable US state, federal or foreign antitrust and competition laws.</a:t>
+            </a:r>
+          </a:p>
+          <a:p>
+            <a:pPr marL="285750" indent="-285750">
+              <a:spcAft>
+                <a:spcPts val="1200"/>
+              </a:spcAft>
+            </a:pPr>
+            <a:r>
+              <a:rPr lang="en-US"/>
+              <a:t>Examples </a:t>
+            </a:r>
+            <a:r>
+              <a:rPr lang="en-US" dirty="0"/>
+              <a:t>of types of actions that are prohibited at Linux Foundation meetings and in connection with Linux Foundation activities are described in the Linux Foundation Antitrust Policy available at http://</a:t>
+            </a:r>
+            <a:r>
+              <a:rPr lang="en-US" dirty="0" err="1"/>
+              <a:t>www.linuxfoundation.org</a:t>
+            </a:r>
+            <a:r>
+              <a:rPr lang="en-US" dirty="0"/>
+              <a:t>/antitrust-policy. If you have questions about these matters, please contact your company counsel, or if you are a member of the Linux Foundation, feel free to contact Andrew </a:t>
+            </a:r>
+            <a:r>
+              <a:rPr lang="en-US" dirty="0" err="1"/>
+              <a:t>Updegrove</a:t>
+            </a:r>
+            <a:r>
+              <a:rPr lang="en-US" dirty="0"/>
+              <a:t> of the firm of </a:t>
+            </a:r>
+            <a:r>
+              <a:rPr lang="en-US" dirty="0" err="1"/>
+              <a:t>Gesmer</a:t>
+            </a:r>
+            <a:r>
+              <a:rPr lang="en-US" dirty="0"/>
+              <a:t> </a:t>
+            </a:r>
+            <a:r>
+              <a:rPr lang="en-US" dirty="0" err="1"/>
+              <a:t>Updegrove</a:t>
+            </a:r>
+            <a:r>
+              <a:rPr lang="en-US" dirty="0"/>
+              <a:t> LLP, which provides legal counsel to the Linux Foundation.</a:t>
+            </a:r>
+          </a:p>
+          <a:p>
+            <a:pPr marL="0" lvl="0" indent="0" algn="l" rtl="0">
+              <a:spcBef>
+                <a:spcPts val="0"/>
+              </a:spcBef>
+              <a:spcAft>
+                <a:spcPts val="1200"/>
+              </a:spcAft>
+              <a:buNone/>
+            </a:pPr>
+            <a:endParaRPr lang="en-US" dirty="0"/>
+          </a:p>
+          <a:p>
+            <a:pPr marL="0" lvl="0" indent="0" algn="l" rtl="0">
+              <a:spcBef>
+                <a:spcPts val="0"/>
+              </a:spcBef>
+              <a:spcAft>
+                <a:spcPts val="1200"/>
+              </a:spcAft>
+              <a:buNone/>
+            </a:pPr>
+            <a:endParaRPr dirty="0"/>
+          </a:p>
+        </p:txBody>
+      </p:sp>
+    </p:spTree>
+    <p:extLst>
+      <p:ext uri="{BB962C8B-B14F-4D97-AF65-F5344CB8AC3E}">
+        <p14:creationId xmlns:p14="http://schemas.microsoft.com/office/powerpoint/2010/main" val="3545938135"/>
+      </p:ext>
+    </p:extLst>
+  </p:cSld>
+  <p:clrMapOvr>
+    <a:masterClrMapping/>
+  </p:clrMapOvr>
+</p:sld>
+</file>
+
+<file path=ppt/slides/slide3.xml><?xml version="1.0" encoding="utf-8"?>
+<p:sld xmlns:a="http://schemas.openxmlformats.org/drawingml/2006/main" xmlns:r="http://schemas.openxmlformats.org/officeDocument/2006/relationships" xmlns:p="http://schemas.openxmlformats.org/presentationml/2006/main">
+  <p:cSld>
+    <p:spTree>
+      <p:nvGrpSpPr>
+        <p:cNvPr id="1" name="Shape 156">
+          <a:extLst>
+            <a:ext uri="{FF2B5EF4-FFF2-40B4-BE49-F238E27FC236}">
+              <a16:creationId xmlns:a16="http://schemas.microsoft.com/office/drawing/2014/main" id="{9B48FC86-A1B4-E438-A1F8-D3BC1E792783}"/>
+            </a:ext>
+          </a:extLst>
+        </p:cNvPr>
+        <p:cNvGrpSpPr/>
+        <p:nvPr/>
+      </p:nvGrpSpPr>
+      <p:grpSpPr>
+        <a:xfrm>
+          <a:off x="0" y="0"/>
+          <a:ext cx="0" cy="0"/>
+          <a:chOff x="0" y="0"/>
+          <a:chExt cx="0" cy="0"/>
+        </a:xfrm>
+      </p:grpSpPr>
+      <p:sp>
+        <p:nvSpPr>
+          <p:cNvPr id="157" name="Google Shape;157;p25">
+            <a:extLst>
+              <a:ext uri="{FF2B5EF4-FFF2-40B4-BE49-F238E27FC236}">
+                <a16:creationId xmlns:a16="http://schemas.microsoft.com/office/drawing/2014/main" id="{85E02CB8-4AA3-CD52-A1C3-AFC55D9F36CB}"/>
+              </a:ext>
+            </a:extLst>
+          </p:cNvPr>
+          <p:cNvSpPr txBox="1">
+            <a:spLocks noGrp="1"/>
+          </p:cNvSpPr>
+          <p:nvPr>
+            <p:ph type="title"/>
+          </p:nvPr>
+        </p:nvSpPr>
+        <p:spPr>
+          <a:xfrm>
+            <a:off x="311700" y="410000"/>
+            <a:ext cx="8520600" cy="607800"/>
+          </a:xfrm>
+          <a:prstGeom prst="rect">
+            <a:avLst/>
+          </a:prstGeom>
+        </p:spPr>
+        <p:txBody>
+          <a:bodyPr spcFirstLastPara="1" wrap="square" lIns="91425" tIns="91425" rIns="91425" bIns="91425" anchor="t" anchorCtr="0">
+            <a:normAutofit fontScale="90000"/>
+          </a:bodyPr>
+          <a:lstStyle/>
+          <a:p>
+            <a:pPr marL="0" lvl="0" indent="0" algn="l" rtl="0">
+              <a:spcBef>
+                <a:spcPts val="0"/>
+              </a:spcBef>
+              <a:spcAft>
+                <a:spcPts val="0"/>
+              </a:spcAft>
+              <a:buNone/>
+            </a:pPr>
+            <a:r>
+              <a:rPr lang="en-US" dirty="0"/>
+              <a:t>Agenda</a:t>
+            </a:r>
+            <a:endParaRPr dirty="0"/>
+          </a:p>
+        </p:txBody>
+      </p:sp>
+      <p:sp>
+        <p:nvSpPr>
+          <p:cNvPr id="158" name="Google Shape;158;p25">
+            <a:extLst>
+              <a:ext uri="{FF2B5EF4-FFF2-40B4-BE49-F238E27FC236}">
+                <a16:creationId xmlns:a16="http://schemas.microsoft.com/office/drawing/2014/main" id="{BB4CE212-D959-F666-8F64-603FBE19B24D}"/>
+              </a:ext>
+            </a:extLst>
+          </p:cNvPr>
+          <p:cNvSpPr txBox="1">
+            <a:spLocks noGrp="1"/>
+          </p:cNvSpPr>
+          <p:nvPr>
+            <p:ph type="body" idx="1"/>
+          </p:nvPr>
+        </p:nvSpPr>
+        <p:spPr>
+          <a:xfrm>
+            <a:off x="280350" y="1266450"/>
+            <a:ext cx="8520600" cy="3339000"/>
+          </a:xfrm>
+          <a:prstGeom prst="rect">
+            <a:avLst/>
+          </a:prstGeom>
+        </p:spPr>
+        <p:txBody>
+          <a:bodyPr spcFirstLastPara="1" wrap="square" lIns="91425" tIns="91425" rIns="91425" bIns="91425" anchor="t" anchorCtr="0">
+            <a:normAutofit/>
+          </a:bodyPr>
+          <a:lstStyle/>
+          <a:p>
+            <a:pPr marL="342900">
+              <a:spcAft>
+                <a:spcPts val="1200"/>
+              </a:spcAft>
+              <a:buSzPct val="100000"/>
+              <a:buFont typeface="+mj-lt"/>
+              <a:buAutoNum type="arabicPeriod"/>
+            </a:pPr>
+            <a:r>
+              <a:rPr lang="en-US" dirty="0"/>
+              <a:t>OpenChain Project News</a:t>
+            </a:r>
+          </a:p>
+          <a:p>
+            <a:pPr marL="342900">
+              <a:spcAft>
+                <a:spcPts val="1200"/>
+              </a:spcAft>
+              <a:buSzPct val="100000"/>
+              <a:buFont typeface="+mj-lt"/>
+              <a:buAutoNum type="arabicPeriod"/>
+            </a:pPr>
+            <a:r>
+              <a:rPr lang="en-US" dirty="0"/>
+              <a:t>Specification Work Group – CRA, other regulations and our standards</a:t>
+            </a:r>
+          </a:p>
+          <a:p>
+            <a:pPr marL="342900">
+              <a:spcAft>
+                <a:spcPts val="1200"/>
+              </a:spcAft>
+              <a:buSzPct val="100000"/>
+              <a:buFont typeface="+mj-lt"/>
+              <a:buAutoNum type="arabicPeriod"/>
+            </a:pPr>
+            <a:r>
+              <a:rPr lang="en-US" dirty="0"/>
+              <a:t>Education Work Group – Update on Status and Community Work Items</a:t>
+            </a:r>
+          </a:p>
+          <a:p>
+            <a:pPr marL="342900">
+              <a:spcAft>
+                <a:spcPts val="1200"/>
+              </a:spcAft>
+              <a:buSzPct val="100000"/>
+              <a:buFont typeface="+mj-lt"/>
+              <a:buAutoNum type="arabicPeriod"/>
+            </a:pPr>
+            <a:r>
+              <a:rPr lang="en-US" dirty="0"/>
+              <a:t>Any Other Business?</a:t>
+            </a:r>
+          </a:p>
+        </p:txBody>
+      </p:sp>
+    </p:spTree>
+    <p:extLst>
+      <p:ext uri="{BB962C8B-B14F-4D97-AF65-F5344CB8AC3E}">
+        <p14:creationId xmlns:p14="http://schemas.microsoft.com/office/powerpoint/2010/main" val="3252606295"/>
+      </p:ext>
+    </p:extLst>
+  </p:cSld>
+  <p:clrMapOvr>
+    <a:masterClrMapping/>
+  </p:clrMapOvr>
+</p:sld>
+</file>
+
+<file path=ppt/slides/slide4.xml><?xml version="1.0" encoding="utf-8"?>
+<p:sld xmlns:a="http://schemas.openxmlformats.org/drawingml/2006/main" xmlns:r="http://schemas.openxmlformats.org/officeDocument/2006/relationships" xmlns:p="http://schemas.openxmlformats.org/presentationml/2006/main">
+  <p:cSld>
+    <p:spTree>
+      <p:nvGrpSpPr>
+        <p:cNvPr id="1" name="Shape 144">
+          <a:extLst>
+            <a:ext uri="{FF2B5EF4-FFF2-40B4-BE49-F238E27FC236}">
+              <a16:creationId xmlns:a16="http://schemas.microsoft.com/office/drawing/2014/main" id="{0A0571AB-4228-68E7-D9B8-CD992B0461E4}"/>
+            </a:ext>
+          </a:extLst>
+        </p:cNvPr>
+        <p:cNvGrpSpPr/>
+        <p:nvPr/>
+      </p:nvGrpSpPr>
+      <p:grpSpPr>
+        <a:xfrm>
+          <a:off x="0" y="0"/>
+          <a:ext cx="0" cy="0"/>
+          <a:chOff x="0" y="0"/>
+          <a:chExt cx="0" cy="0"/>
+        </a:xfrm>
+      </p:grpSpPr>
+      <p:sp>
+        <p:nvSpPr>
+          <p:cNvPr id="145" name="Google Shape;145;p23">
+            <a:extLst>
+              <a:ext uri="{FF2B5EF4-FFF2-40B4-BE49-F238E27FC236}">
+                <a16:creationId xmlns:a16="http://schemas.microsoft.com/office/drawing/2014/main" id="{E0C342DE-DE73-E620-CBB2-205F3359C07F}"/>
+              </a:ext>
+            </a:extLst>
+          </p:cNvPr>
+          <p:cNvSpPr txBox="1">
+            <a:spLocks noGrp="1"/>
+          </p:cNvSpPr>
+          <p:nvPr>
+            <p:ph type="title"/>
+          </p:nvPr>
+        </p:nvSpPr>
+        <p:spPr>
+          <a:xfrm>
+            <a:off x="598100" y="2152347"/>
+            <a:ext cx="8222100" cy="838800"/>
+          </a:xfrm>
+          <a:prstGeom prst="rect">
+            <a:avLst/>
+          </a:prstGeom>
+        </p:spPr>
+        <p:txBody>
+          <a:bodyPr spcFirstLastPara="1" wrap="square" lIns="91425" tIns="91425" rIns="91425" bIns="91425" anchor="ctr" anchorCtr="0">
+            <a:normAutofit/>
+          </a:bodyPr>
+          <a:lstStyle/>
+          <a:p>
+            <a:pPr marL="0" lvl="0" indent="0" algn="l" rtl="0">
+              <a:spcBef>
+                <a:spcPts val="0"/>
+              </a:spcBef>
+              <a:spcAft>
+                <a:spcPts val="0"/>
+              </a:spcAft>
+              <a:buNone/>
+            </a:pPr>
+            <a:r>
+              <a:rPr lang="en-US" dirty="0"/>
+              <a:t>OpenChain Project News</a:t>
+            </a:r>
+            <a:endParaRPr dirty="0"/>
+          </a:p>
+        </p:txBody>
+      </p:sp>
+    </p:spTree>
+    <p:extLst>
+      <p:ext uri="{BB962C8B-B14F-4D97-AF65-F5344CB8AC3E}">
+        <p14:creationId xmlns:p14="http://schemas.microsoft.com/office/powerpoint/2010/main" val="2650262574"/>
+      </p:ext>
+    </p:extLst>
+  </p:cSld>
+  <p:clrMapOvr>
+    <a:masterClrMapping/>
+  </p:clrMapOvr>
+</p:sld>
+</file>
+
+<file path=ppt/slides/slide5.xml><?xml version="1.0" encoding="utf-8"?>
+<p:sld xmlns:a="http://schemas.openxmlformats.org/drawingml/2006/main" xmlns:r="http://schemas.openxmlformats.org/officeDocument/2006/relationships" xmlns:p="http://schemas.openxmlformats.org/presentationml/2006/main">
+  <p:cSld>
+    <p:spTree>
+      <p:nvGrpSpPr>
+        <p:cNvPr id="1" name=""/>
+        <p:cNvGrpSpPr/>
+        <p:nvPr/>
+      </p:nvGrpSpPr>
+      <p:grpSpPr>
+        <a:xfrm>
+          <a:off x="0" y="0"/>
+          <a:ext cx="0" cy="0"/>
+          <a:chOff x="0" y="0"/>
+          <a:chExt cx="0" cy="0"/>
+        </a:xfrm>
+      </p:grpSpPr>
+      <p:sp>
+        <p:nvSpPr>
+          <p:cNvPr id="2" name="Title 1">
+            <a:extLst>
+              <a:ext uri="{FF2B5EF4-FFF2-40B4-BE49-F238E27FC236}">
+                <a16:creationId xmlns:a16="http://schemas.microsoft.com/office/drawing/2014/main" id="{BC5AE2B8-4C7A-2D80-3746-85B2F68B60B8}"/>
+              </a:ext>
+            </a:extLst>
+          </p:cNvPr>
+          <p:cNvSpPr>
+            <a:spLocks noGrp="1"/>
+          </p:cNvSpPr>
+          <p:nvPr>
+            <p:ph type="title"/>
+          </p:nvPr>
+        </p:nvSpPr>
+        <p:spPr/>
+        <p:txBody>
+          <a:bodyPr>
+            <a:normAutofit fontScale="90000"/>
+          </a:bodyPr>
+          <a:lstStyle/>
+          <a:p>
+            <a:r>
+              <a:rPr lang="en-JP" dirty="0"/>
+              <a:t>General Project News</a:t>
+            </a:r>
+          </a:p>
+        </p:txBody>
+      </p:sp>
+      <p:sp>
+        <p:nvSpPr>
+          <p:cNvPr id="3" name="Text Placeholder 2">
+            <a:extLst>
+              <a:ext uri="{FF2B5EF4-FFF2-40B4-BE49-F238E27FC236}">
+                <a16:creationId xmlns:a16="http://schemas.microsoft.com/office/drawing/2014/main" id="{D781B545-61B1-7B1E-E47F-9486E02D410B}"/>
+              </a:ext>
+            </a:extLst>
+          </p:cNvPr>
+          <p:cNvSpPr>
+            <a:spLocks noGrp="1"/>
+          </p:cNvSpPr>
+          <p:nvPr>
+            <p:ph type="body" idx="1"/>
+          </p:nvPr>
+        </p:nvSpPr>
+        <p:spPr>
+          <a:xfrm>
+            <a:off x="280350" y="1999716"/>
+            <a:ext cx="8520600" cy="2605733"/>
+          </a:xfrm>
+        </p:spPr>
+        <p:txBody>
+          <a:bodyPr>
+            <a:normAutofit/>
+          </a:bodyPr>
+          <a:lstStyle/>
+          <a:p>
+            <a:pPr>
+              <a:buFont typeface="+mj-lt"/>
+              <a:buAutoNum type="arabicPeriod"/>
+            </a:pPr>
+            <a:r>
+              <a:rPr lang="en-US" sz="1600" dirty="0"/>
+              <a:t>Welcoming the OpenChain Ambassador Program – we have over 20!:</a:t>
+            </a:r>
+            <a:br>
+              <a:rPr lang="en-US" sz="1600" dirty="0"/>
+            </a:br>
+            <a:r>
+              <a:rPr lang="en-US" sz="1600" dirty="0">
+                <a:hlinkClick r:id="rId2"/>
+              </a:rPr>
+              <a:t>https://openchainproject.org/news/2025/09/18/welcoming-the-openchain-ambassador-program</a:t>
+            </a:r>
+            <a:r>
+              <a:rPr lang="en-US" sz="1600" dirty="0"/>
+              <a:t> </a:t>
+            </a:r>
+            <a:endParaRPr lang="en-JP" sz="1600" strike="sngStrike" dirty="0"/>
+          </a:p>
+          <a:p>
+            <a:pPr>
+              <a:buFont typeface="+mj-lt"/>
+              <a:buAutoNum type="arabicPeriod"/>
+            </a:pPr>
+            <a:r>
+              <a:rPr lang="en-US" sz="1600" dirty="0"/>
+              <a:t>OpenChain ISO/IEC 18974 was referenced in the CRA standards development:</a:t>
+            </a:r>
+            <a:br>
+              <a:rPr lang="en-US" sz="1600" dirty="0"/>
+            </a:br>
+            <a:r>
+              <a:rPr lang="en-US" sz="1600" dirty="0">
+                <a:hlinkClick r:id="rId3"/>
+              </a:rPr>
+              <a:t>https://openchainproject.org/news/2025/09/18/update-on-openchain-iso-iec-18974-and-the-cra</a:t>
+            </a:r>
+            <a:r>
+              <a:rPr lang="en-US" sz="1600" dirty="0"/>
+              <a:t> </a:t>
+            </a:r>
+            <a:endParaRPr lang="en-JP" sz="1600" strike="sngStrike" dirty="0"/>
+          </a:p>
+          <a:p>
+            <a:pPr>
+              <a:buFont typeface="+mj-lt"/>
+              <a:buAutoNum type="arabicPeriod"/>
+            </a:pPr>
+            <a:r>
+              <a:rPr lang="en-US" sz="1600" dirty="0"/>
+              <a:t>OpenChain SBOM Work Group – driving forward SBOM quality discussion</a:t>
+            </a:r>
+            <a:r>
+              <a:rPr lang="en-JP" sz="1600" dirty="0"/>
+              <a:t>:</a:t>
+            </a:r>
+            <a:br>
+              <a:rPr lang="en-JP" sz="1600" dirty="0"/>
+            </a:br>
+            <a:r>
+              <a:rPr lang="en-US" sz="1600" dirty="0">
+                <a:hlinkClick r:id="rId4"/>
+              </a:rPr>
+              <a:t>https://openchainproject.org/news/2025/09/25/sbom-work-group-2025-09-24</a:t>
+            </a:r>
+            <a:r>
+              <a:rPr lang="en-US" sz="1600" dirty="0"/>
+              <a:t> </a:t>
+            </a:r>
+            <a:endParaRPr lang="en-JP" sz="1600" strike="sngStrike" dirty="0"/>
+          </a:p>
+        </p:txBody>
+      </p:sp>
+      <p:pic>
+        <p:nvPicPr>
+          <p:cNvPr id="5" name="Picture 4" descr="A group of people with penguins&#10;&#10;AI-generated content may be incorrect.">
+            <a:extLst>
+              <a:ext uri="{FF2B5EF4-FFF2-40B4-BE49-F238E27FC236}">
+                <a16:creationId xmlns:a16="http://schemas.microsoft.com/office/drawing/2014/main" id="{6D5E3D6B-625B-F987-D080-C2444C849379}"/>
+              </a:ext>
+            </a:extLst>
+          </p:cNvPr>
+          <p:cNvPicPr>
+            <a:picLocks noChangeAspect="1"/>
+          </p:cNvPicPr>
+          <p:nvPr/>
+        </p:nvPicPr>
+        <p:blipFill>
+          <a:blip r:embed="rId5"/>
+          <a:stretch>
+            <a:fillRect/>
+          </a:stretch>
+        </p:blipFill>
+        <p:spPr>
+          <a:xfrm>
+            <a:off x="4405531" y="476"/>
+            <a:ext cx="4738470" cy="1930874"/>
+          </a:xfrm>
+          <a:prstGeom prst="rect">
+            <a:avLst/>
+          </a:prstGeom>
+        </p:spPr>
+      </p:pic>
+    </p:spTree>
+    <p:extLst>
+      <p:ext uri="{BB962C8B-B14F-4D97-AF65-F5344CB8AC3E}">
+        <p14:creationId xmlns:p14="http://schemas.microsoft.com/office/powerpoint/2010/main" val="485496349"/>
+      </p:ext>
+    </p:extLst>
+  </p:cSld>
+  <p:clrMapOvr>
+    <a:masterClrMapping/>
+  </p:clrMapOvr>
+</p:sld>
+</file>
+
+<file path=ppt/slides/slide6.xml><?xml version="1.0" encoding="utf-8"?>
+<p:sld xmlns:a="http://schemas.openxmlformats.org/drawingml/2006/main" xmlns:r="http://schemas.openxmlformats.org/officeDocument/2006/relationships" xmlns:p="http://schemas.openxmlformats.org/presentationml/2006/main">
+  <p:cSld>
+    <p:spTree>
+      <p:nvGrpSpPr>
+        <p:cNvPr id="1" name="">
+          <a:extLst>
+            <a:ext uri="{FF2B5EF4-FFF2-40B4-BE49-F238E27FC236}">
+              <a16:creationId xmlns:a16="http://schemas.microsoft.com/office/drawing/2014/main" id="{5697F8AA-79C8-5B00-EADF-214D7F142A73}"/>
+            </a:ext>
+          </a:extLst>
+        </p:cNvPr>
+        <p:cNvGrpSpPr/>
+        <p:nvPr/>
+      </p:nvGrpSpPr>
+      <p:grpSpPr>
+        <a:xfrm>
+          <a:off x="0" y="0"/>
+          <a:ext cx="0" cy="0"/>
+          <a:chOff x="0" y="0"/>
+          <a:chExt cx="0" cy="0"/>
+        </a:xfrm>
+      </p:grpSpPr>
+      <p:sp>
+        <p:nvSpPr>
+          <p:cNvPr id="2" name="Title 1">
+            <a:extLst>
+              <a:ext uri="{FF2B5EF4-FFF2-40B4-BE49-F238E27FC236}">
+                <a16:creationId xmlns:a16="http://schemas.microsoft.com/office/drawing/2014/main" id="{2BD1CA88-AC42-DA65-7484-1B5B78C998BE}"/>
+              </a:ext>
+            </a:extLst>
+          </p:cNvPr>
+          <p:cNvSpPr>
+            <a:spLocks noGrp="1"/>
+          </p:cNvSpPr>
+          <p:nvPr>
+            <p:ph type="title"/>
+          </p:nvPr>
+        </p:nvSpPr>
+        <p:spPr/>
+        <p:txBody>
+          <a:bodyPr>
+            <a:normAutofit fontScale="90000"/>
+          </a:bodyPr>
+          <a:lstStyle/>
+          <a:p>
+            <a:r>
+              <a:rPr lang="en-JP" dirty="0"/>
+              <a:t>SBOM News</a:t>
+            </a:r>
+          </a:p>
+        </p:txBody>
+      </p:sp>
+      <p:sp>
+        <p:nvSpPr>
+          <p:cNvPr id="3" name="Text Placeholder 2">
+            <a:extLst>
+              <a:ext uri="{FF2B5EF4-FFF2-40B4-BE49-F238E27FC236}">
+                <a16:creationId xmlns:a16="http://schemas.microsoft.com/office/drawing/2014/main" id="{57568937-36B1-8046-AB9B-46E82B386830}"/>
+              </a:ext>
+            </a:extLst>
+          </p:cNvPr>
+          <p:cNvSpPr>
+            <a:spLocks noGrp="1"/>
+          </p:cNvSpPr>
+          <p:nvPr>
+            <p:ph type="body" idx="1"/>
+          </p:nvPr>
+        </p:nvSpPr>
+        <p:spPr>
+          <a:xfrm>
+            <a:off x="280350" y="1999716"/>
+            <a:ext cx="4445474" cy="2605733"/>
+          </a:xfrm>
+        </p:spPr>
+        <p:txBody>
+          <a:bodyPr>
+            <a:normAutofit lnSpcReduction="10000"/>
+          </a:bodyPr>
+          <a:lstStyle/>
+          <a:p>
+            <a:pPr>
+              <a:buFont typeface="+mj-lt"/>
+              <a:buAutoNum type="arabicPeriod"/>
+            </a:pPr>
+            <a:r>
+              <a:rPr lang="en-US" sz="1600" dirty="0"/>
+              <a:t>The updated 2025 CISA SBOM Guidelines (Draft) are available:</a:t>
+            </a:r>
+            <a:br>
+              <a:rPr lang="en-US" sz="1600" dirty="0"/>
+            </a:br>
+            <a:r>
+              <a:rPr lang="en-US" sz="1400" dirty="0">
+                <a:hlinkClick r:id="rId2"/>
+              </a:rPr>
+              <a:t>https://www.cisa.gov/sites/default/files/2025-08/2025_CISA_SBOM_Minimum_Elements.pdf</a:t>
+            </a:r>
+            <a:r>
+              <a:rPr lang="en-US" sz="1400" dirty="0"/>
+              <a:t> </a:t>
+            </a:r>
+          </a:p>
+          <a:p>
+            <a:pPr>
+              <a:buFont typeface="+mj-lt"/>
+              <a:buAutoNum type="arabicPeriod"/>
+            </a:pPr>
+            <a:r>
+              <a:rPr lang="en-US" sz="1600" dirty="0"/>
+              <a:t>We will be following this process closely for the SBOM Quality Guide(s).</a:t>
+            </a:r>
+          </a:p>
+          <a:p>
+            <a:pPr>
+              <a:buFont typeface="+mj-lt"/>
+              <a:buAutoNum type="arabicPeriod"/>
+            </a:pPr>
+            <a:r>
+              <a:rPr lang="en-US" sz="1600" dirty="0"/>
+              <a:t>We (SBOM and Telco) already collaborated with sister projects to prepare comments for the deadline.</a:t>
+            </a:r>
+          </a:p>
+        </p:txBody>
+      </p:sp>
+      <p:pic>
+        <p:nvPicPr>
+          <p:cNvPr id="6" name="Picture 5" descr="A blue and white cover with white text&#10;&#10;AI-generated content may be incorrect.">
+            <a:extLst>
+              <a:ext uri="{FF2B5EF4-FFF2-40B4-BE49-F238E27FC236}">
+                <a16:creationId xmlns:a16="http://schemas.microsoft.com/office/drawing/2014/main" id="{7AA6568D-EF98-9F66-18B2-6D102713FE15}"/>
+              </a:ext>
+            </a:extLst>
+          </p:cNvPr>
+          <p:cNvPicPr>
+            <a:picLocks noChangeAspect="1"/>
+          </p:cNvPicPr>
+          <p:nvPr/>
+        </p:nvPicPr>
+        <p:blipFill>
+          <a:blip r:embed="rId3"/>
+          <a:stretch>
+            <a:fillRect/>
+          </a:stretch>
+        </p:blipFill>
+        <p:spPr>
+          <a:xfrm>
+            <a:off x="5117979" y="700221"/>
+            <a:ext cx="4026021" cy="3743058"/>
+          </a:xfrm>
+          <a:prstGeom prst="rect">
+            <a:avLst/>
+          </a:prstGeom>
+        </p:spPr>
+      </p:pic>
+    </p:spTree>
+    <p:extLst>
+      <p:ext uri="{BB962C8B-B14F-4D97-AF65-F5344CB8AC3E}">
+        <p14:creationId xmlns:p14="http://schemas.microsoft.com/office/powerpoint/2010/main" val="707334303"/>
+      </p:ext>
+    </p:extLst>
+  </p:cSld>
+  <p:clrMapOvr>
+    <a:masterClrMapping/>
+  </p:clrMapOvr>
+</p:sld>
+</file>
+
+<file path=ppt/slides/slide7.xml><?xml version="1.0" encoding="utf-8"?>
+<p:sld xmlns:a="http://schemas.openxmlformats.org/drawingml/2006/main" xmlns:r="http://schemas.openxmlformats.org/officeDocument/2006/relationships" xmlns:p="http://schemas.openxmlformats.org/presentationml/2006/main">
+  <p:cSld>
+    <p:spTree>
+      <p:nvGrpSpPr>
+        <p:cNvPr id="1" name="Shape 144">
+          <a:extLst>
+            <a:ext uri="{FF2B5EF4-FFF2-40B4-BE49-F238E27FC236}">
+              <a16:creationId xmlns:a16="http://schemas.microsoft.com/office/drawing/2014/main" id="{10EE17C6-53A2-B920-3F80-6EB37341C9DF}"/>
+            </a:ext>
+          </a:extLst>
+        </p:cNvPr>
+        <p:cNvGrpSpPr/>
+        <p:nvPr/>
+      </p:nvGrpSpPr>
+      <p:grpSpPr>
+        <a:xfrm>
+          <a:off x="0" y="0"/>
+          <a:ext cx="0" cy="0"/>
+          <a:chOff x="0" y="0"/>
+          <a:chExt cx="0" cy="0"/>
+        </a:xfrm>
+      </p:grpSpPr>
+      <p:sp>
+        <p:nvSpPr>
+          <p:cNvPr id="145" name="Google Shape;145;p23">
+            <a:extLst>
+              <a:ext uri="{FF2B5EF4-FFF2-40B4-BE49-F238E27FC236}">
+                <a16:creationId xmlns:a16="http://schemas.microsoft.com/office/drawing/2014/main" id="{94A3758D-64D1-FE35-AE0F-593D8CC9E704}"/>
+              </a:ext>
+            </a:extLst>
+          </p:cNvPr>
+          <p:cNvSpPr txBox="1">
+            <a:spLocks noGrp="1"/>
+          </p:cNvSpPr>
+          <p:nvPr>
+            <p:ph type="title"/>
+          </p:nvPr>
+        </p:nvSpPr>
+        <p:spPr>
+          <a:xfrm>
+            <a:off x="598100" y="2152347"/>
+            <a:ext cx="8222100" cy="838800"/>
+          </a:xfrm>
+          <a:prstGeom prst="rect">
+            <a:avLst/>
+          </a:prstGeom>
+        </p:spPr>
+        <p:txBody>
+          <a:bodyPr spcFirstLastPara="1" wrap="square" lIns="91425" tIns="91425" rIns="91425" bIns="91425" anchor="ctr" anchorCtr="0">
+            <a:normAutofit/>
+          </a:bodyPr>
+          <a:lstStyle/>
+          <a:p>
+            <a:pPr marL="0" lvl="0" indent="0" algn="l" rtl="0">
+              <a:spcBef>
+                <a:spcPts val="0"/>
+              </a:spcBef>
+              <a:spcAft>
+                <a:spcPts val="0"/>
+              </a:spcAft>
+              <a:buNone/>
+            </a:pPr>
+            <a:r>
+              <a:rPr lang="en-US" dirty="0"/>
+              <a:t>Specification Work Group</a:t>
+            </a:r>
+            <a:endParaRPr dirty="0"/>
+          </a:p>
+        </p:txBody>
+      </p:sp>
+      <p:pic>
+        <p:nvPicPr>
+          <p:cNvPr id="2" name="Picture 1" descr="A person in a suit and tie&#10;&#10;AI-generated content may be incorrect.">
+            <a:extLst>
+              <a:ext uri="{FF2B5EF4-FFF2-40B4-BE49-F238E27FC236}">
+                <a16:creationId xmlns:a16="http://schemas.microsoft.com/office/drawing/2014/main" id="{159D15C5-F612-45F3-9FA5-CFEC3B1C6601}"/>
+              </a:ext>
+            </a:extLst>
+          </p:cNvPr>
+          <p:cNvPicPr>
+            <a:picLocks noChangeAspect="1"/>
+          </p:cNvPicPr>
+          <p:nvPr/>
+        </p:nvPicPr>
+        <p:blipFill>
+          <a:blip r:embed="rId3"/>
+          <a:stretch>
+            <a:fillRect/>
+          </a:stretch>
+        </p:blipFill>
+        <p:spPr>
+          <a:xfrm>
+            <a:off x="7931820" y="0"/>
+            <a:ext cx="1212180" cy="1212180"/>
+          </a:xfrm>
+          <a:prstGeom prst="rect">
+            <a:avLst/>
+          </a:prstGeom>
+        </p:spPr>
+      </p:pic>
+    </p:spTree>
+    <p:extLst>
+      <p:ext uri="{BB962C8B-B14F-4D97-AF65-F5344CB8AC3E}">
+        <p14:creationId xmlns:p14="http://schemas.microsoft.com/office/powerpoint/2010/main" val="2474155359"/>
+      </p:ext>
+    </p:extLst>
+  </p:cSld>
+  <p:clrMapOvr>
+    <a:masterClrMapping/>
+  </p:clrMapOvr>
+</p:sld>
+</file>
+
+<file path=ppt/slides/slide8.xml><?xml version="1.0" encoding="utf-8"?>
+<p:sld xmlns:a="http://schemas.openxmlformats.org/drawingml/2006/main" xmlns:r="http://schemas.openxmlformats.org/officeDocument/2006/relationships" xmlns:p="http://schemas.openxmlformats.org/presentationml/2006/main">
+  <p:cSld>
+    <p:spTree>
+      <p:nvGrpSpPr>
+        <p:cNvPr id="1" name=""/>
+        <p:cNvGrpSpPr/>
+        <p:nvPr/>
+      </p:nvGrpSpPr>
+      <p:grpSpPr>
+        <a:xfrm>
+          <a:off x="0" y="0"/>
+          <a:ext cx="0" cy="0"/>
+          <a:chOff x="0" y="0"/>
+          <a:chExt cx="0" cy="0"/>
+        </a:xfrm>
+      </p:grpSpPr>
+      <p:sp>
+        <p:nvSpPr>
+          <p:cNvPr id="2" name="Title 1">
+            <a:extLst>
+              <a:ext uri="{FF2B5EF4-FFF2-40B4-BE49-F238E27FC236}">
+                <a16:creationId xmlns:a16="http://schemas.microsoft.com/office/drawing/2014/main" id="{7941415A-1739-6B67-BB25-B03696BB3EF3}"/>
+              </a:ext>
+            </a:extLst>
+          </p:cNvPr>
+          <p:cNvSpPr>
+            <a:spLocks noGrp="1"/>
+          </p:cNvSpPr>
+          <p:nvPr>
+            <p:ph type="title"/>
+          </p:nvPr>
+        </p:nvSpPr>
+        <p:spPr/>
+        <p:txBody>
+          <a:bodyPr>
+            <a:normAutofit fontScale="90000"/>
+          </a:bodyPr>
+          <a:lstStyle/>
+          <a:p>
+            <a:r>
+              <a:rPr lang="en-JP" dirty="0"/>
+              <a:t>Further Development of the Specs</a:t>
+            </a:r>
+          </a:p>
+        </p:txBody>
+      </p:sp>
+      <p:sp>
+        <p:nvSpPr>
+          <p:cNvPr id="3" name="Text Placeholder 2">
+            <a:extLst>
+              <a:ext uri="{FF2B5EF4-FFF2-40B4-BE49-F238E27FC236}">
+                <a16:creationId xmlns:a16="http://schemas.microsoft.com/office/drawing/2014/main" id="{F4809B5E-FB4D-31C6-776A-2253EFAD9725}"/>
+              </a:ext>
+            </a:extLst>
+          </p:cNvPr>
+          <p:cNvSpPr>
+            <a:spLocks noGrp="1"/>
+          </p:cNvSpPr>
+          <p:nvPr>
+            <p:ph type="body" idx="1"/>
+          </p:nvPr>
+        </p:nvSpPr>
+        <p:spPr/>
+        <p:txBody>
+          <a:bodyPr>
+            <a:normAutofit/>
+          </a:bodyPr>
+          <a:lstStyle/>
+          <a:p>
+            <a:pPr marL="114300" indent="0">
+              <a:buNone/>
+            </a:pPr>
+            <a:r>
+              <a:rPr lang="en-US" dirty="0"/>
+              <a:t>An open question for our community is whether we should continue to expand the scope and coverage of our two standards: ISO/IEC 5230 and ISO/IEC 18974.</a:t>
+            </a:r>
+          </a:p>
+          <a:p>
+            <a:pPr marL="114300" indent="0">
+              <a:buNone/>
+            </a:pPr>
+            <a:endParaRPr lang="en-US" dirty="0"/>
+          </a:p>
+          <a:p>
+            <a:pPr marL="114300" indent="0">
+              <a:buNone/>
+            </a:pPr>
+            <a:r>
+              <a:rPr lang="en-US" dirty="0"/>
+              <a:t>Perhaps the most immediate example is the Security Specification, ISO/IEC 18974, with the incoming CRA regulation in December 2026 (see next slide).</a:t>
+            </a:r>
+          </a:p>
+          <a:p>
+            <a:pPr marL="114300" indent="0">
+              <a:buNone/>
+            </a:pPr>
+            <a:endParaRPr lang="en-US" dirty="0"/>
+          </a:p>
+          <a:p>
+            <a:pPr marL="114300" indent="0">
+              <a:buNone/>
+            </a:pPr>
+            <a:r>
+              <a:rPr lang="en-US" i="1" dirty="0" err="1"/>
+              <a:t>tl;dr</a:t>
+            </a:r>
+            <a:r>
+              <a:rPr lang="en-US" i="1" dirty="0"/>
+              <a:t>: at the North America / Europe meeting earlier this month, we had emerging consensus that the most important thing was a global focus, and to explore commonalities of regulations…but not favor specific geographies.</a:t>
+            </a:r>
+          </a:p>
+        </p:txBody>
+      </p:sp>
+      <p:pic>
+        <p:nvPicPr>
+          <p:cNvPr id="4" name="Picture 3" descr="A person in a suit and tie&#10;&#10;AI-generated content may be incorrect.">
+            <a:extLst>
+              <a:ext uri="{FF2B5EF4-FFF2-40B4-BE49-F238E27FC236}">
+                <a16:creationId xmlns:a16="http://schemas.microsoft.com/office/drawing/2014/main" id="{CCCF66E2-5AF3-F7D9-AE70-25DD3BD54990}"/>
+              </a:ext>
+            </a:extLst>
+          </p:cNvPr>
+          <p:cNvPicPr>
+            <a:picLocks noChangeAspect="1"/>
+          </p:cNvPicPr>
+          <p:nvPr/>
+        </p:nvPicPr>
+        <p:blipFill>
+          <a:blip r:embed="rId2"/>
+          <a:stretch>
+            <a:fillRect/>
+          </a:stretch>
+        </p:blipFill>
+        <p:spPr>
+          <a:xfrm>
+            <a:off x="7931820" y="0"/>
+            <a:ext cx="1212180" cy="1212180"/>
+          </a:xfrm>
+          <a:prstGeom prst="rect">
+            <a:avLst/>
+          </a:prstGeom>
+        </p:spPr>
+      </p:pic>
+    </p:spTree>
+    <p:extLst>
+      <p:ext uri="{BB962C8B-B14F-4D97-AF65-F5344CB8AC3E}">
+        <p14:creationId xmlns:p14="http://schemas.microsoft.com/office/powerpoint/2010/main" val="3959356158"/>
+      </p:ext>
+    </p:extLst>
+  </p:cSld>
+  <p:clrMapOvr>
+    <a:masterClrMapping/>
+  </p:clrMapOvr>
+</p:sld>
+</file>
+
+<file path=ppt/slides/slide9.xml><?xml version="1.0" encoding="utf-8"?>
 <p:sld xmlns:a="http://schemas.openxmlformats.org/drawingml/2006/main" xmlns:r="http://schemas.openxmlformats.org/officeDocument/2006/relationships" xmlns:p="http://schemas.openxmlformats.org/presentationml/2006/main">
   <p:cSld>
     <p:spTree>
@@ -6543,13 +7358,7 @@
           <p:cNvGraphicFramePr>
             <a:graphicFrameLocks noGrp="1"/>
           </p:cNvGraphicFramePr>
-          <p:nvPr>
-            <p:extLst>
-              <p:ext uri="{D42A27DB-BD31-4B8C-83A1-F6EECF244321}">
-                <p14:modId xmlns:p14="http://schemas.microsoft.com/office/powerpoint/2010/main" val="948368589"/>
-              </p:ext>
-            </p:extLst>
-          </p:nvPr>
+          <p:nvPr/>
         </p:nvGraphicFramePr>
         <p:xfrm>
           <a:off x="3056021" y="0"/>
@@ -8140,8 +8949,8 @@
         </p:nvSpPr>
         <p:spPr bwMode="auto">
           <a:xfrm>
-            <a:off x="280350" y="1597123"/>
-            <a:ext cx="8296873" cy="2677656"/>
+            <a:off x="280350" y="1520179"/>
+            <a:ext cx="8296873" cy="2831544"/>
           </a:xfrm>
           <a:prstGeom prst="rect">
             <a:avLst/>
@@ -8602,2166 +9411,95 @@
               </a:rPr>
               <a:t>    suffered a cybersecurity incident, report to the ENISA Single Reporting Platform (SRP).</a:t>
             </a:r>
-          </a:p>
-        </p:txBody>
-      </p:sp>
-    </p:spTree>
-    <p:extLst>
-      <p:ext uri="{BB962C8B-B14F-4D97-AF65-F5344CB8AC3E}">
-        <p14:creationId xmlns:p14="http://schemas.microsoft.com/office/powerpoint/2010/main" val="2862065138"/>
-      </p:ext>
-    </p:extLst>
-  </p:cSld>
-  <p:clrMapOvr>
-    <a:masterClrMapping/>
-  </p:clrMapOvr>
-</p:sld>
-</file>
-
-<file path=ppt/slides/slide11.xml><?xml version="1.0" encoding="utf-8"?>
-<p:sld xmlns:a="http://schemas.openxmlformats.org/drawingml/2006/main" xmlns:r="http://schemas.openxmlformats.org/officeDocument/2006/relationships" xmlns:p="http://schemas.openxmlformats.org/presentationml/2006/main">
-  <p:cSld>
-    <p:spTree>
-      <p:nvGrpSpPr>
-        <p:cNvPr id="1" name=""/>
-        <p:cNvGrpSpPr/>
-        <p:nvPr/>
-      </p:nvGrpSpPr>
-      <p:grpSpPr>
-        <a:xfrm>
-          <a:off x="0" y="0"/>
-          <a:ext cx="0" cy="0"/>
-          <a:chOff x="0" y="0"/>
-          <a:chExt cx="0" cy="0"/>
-        </a:xfrm>
-      </p:grpSpPr>
-      <p:sp>
-        <p:nvSpPr>
-          <p:cNvPr id="2" name="Title 1">
-            <a:extLst>
-              <a:ext uri="{FF2B5EF4-FFF2-40B4-BE49-F238E27FC236}">
-                <a16:creationId xmlns:a16="http://schemas.microsoft.com/office/drawing/2014/main" id="{61A40F00-93AF-DFEE-0A05-975C494FAD9C}"/>
-              </a:ext>
-            </a:extLst>
-          </p:cNvPr>
-          <p:cNvSpPr>
-            <a:spLocks noGrp="1"/>
-          </p:cNvSpPr>
-          <p:nvPr>
-            <p:ph type="title"/>
-          </p:nvPr>
-        </p:nvSpPr>
-        <p:spPr/>
-        <p:txBody>
-          <a:bodyPr>
-            <a:normAutofit fontScale="90000"/>
-          </a:bodyPr>
-          <a:lstStyle/>
-          <a:p>
+            <a:br>
+              <a:rPr kumimoji="0" lang="en-US" altLang="en-JP" sz="1000" b="0" i="0" u="none" strike="noStrike" cap="none" normalizeH="0" baseline="0" dirty="0">
+                <a:ln>
+                  <a:noFill/>
+                </a:ln>
+                <a:solidFill>
+                  <a:srgbClr val="444746"/>
+                </a:solidFill>
+                <a:effectLst/>
+                <a:latin typeface="Roboto" panose="02000000000000000000" pitchFamily="2" charset="0"/>
+                <a:cs typeface="Arial" panose="020B0604020202020204" pitchFamily="34" charset="0"/>
+              </a:rPr>
+            </a:br>
             <a:r>
-              <a:rPr lang="en-JP" dirty="0"/>
-              <a:t>Meanwhile, Over At FINOS</a:t>
+              <a:rPr kumimoji="0" lang="en-US" altLang="en-JP" sz="1000" b="0" i="1" u="none" strike="noStrike" cap="none" normalizeH="0" baseline="0" dirty="0">
+                <a:ln>
+                  <a:noFill/>
+                </a:ln>
+                <a:solidFill>
+                  <a:srgbClr val="444746"/>
+                </a:solidFill>
+                <a:effectLst/>
+                <a:latin typeface="Roboto" panose="02000000000000000000" pitchFamily="2" charset="0"/>
+                <a:cs typeface="Arial" panose="020B0604020202020204" pitchFamily="34" charset="0"/>
+              </a:rPr>
+              <a:t>Notes from </a:t>
             </a:r>
+            <a:r>
+              <a:rPr kumimoji="0" lang="en-US" altLang="en-JP" sz="1000" b="0" i="1" u="none" strike="noStrike" cap="none" normalizeH="0" baseline="0" dirty="0" err="1">
+                <a:ln>
+                  <a:noFill/>
+                </a:ln>
+                <a:solidFill>
+                  <a:srgbClr val="444746"/>
+                </a:solidFill>
+                <a:effectLst/>
+                <a:latin typeface="Roboto" panose="02000000000000000000" pitchFamily="2" charset="0"/>
+                <a:cs typeface="Arial" panose="020B0604020202020204" pitchFamily="34" charset="0"/>
+              </a:rPr>
+              <a:t>CRob</a:t>
+            </a:r>
+            <a:r>
+              <a:rPr kumimoji="0" lang="en-US" altLang="en-JP" sz="1000" b="0" i="1" u="none" strike="noStrike" cap="none" normalizeH="0" baseline="0" dirty="0">
+                <a:ln>
+                  <a:noFill/>
+                </a:ln>
+                <a:solidFill>
+                  <a:srgbClr val="444746"/>
+                </a:solidFill>
+                <a:effectLst/>
+                <a:latin typeface="Roboto" panose="02000000000000000000" pitchFamily="2" charset="0"/>
+                <a:cs typeface="Arial" panose="020B0604020202020204" pitchFamily="34" charset="0"/>
+              </a:rPr>
+              <a:t> over at </a:t>
+            </a:r>
+            <a:r>
+              <a:rPr kumimoji="0" lang="en-US" altLang="en-JP" sz="1000" b="0" i="1" u="none" strike="noStrike" cap="none" normalizeH="0" baseline="0" dirty="0" err="1">
+                <a:ln>
+                  <a:noFill/>
+                </a:ln>
+                <a:solidFill>
+                  <a:srgbClr val="444746"/>
+                </a:solidFill>
+                <a:effectLst/>
+                <a:latin typeface="Roboto" panose="02000000000000000000" pitchFamily="2" charset="0"/>
+                <a:cs typeface="Arial" panose="020B0604020202020204" pitchFamily="34" charset="0"/>
+              </a:rPr>
+              <a:t>OpenSSF</a:t>
+            </a:r>
+            <a:endParaRPr kumimoji="0" lang="en-US" altLang="en-JP" sz="1000" b="0" i="1" u="none" strike="noStrike" cap="none" normalizeH="0" baseline="0" dirty="0">
+              <a:ln>
+                <a:noFill/>
+              </a:ln>
+              <a:solidFill>
+                <a:srgbClr val="444746"/>
+              </a:solidFill>
+              <a:effectLst/>
+              <a:latin typeface="Roboto" panose="02000000000000000000" pitchFamily="2" charset="0"/>
+              <a:cs typeface="Arial" panose="020B0604020202020204" pitchFamily="34" charset="0"/>
+            </a:endParaRPr>
           </a:p>
         </p:txBody>
       </p:sp>
       <p:sp>
         <p:nvSpPr>
-          <p:cNvPr id="3" name="Text Placeholder 2">
+          <p:cNvPr id="2" name="TextBox 1">
             <a:extLst>
               <a:ext uri="{FF2B5EF4-FFF2-40B4-BE49-F238E27FC236}">
-                <a16:creationId xmlns:a16="http://schemas.microsoft.com/office/drawing/2014/main" id="{52C67F67-6EFC-71A7-2226-08E4174E3B9C}"/>
-              </a:ext>
-            </a:extLst>
-          </p:cNvPr>
-          <p:cNvSpPr>
-            <a:spLocks noGrp="1"/>
-          </p:cNvSpPr>
-          <p:nvPr>
-            <p:ph type="body" idx="1"/>
-          </p:nvPr>
-        </p:nvSpPr>
-        <p:spPr/>
-        <p:txBody>
-          <a:bodyPr/>
-          <a:lstStyle/>
-          <a:p>
-            <a:r>
-              <a:rPr lang="en-US" dirty="0"/>
-              <a:t>We have a request from FINOS (bank open source) to help them consider ways to turn a governance framework into an ISO standard. Let’s walk through this: </a:t>
-            </a:r>
-            <a:br>
-              <a:rPr lang="en-US" dirty="0"/>
-            </a:br>
-            <a:r>
-              <a:rPr lang="en-US" dirty="0">
-                <a:hlinkClick r:id="rId2"/>
-              </a:rPr>
-              <a:t>https://air-governance-framework.finos.org</a:t>
-            </a:r>
-            <a:r>
-              <a:rPr lang="en-US" dirty="0"/>
-              <a:t> </a:t>
-            </a:r>
-          </a:p>
-          <a:p>
-            <a:endParaRPr lang="en-US" dirty="0"/>
-          </a:p>
-          <a:p>
-            <a:r>
-              <a:rPr lang="en-US" dirty="0"/>
-              <a:t>First thoughts: there is a lot of work to do to turn this series of information and solution ideas into a specification, but it seems like an interesting journey, and it would be interesting to see if we could collaborate if the community agrees.</a:t>
-            </a:r>
-            <a:endParaRPr lang="en-JP" dirty="0"/>
-          </a:p>
-        </p:txBody>
-      </p:sp>
-    </p:spTree>
-    <p:extLst>
-      <p:ext uri="{BB962C8B-B14F-4D97-AF65-F5344CB8AC3E}">
-        <p14:creationId xmlns:p14="http://schemas.microsoft.com/office/powerpoint/2010/main" val="3193790213"/>
-      </p:ext>
-    </p:extLst>
-  </p:cSld>
-  <p:clrMapOvr>
-    <a:masterClrMapping/>
-  </p:clrMapOvr>
-</p:sld>
-</file>
-
-<file path=ppt/slides/slide12.xml><?xml version="1.0" encoding="utf-8"?>
-<p:sld xmlns:a="http://schemas.openxmlformats.org/drawingml/2006/main" xmlns:r="http://schemas.openxmlformats.org/officeDocument/2006/relationships" xmlns:p="http://schemas.openxmlformats.org/presentationml/2006/main">
-  <p:cSld>
-    <p:spTree>
-      <p:nvGrpSpPr>
-        <p:cNvPr id="1" name="Shape 144"/>
-        <p:cNvGrpSpPr/>
-        <p:nvPr/>
-      </p:nvGrpSpPr>
-      <p:grpSpPr>
-        <a:xfrm>
-          <a:off x="0" y="0"/>
-          <a:ext cx="0" cy="0"/>
-          <a:chOff x="0" y="0"/>
-          <a:chExt cx="0" cy="0"/>
-        </a:xfrm>
-      </p:grpSpPr>
-      <p:sp>
-        <p:nvSpPr>
-          <p:cNvPr id="145" name="Google Shape;145;p23"/>
-          <p:cNvSpPr txBox="1">
-            <a:spLocks noGrp="1"/>
-          </p:cNvSpPr>
-          <p:nvPr>
-            <p:ph type="title"/>
-          </p:nvPr>
-        </p:nvSpPr>
-        <p:spPr>
-          <a:xfrm>
-            <a:off x="598100" y="2152347"/>
-            <a:ext cx="8222100" cy="838800"/>
-          </a:xfrm>
-          <a:prstGeom prst="rect">
-            <a:avLst/>
-          </a:prstGeom>
-        </p:spPr>
-        <p:txBody>
-          <a:bodyPr spcFirstLastPara="1" wrap="square" lIns="91425" tIns="91425" rIns="91425" bIns="91425" anchor="ctr" anchorCtr="0">
-            <a:normAutofit/>
-          </a:bodyPr>
-          <a:lstStyle/>
-          <a:p>
-            <a:pPr marL="0" lvl="0" indent="0" algn="l" rtl="0">
-              <a:spcBef>
-                <a:spcPts val="0"/>
-              </a:spcBef>
-              <a:spcAft>
-                <a:spcPts val="0"/>
-              </a:spcAft>
-              <a:buNone/>
-            </a:pPr>
-            <a:r>
-              <a:rPr lang="en-US" dirty="0"/>
-              <a:t>Education Work Group</a:t>
-            </a:r>
-            <a:endParaRPr dirty="0"/>
-          </a:p>
-        </p:txBody>
-      </p:sp>
-      <p:pic>
-        <p:nvPicPr>
-          <p:cNvPr id="2" name="Picture 1">
-            <a:extLst>
-              <a:ext uri="{FF2B5EF4-FFF2-40B4-BE49-F238E27FC236}">
-                <a16:creationId xmlns:a16="http://schemas.microsoft.com/office/drawing/2014/main" id="{93D6512B-4352-C2ED-23BC-2CCA11A590A3}"/>
-              </a:ext>
-            </a:extLst>
-          </p:cNvPr>
-          <p:cNvPicPr>
-            <a:picLocks noChangeAspect="1"/>
-          </p:cNvPicPr>
-          <p:nvPr/>
-        </p:nvPicPr>
-        <p:blipFill>
-          <a:blip r:embed="rId3"/>
-          <a:srcRect/>
-          <a:stretch/>
-        </p:blipFill>
-        <p:spPr>
-          <a:xfrm>
-            <a:off x="7931820" y="0"/>
-            <a:ext cx="1212180" cy="1212180"/>
-          </a:xfrm>
-          <a:prstGeom prst="rect">
-            <a:avLst/>
-          </a:prstGeom>
-        </p:spPr>
-      </p:pic>
-    </p:spTree>
-    <p:extLst>
-      <p:ext uri="{BB962C8B-B14F-4D97-AF65-F5344CB8AC3E}">
-        <p14:creationId xmlns:p14="http://schemas.microsoft.com/office/powerpoint/2010/main" val="264461085"/>
-      </p:ext>
-    </p:extLst>
-  </p:cSld>
-  <p:clrMapOvr>
-    <a:masterClrMapping/>
-  </p:clrMapOvr>
-</p:sld>
-</file>
-
-<file path=ppt/slides/slide13.xml><?xml version="1.0" encoding="utf-8"?>
-<p:sld xmlns:a="http://schemas.openxmlformats.org/drawingml/2006/main" xmlns:r="http://schemas.openxmlformats.org/officeDocument/2006/relationships" xmlns:p="http://schemas.openxmlformats.org/presentationml/2006/main">
-  <p:cSld>
-    <p:spTree>
-      <p:nvGrpSpPr>
-        <p:cNvPr id="1" name=""/>
-        <p:cNvGrpSpPr/>
-        <p:nvPr/>
-      </p:nvGrpSpPr>
-      <p:grpSpPr>
-        <a:xfrm>
-          <a:off x="0" y="0"/>
-          <a:ext cx="0" cy="0"/>
-          <a:chOff x="0" y="0"/>
-          <a:chExt cx="0" cy="0"/>
-        </a:xfrm>
-      </p:grpSpPr>
-      <p:sp>
-        <p:nvSpPr>
-          <p:cNvPr id="2" name="Title 1">
-            <a:extLst>
-              <a:ext uri="{FF2B5EF4-FFF2-40B4-BE49-F238E27FC236}">
-                <a16:creationId xmlns:a16="http://schemas.microsoft.com/office/drawing/2014/main" id="{90203FAF-AA08-B5ED-E162-53AE0EE19E1F}"/>
-              </a:ext>
-            </a:extLst>
-          </p:cNvPr>
-          <p:cNvSpPr>
-            <a:spLocks noGrp="1"/>
-          </p:cNvSpPr>
-          <p:nvPr>
-            <p:ph type="title"/>
-          </p:nvPr>
-        </p:nvSpPr>
-        <p:spPr/>
-        <p:txBody>
-          <a:bodyPr>
-            <a:normAutofit fontScale="90000"/>
-          </a:bodyPr>
-          <a:lstStyle/>
-          <a:p>
-            <a:r>
-              <a:rPr lang="en-JP" dirty="0"/>
-              <a:t>Update and Next Steps – Training Material</a:t>
-            </a:r>
-          </a:p>
-        </p:txBody>
-      </p:sp>
-      <p:sp>
-        <p:nvSpPr>
-          <p:cNvPr id="3" name="Text Placeholder 2">
-            <a:extLst>
-              <a:ext uri="{FF2B5EF4-FFF2-40B4-BE49-F238E27FC236}">
-                <a16:creationId xmlns:a16="http://schemas.microsoft.com/office/drawing/2014/main" id="{678CC759-90B3-FA4A-8F7F-E44B2B6284F8}"/>
-              </a:ext>
-            </a:extLst>
-          </p:cNvPr>
-          <p:cNvSpPr>
-            <a:spLocks noGrp="1"/>
-          </p:cNvSpPr>
-          <p:nvPr>
-            <p:ph type="body" idx="1"/>
-          </p:nvPr>
-        </p:nvSpPr>
-        <p:spPr>
-          <a:xfrm>
-            <a:off x="311700" y="1266450"/>
-            <a:ext cx="8520600" cy="3339000"/>
-          </a:xfrm>
-        </p:spPr>
-        <p:txBody>
-          <a:bodyPr>
-            <a:normAutofit fontScale="92500" lnSpcReduction="10000"/>
-          </a:bodyPr>
-          <a:lstStyle/>
-          <a:p>
-            <a:pPr marL="114300" indent="0">
-              <a:buNone/>
-            </a:pPr>
-            <a:r>
-              <a:rPr lang="en-US" b="1" dirty="0"/>
-              <a:t>Example Policy template</a:t>
-            </a:r>
-          </a:p>
-          <a:p>
-            <a:pPr marL="114300" indent="0">
-              <a:buNone/>
-            </a:pPr>
-            <a:r>
-              <a:rPr lang="en-US" dirty="0"/>
-              <a:t>Reference training links (as shown last call) committed to master</a:t>
-            </a:r>
-          </a:p>
-          <a:p>
-            <a:pPr marL="114300" indent="0">
-              <a:buNone/>
-            </a:pPr>
-            <a:r>
-              <a:rPr lang="en-US" dirty="0"/>
-              <a:t>"Require a procedure to create a SBOM" text updated, see:</a:t>
-            </a:r>
-            <a:br>
-              <a:rPr lang="en-US" dirty="0"/>
-            </a:br>
-            <a:r>
-              <a:rPr lang="en-US" dirty="0">
-                <a:hlinkClick r:id="rId2"/>
-              </a:rPr>
-              <a:t>https://github.com/OpenChain-Project/Reference-Material/issues/112</a:t>
-            </a:r>
-            <a:endParaRPr lang="en-US" dirty="0"/>
-          </a:p>
-          <a:p>
-            <a:pPr marL="114300" indent="0">
-              <a:buNone/>
-            </a:pPr>
-            <a:endParaRPr lang="en-US" dirty="0"/>
-          </a:p>
-          <a:p>
-            <a:pPr marL="114300" indent="0">
-              <a:buNone/>
-            </a:pPr>
-            <a:r>
-              <a:rPr lang="en-US" b="1" dirty="0"/>
-              <a:t>LFC193 Training</a:t>
-            </a:r>
-          </a:p>
-          <a:p>
-            <a:pPr marL="114300" indent="0">
-              <a:buNone/>
-            </a:pPr>
-            <a:r>
-              <a:rPr lang="en-US" dirty="0"/>
-              <a:t>Proposed updated Ch4 diagrams - intention is that for the LF Training hosted course an AI presenter can talk the text with accompanying video animated diagrams. See latest version : </a:t>
-            </a:r>
-            <a:br>
-              <a:rPr lang="en-US" dirty="0"/>
-            </a:br>
-            <a:r>
-              <a:rPr lang="en-US" dirty="0">
-                <a:hlinkClick r:id="rId3"/>
-              </a:rPr>
-              <a:t>https://github.com/OpenChain-Project/Reference-Material/tree/master/OpenChain-Training/en/Online-Training-Courses/LFC193%20Course%20Content</a:t>
-            </a:r>
-            <a:r>
-              <a:rPr lang="en-US" dirty="0"/>
-              <a:t> </a:t>
-            </a:r>
-          </a:p>
-        </p:txBody>
-      </p:sp>
-      <p:pic>
-        <p:nvPicPr>
-          <p:cNvPr id="4" name="Picture 3">
-            <a:extLst>
-              <a:ext uri="{FF2B5EF4-FFF2-40B4-BE49-F238E27FC236}">
-                <a16:creationId xmlns:a16="http://schemas.microsoft.com/office/drawing/2014/main" id="{C710BFFD-8BE8-DDF7-63F3-89EC8CCCB04B}"/>
-              </a:ext>
-            </a:extLst>
-          </p:cNvPr>
-          <p:cNvPicPr>
-            <a:picLocks noChangeAspect="1"/>
-          </p:cNvPicPr>
-          <p:nvPr/>
-        </p:nvPicPr>
-        <p:blipFill>
-          <a:blip r:embed="rId4"/>
-          <a:srcRect/>
-          <a:stretch/>
-        </p:blipFill>
-        <p:spPr>
-          <a:xfrm>
-            <a:off x="7931820" y="0"/>
-            <a:ext cx="1212180" cy="1212180"/>
-          </a:xfrm>
-          <a:prstGeom prst="rect">
-            <a:avLst/>
-          </a:prstGeom>
-        </p:spPr>
-      </p:pic>
-    </p:spTree>
-    <p:extLst>
-      <p:ext uri="{BB962C8B-B14F-4D97-AF65-F5344CB8AC3E}">
-        <p14:creationId xmlns:p14="http://schemas.microsoft.com/office/powerpoint/2010/main" val="162473145"/>
-      </p:ext>
-    </p:extLst>
-  </p:cSld>
-  <p:clrMapOvr>
-    <a:masterClrMapping/>
-  </p:clrMapOvr>
-</p:sld>
-</file>
-
-<file path=ppt/slides/slide14.xml><?xml version="1.0" encoding="utf-8"?>
-<p:sld xmlns:a="http://schemas.openxmlformats.org/drawingml/2006/main" xmlns:r="http://schemas.openxmlformats.org/officeDocument/2006/relationships" xmlns:p="http://schemas.openxmlformats.org/presentationml/2006/main">
-  <p:cSld>
-    <p:spTree>
-      <p:nvGrpSpPr>
-        <p:cNvPr id="1" name="Shape 144"/>
-        <p:cNvGrpSpPr/>
-        <p:nvPr/>
-      </p:nvGrpSpPr>
-      <p:grpSpPr>
-        <a:xfrm>
-          <a:off x="0" y="0"/>
-          <a:ext cx="0" cy="0"/>
-          <a:chOff x="0" y="0"/>
-          <a:chExt cx="0" cy="0"/>
-        </a:xfrm>
-      </p:grpSpPr>
-      <p:sp>
-        <p:nvSpPr>
-          <p:cNvPr id="145" name="Google Shape;145;p23"/>
-          <p:cNvSpPr txBox="1">
-            <a:spLocks noGrp="1"/>
-          </p:cNvSpPr>
-          <p:nvPr>
-            <p:ph type="title"/>
-          </p:nvPr>
-        </p:nvSpPr>
-        <p:spPr>
-          <a:xfrm>
-            <a:off x="598100" y="2152347"/>
-            <a:ext cx="8222100" cy="838800"/>
-          </a:xfrm>
-          <a:prstGeom prst="rect">
-            <a:avLst/>
-          </a:prstGeom>
-        </p:spPr>
-        <p:txBody>
-          <a:bodyPr spcFirstLastPara="1" wrap="square" lIns="91425" tIns="91425" rIns="91425" bIns="91425" anchor="ctr" anchorCtr="0">
-            <a:normAutofit/>
-          </a:bodyPr>
-          <a:lstStyle/>
-          <a:p>
-            <a:pPr marL="0" lvl="0" indent="0" algn="l" rtl="0">
-              <a:spcBef>
-                <a:spcPts val="0"/>
-              </a:spcBef>
-              <a:spcAft>
-                <a:spcPts val="0"/>
-              </a:spcAft>
-              <a:buNone/>
-            </a:pPr>
-            <a:r>
-              <a:rPr lang="en-US" dirty="0"/>
-              <a:t>Any other business?</a:t>
-            </a:r>
-            <a:endParaRPr dirty="0"/>
-          </a:p>
-        </p:txBody>
-      </p:sp>
-    </p:spTree>
-    <p:extLst>
-      <p:ext uri="{BB962C8B-B14F-4D97-AF65-F5344CB8AC3E}">
-        <p14:creationId xmlns:p14="http://schemas.microsoft.com/office/powerpoint/2010/main" val="2218779714"/>
-      </p:ext>
-    </p:extLst>
-  </p:cSld>
-  <p:clrMapOvr>
-    <a:masterClrMapping/>
-  </p:clrMapOvr>
-</p:sld>
-</file>
-
-<file path=ppt/slides/slide15.xml><?xml version="1.0" encoding="utf-8"?>
-<p:sld xmlns:a="http://schemas.openxmlformats.org/drawingml/2006/main" xmlns:r="http://schemas.openxmlformats.org/officeDocument/2006/relationships" xmlns:p="http://schemas.openxmlformats.org/presentationml/2006/main">
-  <p:cSld>
-    <p:spTree>
-      <p:nvGrpSpPr>
-        <p:cNvPr id="1" name="Shape 144"/>
-        <p:cNvGrpSpPr/>
-        <p:nvPr/>
-      </p:nvGrpSpPr>
-      <p:grpSpPr>
-        <a:xfrm>
-          <a:off x="0" y="0"/>
-          <a:ext cx="0" cy="0"/>
-          <a:chOff x="0" y="0"/>
-          <a:chExt cx="0" cy="0"/>
-        </a:xfrm>
-      </p:grpSpPr>
-      <p:sp>
-        <p:nvSpPr>
-          <p:cNvPr id="145" name="Google Shape;145;p23"/>
-          <p:cNvSpPr txBox="1">
-            <a:spLocks noGrp="1"/>
-          </p:cNvSpPr>
-          <p:nvPr>
-            <p:ph type="title"/>
-          </p:nvPr>
-        </p:nvSpPr>
-        <p:spPr>
-          <a:xfrm>
-            <a:off x="598100" y="2152347"/>
-            <a:ext cx="8222100" cy="838800"/>
-          </a:xfrm>
-          <a:prstGeom prst="rect">
-            <a:avLst/>
-          </a:prstGeom>
-        </p:spPr>
-        <p:txBody>
-          <a:bodyPr spcFirstLastPara="1" wrap="square" lIns="91425" tIns="91425" rIns="91425" bIns="91425" anchor="ctr" anchorCtr="0">
-            <a:normAutofit/>
-          </a:bodyPr>
-          <a:lstStyle/>
-          <a:p>
-            <a:pPr marL="0" lvl="0" indent="0" algn="l" rtl="0">
-              <a:spcBef>
-                <a:spcPts val="0"/>
-              </a:spcBef>
-              <a:spcAft>
-                <a:spcPts val="0"/>
-              </a:spcAft>
-              <a:buNone/>
-            </a:pPr>
-            <a:r>
-              <a:rPr lang="en-US" dirty="0"/>
-              <a:t>Close of meeting</a:t>
-            </a:r>
-            <a:endParaRPr dirty="0"/>
-          </a:p>
-        </p:txBody>
-      </p:sp>
-    </p:spTree>
-    <p:extLst>
-      <p:ext uri="{BB962C8B-B14F-4D97-AF65-F5344CB8AC3E}">
-        <p14:creationId xmlns:p14="http://schemas.microsoft.com/office/powerpoint/2010/main" val="3044271733"/>
-      </p:ext>
-    </p:extLst>
-  </p:cSld>
-  <p:clrMapOvr>
-    <a:masterClrMapping/>
-  </p:clrMapOvr>
-</p:sld>
-</file>
-
-<file path=ppt/slides/slide16.xml><?xml version="1.0" encoding="utf-8"?>
-<p:sld xmlns:a="http://schemas.openxmlformats.org/drawingml/2006/main" xmlns:r="http://schemas.openxmlformats.org/officeDocument/2006/relationships" xmlns:p="http://schemas.openxmlformats.org/presentationml/2006/main">
-  <p:cSld>
-    <p:spTree>
-      <p:nvGrpSpPr>
-        <p:cNvPr id="1" name="Shape 180"/>
-        <p:cNvGrpSpPr/>
-        <p:nvPr/>
-      </p:nvGrpSpPr>
-      <p:grpSpPr>
-        <a:xfrm>
-          <a:off x="0" y="0"/>
-          <a:ext cx="0" cy="0"/>
-          <a:chOff x="0" y="0"/>
-          <a:chExt cx="0" cy="0"/>
-        </a:xfrm>
-      </p:grpSpPr>
-      <p:sp>
-        <p:nvSpPr>
-          <p:cNvPr id="3" name="Text Placeholder 2">
-            <a:extLst>
-              <a:ext uri="{FF2B5EF4-FFF2-40B4-BE49-F238E27FC236}">
-                <a16:creationId xmlns:a16="http://schemas.microsoft.com/office/drawing/2014/main" id="{318B57C4-0EE4-84CC-F4DC-10D170F512D8}"/>
-              </a:ext>
-            </a:extLst>
-          </p:cNvPr>
-          <p:cNvSpPr>
-            <a:spLocks noGrp="1"/>
-          </p:cNvSpPr>
-          <p:nvPr>
-            <p:ph type="body" idx="1"/>
-          </p:nvPr>
-        </p:nvSpPr>
-        <p:spPr/>
-        <p:txBody>
-          <a:bodyPr/>
-          <a:lstStyle/>
-          <a:p>
-            <a:r>
-              <a:rPr lang="en-JP" dirty="0"/>
-              <a:t>See you next time!</a:t>
-            </a:r>
-          </a:p>
-        </p:txBody>
-      </p:sp>
-    </p:spTree>
-  </p:cSld>
-  <p:clrMapOvr>
-    <a:masterClrMapping/>
-  </p:clrMapOvr>
-</p:sld>
-</file>
-
-<file path=ppt/slides/slide2.xml><?xml version="1.0" encoding="utf-8"?>
-<p:sld xmlns:a="http://schemas.openxmlformats.org/drawingml/2006/main" xmlns:r="http://schemas.openxmlformats.org/officeDocument/2006/relationships" xmlns:p="http://schemas.openxmlformats.org/presentationml/2006/main">
-  <p:cSld>
-    <p:spTree>
-      <p:nvGrpSpPr>
-        <p:cNvPr id="1" name="Shape 156">
-          <a:extLst>
-            <a:ext uri="{FF2B5EF4-FFF2-40B4-BE49-F238E27FC236}">
-              <a16:creationId xmlns:a16="http://schemas.microsoft.com/office/drawing/2014/main" id="{1FB7760A-A438-CF83-58B9-104D650B44D0}"/>
-            </a:ext>
-          </a:extLst>
-        </p:cNvPr>
-        <p:cNvGrpSpPr/>
-        <p:nvPr/>
-      </p:nvGrpSpPr>
-      <p:grpSpPr>
-        <a:xfrm>
-          <a:off x="0" y="0"/>
-          <a:ext cx="0" cy="0"/>
-          <a:chOff x="0" y="0"/>
-          <a:chExt cx="0" cy="0"/>
-        </a:xfrm>
-      </p:grpSpPr>
-      <p:sp>
-        <p:nvSpPr>
-          <p:cNvPr id="157" name="Google Shape;157;p25">
-            <a:extLst>
-              <a:ext uri="{FF2B5EF4-FFF2-40B4-BE49-F238E27FC236}">
-                <a16:creationId xmlns:a16="http://schemas.microsoft.com/office/drawing/2014/main" id="{7A30E041-2553-6337-7E68-DDCF3A20E850}"/>
-              </a:ext>
-            </a:extLst>
-          </p:cNvPr>
-          <p:cNvSpPr txBox="1">
-            <a:spLocks noGrp="1"/>
-          </p:cNvSpPr>
-          <p:nvPr>
-            <p:ph type="title"/>
-          </p:nvPr>
-        </p:nvSpPr>
-        <p:spPr>
-          <a:xfrm>
-            <a:off x="311700" y="410000"/>
-            <a:ext cx="8520600" cy="607800"/>
-          </a:xfrm>
-          <a:prstGeom prst="rect">
-            <a:avLst/>
-          </a:prstGeom>
-        </p:spPr>
-        <p:txBody>
-          <a:bodyPr spcFirstLastPara="1" wrap="square" lIns="91425" tIns="91425" rIns="91425" bIns="91425" anchor="t" anchorCtr="0">
-            <a:normAutofit fontScale="90000"/>
-          </a:bodyPr>
-          <a:lstStyle/>
-          <a:p>
-            <a:pPr marL="0" lvl="0" indent="0" algn="l" rtl="0">
-              <a:spcBef>
-                <a:spcPts val="0"/>
-              </a:spcBef>
-              <a:spcAft>
-                <a:spcPts val="0"/>
-              </a:spcAft>
-              <a:buNone/>
-            </a:pPr>
-            <a:r>
-              <a:rPr lang="en-US" dirty="0"/>
-              <a:t>Anti-Trust Policy Notice</a:t>
-            </a:r>
-            <a:endParaRPr dirty="0"/>
-          </a:p>
-        </p:txBody>
-      </p:sp>
-      <p:sp>
-        <p:nvSpPr>
-          <p:cNvPr id="158" name="Google Shape;158;p25">
-            <a:extLst>
-              <a:ext uri="{FF2B5EF4-FFF2-40B4-BE49-F238E27FC236}">
-                <a16:creationId xmlns:a16="http://schemas.microsoft.com/office/drawing/2014/main" id="{888CF8C5-3787-B0CC-C452-3AEA8E7E9D8F}"/>
-              </a:ext>
-            </a:extLst>
-          </p:cNvPr>
-          <p:cNvSpPr txBox="1">
-            <a:spLocks noGrp="1"/>
-          </p:cNvSpPr>
-          <p:nvPr>
-            <p:ph type="body" idx="1"/>
-          </p:nvPr>
-        </p:nvSpPr>
-        <p:spPr>
-          <a:xfrm>
-            <a:off x="280350" y="1266450"/>
-            <a:ext cx="8520600" cy="3339000"/>
-          </a:xfrm>
-          <a:prstGeom prst="rect">
-            <a:avLst/>
-          </a:prstGeom>
-        </p:spPr>
-        <p:txBody>
-          <a:bodyPr spcFirstLastPara="1" wrap="square" lIns="91425" tIns="91425" rIns="91425" bIns="91425" anchor="t" anchorCtr="0">
-            <a:normAutofit fontScale="85000" lnSpcReduction="10000"/>
-          </a:bodyPr>
-          <a:lstStyle/>
-          <a:p>
-            <a:pPr marL="285750" indent="-285750">
-              <a:spcAft>
-                <a:spcPts val="1200"/>
-              </a:spcAft>
-            </a:pPr>
-            <a:r>
-              <a:rPr lang="en-US" dirty="0"/>
-              <a:t>Linux Foundation meetings involve participation by industry competitors, and it is the intention of the Linux Foundation to conduct all of its activities in accordance with applicable antitrust and competition laws. It is therefore extremely important that attendees adhere to meeting agendas, and be aware of, and not participate in, any activities that are prohibited under applicable US state, federal or foreign antitrust and competition laws.</a:t>
-            </a:r>
-          </a:p>
-          <a:p>
-            <a:pPr marL="285750" indent="-285750">
-              <a:spcAft>
-                <a:spcPts val="1200"/>
-              </a:spcAft>
-            </a:pPr>
-            <a:r>
-              <a:rPr lang="en-US"/>
-              <a:t>Examples </a:t>
-            </a:r>
-            <a:r>
-              <a:rPr lang="en-US" dirty="0"/>
-              <a:t>of types of actions that are prohibited at Linux Foundation meetings and in connection with Linux Foundation activities are described in the Linux Foundation Antitrust Policy available at http://</a:t>
-            </a:r>
-            <a:r>
-              <a:rPr lang="en-US" dirty="0" err="1"/>
-              <a:t>www.linuxfoundation.org</a:t>
-            </a:r>
-            <a:r>
-              <a:rPr lang="en-US" dirty="0"/>
-              <a:t>/antitrust-policy. If you have questions about these matters, please contact your company counsel, or if you are a member of the Linux Foundation, feel free to contact Andrew </a:t>
-            </a:r>
-            <a:r>
-              <a:rPr lang="en-US" dirty="0" err="1"/>
-              <a:t>Updegrove</a:t>
-            </a:r>
-            <a:r>
-              <a:rPr lang="en-US" dirty="0"/>
-              <a:t> of the firm of </a:t>
-            </a:r>
-            <a:r>
-              <a:rPr lang="en-US" dirty="0" err="1"/>
-              <a:t>Gesmer</a:t>
-            </a:r>
-            <a:r>
-              <a:rPr lang="en-US" dirty="0"/>
-              <a:t> </a:t>
-            </a:r>
-            <a:r>
-              <a:rPr lang="en-US" dirty="0" err="1"/>
-              <a:t>Updegrove</a:t>
-            </a:r>
-            <a:r>
-              <a:rPr lang="en-US" dirty="0"/>
-              <a:t> LLP, which provides legal counsel to the Linux Foundation.</a:t>
-            </a:r>
-          </a:p>
-          <a:p>
-            <a:pPr marL="0" lvl="0" indent="0" algn="l" rtl="0">
-              <a:spcBef>
-                <a:spcPts val="0"/>
-              </a:spcBef>
-              <a:spcAft>
-                <a:spcPts val="1200"/>
-              </a:spcAft>
-              <a:buNone/>
-            </a:pPr>
-            <a:endParaRPr lang="en-US" dirty="0"/>
-          </a:p>
-          <a:p>
-            <a:pPr marL="0" lvl="0" indent="0" algn="l" rtl="0">
-              <a:spcBef>
-                <a:spcPts val="0"/>
-              </a:spcBef>
-              <a:spcAft>
-                <a:spcPts val="1200"/>
-              </a:spcAft>
-              <a:buNone/>
-            </a:pPr>
-            <a:endParaRPr dirty="0"/>
-          </a:p>
-        </p:txBody>
-      </p:sp>
-    </p:spTree>
-    <p:extLst>
-      <p:ext uri="{BB962C8B-B14F-4D97-AF65-F5344CB8AC3E}">
-        <p14:creationId xmlns:p14="http://schemas.microsoft.com/office/powerpoint/2010/main" val="3547865399"/>
-      </p:ext>
-    </p:extLst>
-  </p:cSld>
-  <p:clrMapOvr>
-    <a:masterClrMapping/>
-  </p:clrMapOvr>
-</p:sld>
-</file>
-
-<file path=ppt/slides/slide3.xml><?xml version="1.0" encoding="utf-8"?>
-<p:sld xmlns:a="http://schemas.openxmlformats.org/drawingml/2006/main" xmlns:r="http://schemas.openxmlformats.org/officeDocument/2006/relationships" xmlns:p="http://schemas.openxmlformats.org/presentationml/2006/main">
-  <p:cSld>
-    <p:spTree>
-      <p:nvGrpSpPr>
-        <p:cNvPr id="1" name="Shape 156">
-          <a:extLst>
-            <a:ext uri="{FF2B5EF4-FFF2-40B4-BE49-F238E27FC236}">
-              <a16:creationId xmlns:a16="http://schemas.microsoft.com/office/drawing/2014/main" id="{9B48FC86-A1B4-E438-A1F8-D3BC1E792783}"/>
-            </a:ext>
-          </a:extLst>
-        </p:cNvPr>
-        <p:cNvGrpSpPr/>
-        <p:nvPr/>
-      </p:nvGrpSpPr>
-      <p:grpSpPr>
-        <a:xfrm>
-          <a:off x="0" y="0"/>
-          <a:ext cx="0" cy="0"/>
-          <a:chOff x="0" y="0"/>
-          <a:chExt cx="0" cy="0"/>
-        </a:xfrm>
-      </p:grpSpPr>
-      <p:sp>
-        <p:nvSpPr>
-          <p:cNvPr id="157" name="Google Shape;157;p25">
-            <a:extLst>
-              <a:ext uri="{FF2B5EF4-FFF2-40B4-BE49-F238E27FC236}">
-                <a16:creationId xmlns:a16="http://schemas.microsoft.com/office/drawing/2014/main" id="{85E02CB8-4AA3-CD52-A1C3-AFC55D9F36CB}"/>
-              </a:ext>
-            </a:extLst>
-          </p:cNvPr>
-          <p:cNvSpPr txBox="1">
-            <a:spLocks noGrp="1"/>
-          </p:cNvSpPr>
-          <p:nvPr>
-            <p:ph type="title"/>
-          </p:nvPr>
-        </p:nvSpPr>
-        <p:spPr>
-          <a:xfrm>
-            <a:off x="311700" y="410000"/>
-            <a:ext cx="8520600" cy="607800"/>
-          </a:xfrm>
-          <a:prstGeom prst="rect">
-            <a:avLst/>
-          </a:prstGeom>
-        </p:spPr>
-        <p:txBody>
-          <a:bodyPr spcFirstLastPara="1" wrap="square" lIns="91425" tIns="91425" rIns="91425" bIns="91425" anchor="t" anchorCtr="0">
-            <a:normAutofit fontScale="90000"/>
-          </a:bodyPr>
-          <a:lstStyle/>
-          <a:p>
-            <a:pPr marL="0" lvl="0" indent="0" algn="l" rtl="0">
-              <a:spcBef>
-                <a:spcPts val="0"/>
-              </a:spcBef>
-              <a:spcAft>
-                <a:spcPts val="0"/>
-              </a:spcAft>
-              <a:buNone/>
-            </a:pPr>
-            <a:r>
-              <a:rPr lang="en-US" dirty="0"/>
-              <a:t>Agenda</a:t>
-            </a:r>
-            <a:endParaRPr dirty="0"/>
-          </a:p>
-        </p:txBody>
-      </p:sp>
-      <p:sp>
-        <p:nvSpPr>
-          <p:cNvPr id="158" name="Google Shape;158;p25">
-            <a:extLst>
-              <a:ext uri="{FF2B5EF4-FFF2-40B4-BE49-F238E27FC236}">
-                <a16:creationId xmlns:a16="http://schemas.microsoft.com/office/drawing/2014/main" id="{BB4CE212-D959-F666-8F64-603FBE19B24D}"/>
-              </a:ext>
-            </a:extLst>
-          </p:cNvPr>
-          <p:cNvSpPr txBox="1">
-            <a:spLocks noGrp="1"/>
-          </p:cNvSpPr>
-          <p:nvPr>
-            <p:ph type="body" idx="1"/>
-          </p:nvPr>
-        </p:nvSpPr>
-        <p:spPr>
-          <a:xfrm>
-            <a:off x="280350" y="1266450"/>
-            <a:ext cx="8520600" cy="3339000"/>
-          </a:xfrm>
-          <a:prstGeom prst="rect">
-            <a:avLst/>
-          </a:prstGeom>
-        </p:spPr>
-        <p:txBody>
-          <a:bodyPr spcFirstLastPara="1" wrap="square" lIns="91425" tIns="91425" rIns="91425" bIns="91425" anchor="t" anchorCtr="0">
-            <a:normAutofit/>
-          </a:bodyPr>
-          <a:lstStyle/>
-          <a:p>
-            <a:pPr marL="342900">
-              <a:spcAft>
-                <a:spcPts val="1200"/>
-              </a:spcAft>
-              <a:buSzPct val="100000"/>
-              <a:buFont typeface="+mj-lt"/>
-              <a:buAutoNum type="arabicPeriod"/>
-            </a:pPr>
-            <a:r>
-              <a:rPr lang="en-US" dirty="0"/>
-              <a:t>OpenChain Project News</a:t>
-            </a:r>
-          </a:p>
-          <a:p>
-            <a:pPr marL="342900">
-              <a:spcAft>
-                <a:spcPts val="1200"/>
-              </a:spcAft>
-              <a:buSzPct val="100000"/>
-              <a:buFont typeface="+mj-lt"/>
-              <a:buAutoNum type="arabicPeriod"/>
-            </a:pPr>
-            <a:r>
-              <a:rPr lang="en-US" dirty="0"/>
-              <a:t>Specification Work Group – Some Questions for the Community</a:t>
-            </a:r>
-          </a:p>
-          <a:p>
-            <a:pPr marL="342900">
-              <a:spcAft>
-                <a:spcPts val="1200"/>
-              </a:spcAft>
-              <a:buSzPct val="100000"/>
-              <a:buFont typeface="+mj-lt"/>
-              <a:buAutoNum type="arabicPeriod"/>
-            </a:pPr>
-            <a:r>
-              <a:rPr lang="en-US" dirty="0"/>
-              <a:t>Education Work Group – Update on Status and Community Work Items</a:t>
-            </a:r>
-          </a:p>
-          <a:p>
-            <a:pPr marL="342900">
-              <a:spcAft>
-                <a:spcPts val="1200"/>
-              </a:spcAft>
-              <a:buSzPct val="100000"/>
-              <a:buFont typeface="+mj-lt"/>
-              <a:buAutoNum type="arabicPeriod"/>
-            </a:pPr>
-            <a:r>
-              <a:rPr lang="en-US" dirty="0"/>
-              <a:t>Any Other Business?</a:t>
-            </a:r>
-          </a:p>
-        </p:txBody>
-      </p:sp>
-    </p:spTree>
-    <p:extLst>
-      <p:ext uri="{BB962C8B-B14F-4D97-AF65-F5344CB8AC3E}">
-        <p14:creationId xmlns:p14="http://schemas.microsoft.com/office/powerpoint/2010/main" val="2078939722"/>
-      </p:ext>
-    </p:extLst>
-  </p:cSld>
-  <p:clrMapOvr>
-    <a:masterClrMapping/>
-  </p:clrMapOvr>
-</p:sld>
-</file>
-
-<file path=ppt/slides/slide4.xml><?xml version="1.0" encoding="utf-8"?>
-<p:sld xmlns:a="http://schemas.openxmlformats.org/drawingml/2006/main" xmlns:r="http://schemas.openxmlformats.org/officeDocument/2006/relationships" xmlns:p="http://schemas.openxmlformats.org/presentationml/2006/main">
-  <p:cSld>
-    <p:spTree>
-      <p:nvGrpSpPr>
-        <p:cNvPr id="1" name="Shape 144">
-          <a:extLst>
-            <a:ext uri="{FF2B5EF4-FFF2-40B4-BE49-F238E27FC236}">
-              <a16:creationId xmlns:a16="http://schemas.microsoft.com/office/drawing/2014/main" id="{0A0571AB-4228-68E7-D9B8-CD992B0461E4}"/>
-            </a:ext>
-          </a:extLst>
-        </p:cNvPr>
-        <p:cNvGrpSpPr/>
-        <p:nvPr/>
-      </p:nvGrpSpPr>
-      <p:grpSpPr>
-        <a:xfrm>
-          <a:off x="0" y="0"/>
-          <a:ext cx="0" cy="0"/>
-          <a:chOff x="0" y="0"/>
-          <a:chExt cx="0" cy="0"/>
-        </a:xfrm>
-      </p:grpSpPr>
-      <p:sp>
-        <p:nvSpPr>
-          <p:cNvPr id="145" name="Google Shape;145;p23">
-            <a:extLst>
-              <a:ext uri="{FF2B5EF4-FFF2-40B4-BE49-F238E27FC236}">
-                <a16:creationId xmlns:a16="http://schemas.microsoft.com/office/drawing/2014/main" id="{E0C342DE-DE73-E620-CBB2-205F3359C07F}"/>
-              </a:ext>
-            </a:extLst>
-          </p:cNvPr>
-          <p:cNvSpPr txBox="1">
-            <a:spLocks noGrp="1"/>
-          </p:cNvSpPr>
-          <p:nvPr>
-            <p:ph type="title"/>
-          </p:nvPr>
-        </p:nvSpPr>
-        <p:spPr>
-          <a:xfrm>
-            <a:off x="598100" y="2152347"/>
-            <a:ext cx="8222100" cy="838800"/>
-          </a:xfrm>
-          <a:prstGeom prst="rect">
-            <a:avLst/>
-          </a:prstGeom>
-        </p:spPr>
-        <p:txBody>
-          <a:bodyPr spcFirstLastPara="1" wrap="square" lIns="91425" tIns="91425" rIns="91425" bIns="91425" anchor="ctr" anchorCtr="0">
-            <a:normAutofit/>
-          </a:bodyPr>
-          <a:lstStyle/>
-          <a:p>
-            <a:pPr marL="0" lvl="0" indent="0" algn="l" rtl="0">
-              <a:spcBef>
-                <a:spcPts val="0"/>
-              </a:spcBef>
-              <a:spcAft>
-                <a:spcPts val="0"/>
-              </a:spcAft>
-              <a:buNone/>
-            </a:pPr>
-            <a:r>
-              <a:rPr lang="en-US" dirty="0"/>
-              <a:t>OpenChain Project News</a:t>
-            </a:r>
-            <a:endParaRPr dirty="0"/>
-          </a:p>
-        </p:txBody>
-      </p:sp>
-    </p:spTree>
-    <p:extLst>
-      <p:ext uri="{BB962C8B-B14F-4D97-AF65-F5344CB8AC3E}">
-        <p14:creationId xmlns:p14="http://schemas.microsoft.com/office/powerpoint/2010/main" val="3031273662"/>
-      </p:ext>
-    </p:extLst>
-  </p:cSld>
-  <p:clrMapOvr>
-    <a:masterClrMapping/>
-  </p:clrMapOvr>
-</p:sld>
-</file>
-
-<file path=ppt/slides/slide5.xml><?xml version="1.0" encoding="utf-8"?>
-<p:sld xmlns:a="http://schemas.openxmlformats.org/drawingml/2006/main" xmlns:r="http://schemas.openxmlformats.org/officeDocument/2006/relationships" xmlns:p="http://schemas.openxmlformats.org/presentationml/2006/main">
-  <p:cSld>
-    <p:spTree>
-      <p:nvGrpSpPr>
-        <p:cNvPr id="1" name=""/>
-        <p:cNvGrpSpPr/>
-        <p:nvPr/>
-      </p:nvGrpSpPr>
-      <p:grpSpPr>
-        <a:xfrm>
-          <a:off x="0" y="0"/>
-          <a:ext cx="0" cy="0"/>
-          <a:chOff x="0" y="0"/>
-          <a:chExt cx="0" cy="0"/>
-        </a:xfrm>
-      </p:grpSpPr>
-      <p:sp>
-        <p:nvSpPr>
-          <p:cNvPr id="2" name="Title 1">
-            <a:extLst>
-              <a:ext uri="{FF2B5EF4-FFF2-40B4-BE49-F238E27FC236}">
-                <a16:creationId xmlns:a16="http://schemas.microsoft.com/office/drawing/2014/main" id="{BC5AE2B8-4C7A-2D80-3746-85B2F68B60B8}"/>
-              </a:ext>
-            </a:extLst>
-          </p:cNvPr>
-          <p:cNvSpPr>
-            <a:spLocks noGrp="1"/>
-          </p:cNvSpPr>
-          <p:nvPr>
-            <p:ph type="title"/>
-          </p:nvPr>
-        </p:nvSpPr>
-        <p:spPr/>
-        <p:txBody>
-          <a:bodyPr>
-            <a:normAutofit fontScale="90000"/>
-          </a:bodyPr>
-          <a:lstStyle/>
-          <a:p>
-            <a:r>
-              <a:rPr lang="en-JP" dirty="0"/>
-              <a:t>General Project News</a:t>
-            </a:r>
-          </a:p>
-        </p:txBody>
-      </p:sp>
-      <p:sp>
-        <p:nvSpPr>
-          <p:cNvPr id="3" name="Text Placeholder 2">
-            <a:extLst>
-              <a:ext uri="{FF2B5EF4-FFF2-40B4-BE49-F238E27FC236}">
-                <a16:creationId xmlns:a16="http://schemas.microsoft.com/office/drawing/2014/main" id="{D781B545-61B1-7B1E-E47F-9486E02D410B}"/>
-              </a:ext>
-            </a:extLst>
-          </p:cNvPr>
-          <p:cNvSpPr>
-            <a:spLocks noGrp="1"/>
-          </p:cNvSpPr>
-          <p:nvPr>
-            <p:ph type="body" idx="1"/>
-          </p:nvPr>
-        </p:nvSpPr>
-        <p:spPr>
-          <a:xfrm>
-            <a:off x="280350" y="1999716"/>
-            <a:ext cx="8520600" cy="2605733"/>
-          </a:xfrm>
-        </p:spPr>
-        <p:txBody>
-          <a:bodyPr>
-            <a:normAutofit/>
-          </a:bodyPr>
-          <a:lstStyle/>
-          <a:p>
-            <a:pPr>
-              <a:buFont typeface="+mj-lt"/>
-              <a:buAutoNum type="arabicPeriod"/>
-            </a:pPr>
-            <a:r>
-              <a:rPr lang="en-US" sz="1600" dirty="0"/>
-              <a:t>Welcoming the OpenChain Ambassador Program:</a:t>
-            </a:r>
-            <a:br>
-              <a:rPr lang="en-US" sz="1600" dirty="0"/>
-            </a:br>
-            <a:r>
-              <a:rPr lang="en-US" sz="1600" dirty="0">
-                <a:hlinkClick r:id="rId2"/>
-              </a:rPr>
-              <a:t>https://openchainproject.org/news/2025/09/18/welcoming-the-openchain-ambassador-program</a:t>
-            </a:r>
-            <a:r>
-              <a:rPr lang="en-US" sz="1600" dirty="0"/>
-              <a:t> </a:t>
-            </a:r>
-            <a:endParaRPr lang="en-JP" sz="1600" strike="sngStrike" dirty="0"/>
-          </a:p>
-          <a:p>
-            <a:pPr>
-              <a:buFont typeface="+mj-lt"/>
-              <a:buAutoNum type="arabicPeriod"/>
-            </a:pPr>
-            <a:r>
-              <a:rPr lang="en-US" sz="1600" dirty="0"/>
-              <a:t>Update on OpenChain ISO/IEC 18974 and the CRA:</a:t>
-            </a:r>
-            <a:br>
-              <a:rPr lang="en-US" sz="1600" dirty="0"/>
-            </a:br>
-            <a:r>
-              <a:rPr lang="en-US" sz="1600" dirty="0">
-                <a:hlinkClick r:id="rId3"/>
-              </a:rPr>
-              <a:t>https://openchainproject.org/news/2025/09/18/update-on-openchain-iso-iec-18974-and-the-cra</a:t>
-            </a:r>
-            <a:r>
-              <a:rPr lang="en-US" sz="1600" dirty="0"/>
-              <a:t> </a:t>
-            </a:r>
-            <a:endParaRPr lang="en-JP" sz="1600" strike="sngStrike" dirty="0"/>
-          </a:p>
-          <a:p>
-            <a:pPr>
-              <a:buFont typeface="+mj-lt"/>
-              <a:buAutoNum type="arabicPeriod"/>
-            </a:pPr>
-            <a:r>
-              <a:rPr lang="en-US" sz="1600" dirty="0"/>
-              <a:t>RECORDING: OpenChain SBOM Work Group – Monthly Meeting – 2025-09-24</a:t>
-            </a:r>
-            <a:r>
-              <a:rPr lang="en-JP" sz="1600" dirty="0"/>
-              <a:t>:</a:t>
-            </a:r>
-            <a:br>
-              <a:rPr lang="en-JP" sz="1600" dirty="0"/>
-            </a:br>
-            <a:r>
-              <a:rPr lang="en-US" sz="1600" dirty="0">
-                <a:hlinkClick r:id="rId4"/>
-              </a:rPr>
-              <a:t>https://openchainproject.org/news/2025/09/25/sbom-work-group-2025-09-24</a:t>
-            </a:r>
-            <a:r>
-              <a:rPr lang="en-US" sz="1600" dirty="0"/>
-              <a:t> </a:t>
-            </a:r>
-            <a:endParaRPr lang="en-JP" sz="1600" strike="sngStrike" dirty="0"/>
-          </a:p>
-        </p:txBody>
-      </p:sp>
-      <p:pic>
-        <p:nvPicPr>
-          <p:cNvPr id="5" name="Picture 4" descr="A group of people with penguins&#10;&#10;AI-generated content may be incorrect.">
-            <a:extLst>
-              <a:ext uri="{FF2B5EF4-FFF2-40B4-BE49-F238E27FC236}">
-                <a16:creationId xmlns:a16="http://schemas.microsoft.com/office/drawing/2014/main" id="{6D5E3D6B-625B-F987-D080-C2444C849379}"/>
-              </a:ext>
-            </a:extLst>
-          </p:cNvPr>
-          <p:cNvPicPr>
-            <a:picLocks noChangeAspect="1"/>
-          </p:cNvPicPr>
-          <p:nvPr/>
-        </p:nvPicPr>
-        <p:blipFill>
-          <a:blip r:embed="rId5"/>
-          <a:stretch>
-            <a:fillRect/>
-          </a:stretch>
-        </p:blipFill>
-        <p:spPr>
-          <a:xfrm>
-            <a:off x="4405531" y="476"/>
-            <a:ext cx="4738470" cy="1930874"/>
-          </a:xfrm>
-          <a:prstGeom prst="rect">
-            <a:avLst/>
-          </a:prstGeom>
-        </p:spPr>
-      </p:pic>
-    </p:spTree>
-    <p:extLst>
-      <p:ext uri="{BB962C8B-B14F-4D97-AF65-F5344CB8AC3E}">
-        <p14:creationId xmlns:p14="http://schemas.microsoft.com/office/powerpoint/2010/main" val="532206164"/>
-      </p:ext>
-    </p:extLst>
-  </p:cSld>
-  <p:clrMapOvr>
-    <a:masterClrMapping/>
-  </p:clrMapOvr>
-</p:sld>
-</file>
-
-<file path=ppt/slides/slide6.xml><?xml version="1.0" encoding="utf-8"?>
-<p:sld xmlns:a="http://schemas.openxmlformats.org/drawingml/2006/main" xmlns:r="http://schemas.openxmlformats.org/officeDocument/2006/relationships" xmlns:p="http://schemas.openxmlformats.org/presentationml/2006/main">
-  <p:cSld>
-    <p:spTree>
-      <p:nvGrpSpPr>
-        <p:cNvPr id="1" name="">
-          <a:extLst>
-            <a:ext uri="{FF2B5EF4-FFF2-40B4-BE49-F238E27FC236}">
-              <a16:creationId xmlns:a16="http://schemas.microsoft.com/office/drawing/2014/main" id="{5697F8AA-79C8-5B00-EADF-214D7F142A73}"/>
-            </a:ext>
-          </a:extLst>
-        </p:cNvPr>
-        <p:cNvGrpSpPr/>
-        <p:nvPr/>
-      </p:nvGrpSpPr>
-      <p:grpSpPr>
-        <a:xfrm>
-          <a:off x="0" y="0"/>
-          <a:ext cx="0" cy="0"/>
-          <a:chOff x="0" y="0"/>
-          <a:chExt cx="0" cy="0"/>
-        </a:xfrm>
-      </p:grpSpPr>
-      <p:sp>
-        <p:nvSpPr>
-          <p:cNvPr id="2" name="Title 1">
-            <a:extLst>
-              <a:ext uri="{FF2B5EF4-FFF2-40B4-BE49-F238E27FC236}">
-                <a16:creationId xmlns:a16="http://schemas.microsoft.com/office/drawing/2014/main" id="{2BD1CA88-AC42-DA65-7484-1B5B78C998BE}"/>
-              </a:ext>
-            </a:extLst>
-          </p:cNvPr>
-          <p:cNvSpPr>
-            <a:spLocks noGrp="1"/>
-          </p:cNvSpPr>
-          <p:nvPr>
-            <p:ph type="title"/>
-          </p:nvPr>
-        </p:nvSpPr>
-        <p:spPr/>
-        <p:txBody>
-          <a:bodyPr>
-            <a:normAutofit fontScale="90000"/>
-          </a:bodyPr>
-          <a:lstStyle/>
-          <a:p>
-            <a:r>
-              <a:rPr lang="en-JP" dirty="0"/>
-              <a:t>SBOM News</a:t>
-            </a:r>
-          </a:p>
-        </p:txBody>
-      </p:sp>
-      <p:sp>
-        <p:nvSpPr>
-          <p:cNvPr id="3" name="Text Placeholder 2">
-            <a:extLst>
-              <a:ext uri="{FF2B5EF4-FFF2-40B4-BE49-F238E27FC236}">
-                <a16:creationId xmlns:a16="http://schemas.microsoft.com/office/drawing/2014/main" id="{57568937-36B1-8046-AB9B-46E82B386830}"/>
-              </a:ext>
-            </a:extLst>
-          </p:cNvPr>
-          <p:cNvSpPr>
-            <a:spLocks noGrp="1"/>
-          </p:cNvSpPr>
-          <p:nvPr>
-            <p:ph type="body" idx="1"/>
-          </p:nvPr>
-        </p:nvSpPr>
-        <p:spPr>
-          <a:xfrm>
-            <a:off x="280350" y="1999716"/>
-            <a:ext cx="4445474" cy="2605733"/>
-          </a:xfrm>
-        </p:spPr>
-        <p:txBody>
-          <a:bodyPr>
-            <a:normAutofit/>
-          </a:bodyPr>
-          <a:lstStyle/>
-          <a:p>
-            <a:pPr>
-              <a:buFont typeface="+mj-lt"/>
-              <a:buAutoNum type="arabicPeriod"/>
-            </a:pPr>
-            <a:r>
-              <a:rPr lang="en-US" sz="1600" dirty="0"/>
-              <a:t>The updated 2025 CISA SBOM Guidelines (Draft) are available:</a:t>
-            </a:r>
-            <a:br>
-              <a:rPr lang="en-US" sz="1600" dirty="0"/>
-            </a:br>
-            <a:r>
-              <a:rPr lang="en-US" sz="1400" dirty="0">
-                <a:hlinkClick r:id="rId2"/>
-              </a:rPr>
-              <a:t>https://www.cisa.gov/sites/default/files/2025-08/2025_CISA_SBOM_Minimum_Elements.pdf</a:t>
-            </a:r>
-            <a:r>
-              <a:rPr lang="en-US" sz="1400" dirty="0"/>
-              <a:t> </a:t>
-            </a:r>
-          </a:p>
-          <a:p>
-            <a:pPr>
-              <a:buFont typeface="+mj-lt"/>
-              <a:buAutoNum type="arabicPeriod"/>
-            </a:pPr>
-            <a:r>
-              <a:rPr lang="en-US" sz="1600" dirty="0"/>
-              <a:t>We will be following this process closely for the SBOM Quality Guide(s)</a:t>
-            </a:r>
-          </a:p>
-        </p:txBody>
-      </p:sp>
-      <p:pic>
-        <p:nvPicPr>
-          <p:cNvPr id="6" name="Picture 5" descr="A blue and white cover with white text&#10;&#10;AI-generated content may be incorrect.">
-            <a:extLst>
-              <a:ext uri="{FF2B5EF4-FFF2-40B4-BE49-F238E27FC236}">
-                <a16:creationId xmlns:a16="http://schemas.microsoft.com/office/drawing/2014/main" id="{7AA6568D-EF98-9F66-18B2-6D102713FE15}"/>
-              </a:ext>
-            </a:extLst>
-          </p:cNvPr>
-          <p:cNvPicPr>
-            <a:picLocks noChangeAspect="1"/>
-          </p:cNvPicPr>
-          <p:nvPr/>
-        </p:nvPicPr>
-        <p:blipFill>
-          <a:blip r:embed="rId3"/>
-          <a:stretch>
-            <a:fillRect/>
-          </a:stretch>
-        </p:blipFill>
-        <p:spPr>
-          <a:xfrm>
-            <a:off x="5117979" y="700221"/>
-            <a:ext cx="4026021" cy="3743058"/>
-          </a:xfrm>
-          <a:prstGeom prst="rect">
-            <a:avLst/>
-          </a:prstGeom>
-        </p:spPr>
-      </p:pic>
-    </p:spTree>
-    <p:extLst>
-      <p:ext uri="{BB962C8B-B14F-4D97-AF65-F5344CB8AC3E}">
-        <p14:creationId xmlns:p14="http://schemas.microsoft.com/office/powerpoint/2010/main" val="1700579532"/>
-      </p:ext>
-    </p:extLst>
-  </p:cSld>
-  <p:clrMapOvr>
-    <a:masterClrMapping/>
-  </p:clrMapOvr>
-</p:sld>
-</file>
-
-<file path=ppt/slides/slide7.xml><?xml version="1.0" encoding="utf-8"?>
-<p:sld xmlns:a="http://schemas.openxmlformats.org/drawingml/2006/main" xmlns:r="http://schemas.openxmlformats.org/officeDocument/2006/relationships" xmlns:p="http://schemas.openxmlformats.org/presentationml/2006/main">
-  <p:cSld>
-    <p:spTree>
-      <p:nvGrpSpPr>
-        <p:cNvPr id="1" name="Shape 144">
-          <a:extLst>
-            <a:ext uri="{FF2B5EF4-FFF2-40B4-BE49-F238E27FC236}">
-              <a16:creationId xmlns:a16="http://schemas.microsoft.com/office/drawing/2014/main" id="{10EE17C6-53A2-B920-3F80-6EB37341C9DF}"/>
-            </a:ext>
-          </a:extLst>
-        </p:cNvPr>
-        <p:cNvGrpSpPr/>
-        <p:nvPr/>
-      </p:nvGrpSpPr>
-      <p:grpSpPr>
-        <a:xfrm>
-          <a:off x="0" y="0"/>
-          <a:ext cx="0" cy="0"/>
-          <a:chOff x="0" y="0"/>
-          <a:chExt cx="0" cy="0"/>
-        </a:xfrm>
-      </p:grpSpPr>
-      <p:sp>
-        <p:nvSpPr>
-          <p:cNvPr id="145" name="Google Shape;145;p23">
-            <a:extLst>
-              <a:ext uri="{FF2B5EF4-FFF2-40B4-BE49-F238E27FC236}">
-                <a16:creationId xmlns:a16="http://schemas.microsoft.com/office/drawing/2014/main" id="{94A3758D-64D1-FE35-AE0F-593D8CC9E704}"/>
-              </a:ext>
-            </a:extLst>
-          </p:cNvPr>
-          <p:cNvSpPr txBox="1">
-            <a:spLocks noGrp="1"/>
-          </p:cNvSpPr>
-          <p:nvPr>
-            <p:ph type="title"/>
-          </p:nvPr>
-        </p:nvSpPr>
-        <p:spPr>
-          <a:xfrm>
-            <a:off x="598100" y="2152347"/>
-            <a:ext cx="8222100" cy="838800"/>
-          </a:xfrm>
-          <a:prstGeom prst="rect">
-            <a:avLst/>
-          </a:prstGeom>
-        </p:spPr>
-        <p:txBody>
-          <a:bodyPr spcFirstLastPara="1" wrap="square" lIns="91425" tIns="91425" rIns="91425" bIns="91425" anchor="ctr" anchorCtr="0">
-            <a:normAutofit/>
-          </a:bodyPr>
-          <a:lstStyle/>
-          <a:p>
-            <a:pPr marL="0" lvl="0" indent="0" algn="l" rtl="0">
-              <a:spcBef>
-                <a:spcPts val="0"/>
-              </a:spcBef>
-              <a:spcAft>
-                <a:spcPts val="0"/>
-              </a:spcAft>
-              <a:buNone/>
-            </a:pPr>
-            <a:r>
-              <a:rPr lang="en-US" dirty="0"/>
-              <a:t>Specification Work Group</a:t>
-            </a:r>
-            <a:endParaRPr dirty="0"/>
-          </a:p>
-        </p:txBody>
-      </p:sp>
-      <p:pic>
-        <p:nvPicPr>
-          <p:cNvPr id="2" name="Picture 1" descr="A person in a suit and tie&#10;&#10;AI-generated content may be incorrect.">
-            <a:extLst>
-              <a:ext uri="{FF2B5EF4-FFF2-40B4-BE49-F238E27FC236}">
-                <a16:creationId xmlns:a16="http://schemas.microsoft.com/office/drawing/2014/main" id="{159D15C5-F612-45F3-9FA5-CFEC3B1C6601}"/>
-              </a:ext>
-            </a:extLst>
-          </p:cNvPr>
-          <p:cNvPicPr>
-            <a:picLocks noChangeAspect="1"/>
-          </p:cNvPicPr>
-          <p:nvPr/>
-        </p:nvPicPr>
-        <p:blipFill>
-          <a:blip r:embed="rId3"/>
-          <a:stretch>
-            <a:fillRect/>
-          </a:stretch>
-        </p:blipFill>
-        <p:spPr>
-          <a:xfrm>
-            <a:off x="7931820" y="0"/>
-            <a:ext cx="1212180" cy="1212180"/>
-          </a:xfrm>
-          <a:prstGeom prst="rect">
-            <a:avLst/>
-          </a:prstGeom>
-        </p:spPr>
-      </p:pic>
-    </p:spTree>
-    <p:extLst>
-      <p:ext uri="{BB962C8B-B14F-4D97-AF65-F5344CB8AC3E}">
-        <p14:creationId xmlns:p14="http://schemas.microsoft.com/office/powerpoint/2010/main" val="2305457057"/>
-      </p:ext>
-    </p:extLst>
-  </p:cSld>
-  <p:clrMapOvr>
-    <a:masterClrMapping/>
-  </p:clrMapOvr>
-</p:sld>
-</file>
-
-<file path=ppt/slides/slide8.xml><?xml version="1.0" encoding="utf-8"?>
-<p:sld xmlns:a="http://schemas.openxmlformats.org/drawingml/2006/main" xmlns:r="http://schemas.openxmlformats.org/officeDocument/2006/relationships" xmlns:p="http://schemas.openxmlformats.org/presentationml/2006/main">
-  <p:cSld>
-    <p:spTree>
-      <p:nvGrpSpPr>
-        <p:cNvPr id="1" name="Shape 149"/>
-        <p:cNvGrpSpPr/>
-        <p:nvPr/>
-      </p:nvGrpSpPr>
-      <p:grpSpPr>
-        <a:xfrm>
-          <a:off x="0" y="0"/>
-          <a:ext cx="0" cy="0"/>
-          <a:chOff x="0" y="0"/>
-          <a:chExt cx="0" cy="0"/>
-        </a:xfrm>
-      </p:grpSpPr>
-      <p:sp>
-        <p:nvSpPr>
-          <p:cNvPr id="150" name="Google Shape;150;p24"/>
-          <p:cNvSpPr txBox="1">
-            <a:spLocks noGrp="1"/>
-          </p:cNvSpPr>
-          <p:nvPr>
-            <p:ph type="title"/>
-          </p:nvPr>
-        </p:nvSpPr>
-        <p:spPr>
-          <a:xfrm>
-            <a:off x="311700" y="410000"/>
-            <a:ext cx="7450972" cy="607800"/>
-          </a:xfrm>
-          <a:prstGeom prst="rect">
-            <a:avLst/>
-          </a:prstGeom>
-        </p:spPr>
-        <p:txBody>
-          <a:bodyPr spcFirstLastPara="1" wrap="square" lIns="91425" tIns="91425" rIns="91425" bIns="91425" anchor="t" anchorCtr="0">
-            <a:normAutofit fontScale="90000"/>
-          </a:bodyPr>
-          <a:lstStyle/>
-          <a:p>
-            <a:pPr marL="0" lvl="0" indent="0" algn="l" rtl="0">
-              <a:spcBef>
-                <a:spcPts val="0"/>
-              </a:spcBef>
-              <a:spcAft>
-                <a:spcPts val="0"/>
-              </a:spcAft>
-              <a:buNone/>
-            </a:pPr>
-            <a:r>
-              <a:rPr lang="en-US" dirty="0"/>
-              <a:t>Sister Standards - Processes for Programs</a:t>
-            </a:r>
-            <a:endParaRPr dirty="0"/>
-          </a:p>
-        </p:txBody>
-      </p:sp>
-      <p:sp>
-        <p:nvSpPr>
-          <p:cNvPr id="7" name="Google Shape;151;p24">
-            <a:extLst>
-              <a:ext uri="{FF2B5EF4-FFF2-40B4-BE49-F238E27FC236}">
-                <a16:creationId xmlns:a16="http://schemas.microsoft.com/office/drawing/2014/main" id="{301E483D-A115-2A3A-382C-DDEC6DB45752}"/>
-              </a:ext>
-            </a:extLst>
-          </p:cNvPr>
-          <p:cNvSpPr txBox="1">
-            <a:spLocks noGrp="1"/>
-          </p:cNvSpPr>
-          <p:nvPr>
-            <p:ph type="body" idx="1"/>
-          </p:nvPr>
-        </p:nvSpPr>
-        <p:spPr>
-          <a:xfrm>
-            <a:off x="311700" y="1229975"/>
-            <a:ext cx="3999900" cy="3339000"/>
-          </a:xfrm>
-          <a:prstGeom prst="rect">
-            <a:avLst/>
-          </a:prstGeom>
-        </p:spPr>
-        <p:txBody>
-          <a:bodyPr spcFirstLastPara="1" wrap="square" lIns="91425" tIns="91425" rIns="91425" bIns="91425" anchor="t" anchorCtr="0">
-            <a:normAutofit/>
-          </a:bodyPr>
-          <a:lstStyle/>
-          <a:p>
-            <a:pPr marL="0" lvl="0" indent="0" algn="ctr" rtl="0">
-              <a:spcBef>
-                <a:spcPts val="0"/>
-              </a:spcBef>
-              <a:spcAft>
-                <a:spcPts val="1200"/>
-              </a:spcAft>
-              <a:buNone/>
-            </a:pPr>
-            <a:r>
-              <a:rPr lang="en-US" b="1" dirty="0"/>
-              <a:t>ISO/IEC 5230 (License Compliance)</a:t>
-            </a:r>
-          </a:p>
-        </p:txBody>
-      </p:sp>
-      <p:sp>
-        <p:nvSpPr>
-          <p:cNvPr id="8" name="Google Shape;152;p24">
-            <a:extLst>
-              <a:ext uri="{FF2B5EF4-FFF2-40B4-BE49-F238E27FC236}">
-                <a16:creationId xmlns:a16="http://schemas.microsoft.com/office/drawing/2014/main" id="{01CAEC07-C907-4C6B-EEBB-30682893BF4D}"/>
-              </a:ext>
-            </a:extLst>
-          </p:cNvPr>
-          <p:cNvSpPr txBox="1">
-            <a:spLocks noGrp="1"/>
-          </p:cNvSpPr>
-          <p:nvPr>
-            <p:ph type="body" idx="2"/>
-          </p:nvPr>
-        </p:nvSpPr>
-        <p:spPr>
-          <a:xfrm>
-            <a:off x="4832400" y="1229975"/>
-            <a:ext cx="3999900" cy="3339000"/>
-          </a:xfrm>
-          <a:prstGeom prst="rect">
-            <a:avLst/>
-          </a:prstGeom>
-        </p:spPr>
-        <p:txBody>
-          <a:bodyPr spcFirstLastPara="1" wrap="square" lIns="91425" tIns="91425" rIns="91425" bIns="91425" anchor="t" anchorCtr="0">
-            <a:normAutofit/>
-          </a:bodyPr>
-          <a:lstStyle/>
-          <a:p>
-            <a:pPr marL="0" lvl="0" indent="0" algn="ctr" rtl="0">
-              <a:spcBef>
-                <a:spcPts val="0"/>
-              </a:spcBef>
-              <a:spcAft>
-                <a:spcPts val="1200"/>
-              </a:spcAft>
-              <a:buNone/>
-            </a:pPr>
-            <a:r>
-              <a:rPr lang="en-US" b="1" dirty="0"/>
-              <a:t>ISO/IEC 18974 (Security Assurance)</a:t>
-            </a:r>
-          </a:p>
-        </p:txBody>
-      </p:sp>
-      <p:sp>
-        <p:nvSpPr>
-          <p:cNvPr id="9" name="Google Shape;151;p24">
-            <a:extLst>
-              <a:ext uri="{FF2B5EF4-FFF2-40B4-BE49-F238E27FC236}">
-                <a16:creationId xmlns:a16="http://schemas.microsoft.com/office/drawing/2014/main" id="{8FF4B1E6-F1B5-740A-02BD-A8FDB4BE8261}"/>
-              </a:ext>
-            </a:extLst>
-          </p:cNvPr>
-          <p:cNvSpPr txBox="1">
-            <a:spLocks/>
-          </p:cNvSpPr>
-          <p:nvPr/>
-        </p:nvSpPr>
-        <p:spPr>
-          <a:xfrm>
-            <a:off x="2837026" y="2041280"/>
-            <a:ext cx="3469947" cy="2721791"/>
-          </a:xfrm>
-          <a:prstGeom prst="rect">
-            <a:avLst/>
-          </a:prstGeom>
-          <a:noFill/>
-          <a:ln>
-            <a:noFill/>
-          </a:ln>
-        </p:spPr>
-        <p:txBody>
-          <a:bodyPr spcFirstLastPara="1" wrap="square" lIns="91425" tIns="91425" rIns="91425" bIns="91425" anchor="t" anchorCtr="0">
-            <a:normAutofit fontScale="92500" lnSpcReduction="10000"/>
-          </a:bodyPr>
-          <a:lstStyle>
-            <a:defPPr marR="0" lvl="0" algn="l" rtl="0">
-              <a:lnSpc>
-                <a:spcPct val="100000"/>
-              </a:lnSpc>
-              <a:spcBef>
-                <a:spcPts val="0"/>
-              </a:spcBef>
-              <a:spcAft>
-                <a:spcPts val="0"/>
-              </a:spcAft>
-            </a:defPPr>
-            <a:lvl1pPr marL="457200" marR="0" lvl="0" indent="-317500" algn="l" rtl="0">
-              <a:lnSpc>
-                <a:spcPct val="115000"/>
-              </a:lnSpc>
-              <a:spcBef>
-                <a:spcPts val="0"/>
-              </a:spcBef>
-              <a:spcAft>
-                <a:spcPts val="0"/>
-              </a:spcAft>
-              <a:buClr>
-                <a:schemeClr val="dk2"/>
-              </a:buClr>
-              <a:buSzPts val="1400"/>
-              <a:buFont typeface="Open Sans Medium"/>
-              <a:buChar char="●"/>
-              <a:defRPr sz="1400" b="0" i="0" u="none" strike="noStrike" cap="none">
-                <a:solidFill>
-                  <a:schemeClr val="dk2"/>
-                </a:solidFill>
-                <a:latin typeface="Open Sans Medium"/>
-                <a:ea typeface="Open Sans Medium"/>
-                <a:cs typeface="Open Sans Medium"/>
-                <a:sym typeface="Open Sans Medium"/>
-              </a:defRPr>
-            </a:lvl1pPr>
-            <a:lvl2pPr marL="914400" marR="0" lvl="1" indent="-304800" algn="l" rtl="0">
-              <a:lnSpc>
-                <a:spcPct val="115000"/>
-              </a:lnSpc>
-              <a:spcBef>
-                <a:spcPts val="0"/>
-              </a:spcBef>
-              <a:spcAft>
-                <a:spcPts val="0"/>
-              </a:spcAft>
-              <a:buClr>
-                <a:schemeClr val="dk2"/>
-              </a:buClr>
-              <a:buSzPts val="1200"/>
-              <a:buFont typeface="Open Sans Medium"/>
-              <a:buChar char="○"/>
-              <a:defRPr sz="1200" b="0" i="0" u="none" strike="noStrike" cap="none">
-                <a:solidFill>
-                  <a:schemeClr val="dk2"/>
-                </a:solidFill>
-                <a:latin typeface="Open Sans Medium"/>
-                <a:ea typeface="Open Sans Medium"/>
-                <a:cs typeface="Open Sans Medium"/>
-                <a:sym typeface="Open Sans Medium"/>
-              </a:defRPr>
-            </a:lvl2pPr>
-            <a:lvl3pPr marL="1371600" marR="0" lvl="2" indent="-304800" algn="l" rtl="0">
-              <a:lnSpc>
-                <a:spcPct val="115000"/>
-              </a:lnSpc>
-              <a:spcBef>
-                <a:spcPts val="0"/>
-              </a:spcBef>
-              <a:spcAft>
-                <a:spcPts val="0"/>
-              </a:spcAft>
-              <a:buClr>
-                <a:schemeClr val="dk2"/>
-              </a:buClr>
-              <a:buSzPts val="1200"/>
-              <a:buFont typeface="Open Sans Medium"/>
-              <a:buChar char="■"/>
-              <a:defRPr sz="1200" b="0" i="0" u="none" strike="noStrike" cap="none">
-                <a:solidFill>
-                  <a:schemeClr val="dk2"/>
-                </a:solidFill>
-                <a:latin typeface="Open Sans Medium"/>
-                <a:ea typeface="Open Sans Medium"/>
-                <a:cs typeface="Open Sans Medium"/>
-                <a:sym typeface="Open Sans Medium"/>
-              </a:defRPr>
-            </a:lvl3pPr>
-            <a:lvl4pPr marL="1828800" marR="0" lvl="3" indent="-304800" algn="l" rtl="0">
-              <a:lnSpc>
-                <a:spcPct val="115000"/>
-              </a:lnSpc>
-              <a:spcBef>
-                <a:spcPts val="0"/>
-              </a:spcBef>
-              <a:spcAft>
-                <a:spcPts val="0"/>
-              </a:spcAft>
-              <a:buClr>
-                <a:schemeClr val="dk2"/>
-              </a:buClr>
-              <a:buSzPts val="1200"/>
-              <a:buFont typeface="Open Sans Medium"/>
-              <a:buChar char="●"/>
-              <a:defRPr sz="1200" b="0" i="0" u="none" strike="noStrike" cap="none">
-                <a:solidFill>
-                  <a:schemeClr val="dk2"/>
-                </a:solidFill>
-                <a:latin typeface="Open Sans Medium"/>
-                <a:ea typeface="Open Sans Medium"/>
-                <a:cs typeface="Open Sans Medium"/>
-                <a:sym typeface="Open Sans Medium"/>
-              </a:defRPr>
-            </a:lvl4pPr>
-            <a:lvl5pPr marL="2286000" marR="0" lvl="4" indent="-304800" algn="l" rtl="0">
-              <a:lnSpc>
-                <a:spcPct val="115000"/>
-              </a:lnSpc>
-              <a:spcBef>
-                <a:spcPts val="0"/>
-              </a:spcBef>
-              <a:spcAft>
-                <a:spcPts val="0"/>
-              </a:spcAft>
-              <a:buClr>
-                <a:schemeClr val="dk2"/>
-              </a:buClr>
-              <a:buSzPts val="1200"/>
-              <a:buFont typeface="Open Sans Medium"/>
-              <a:buChar char="○"/>
-              <a:defRPr sz="1200" b="0" i="0" u="none" strike="noStrike" cap="none">
-                <a:solidFill>
-                  <a:schemeClr val="dk2"/>
-                </a:solidFill>
-                <a:latin typeface="Open Sans Medium"/>
-                <a:ea typeface="Open Sans Medium"/>
-                <a:cs typeface="Open Sans Medium"/>
-                <a:sym typeface="Open Sans Medium"/>
-              </a:defRPr>
-            </a:lvl5pPr>
-            <a:lvl6pPr marL="2743200" marR="0" lvl="5" indent="-304800" algn="l" rtl="0">
-              <a:lnSpc>
-                <a:spcPct val="115000"/>
-              </a:lnSpc>
-              <a:spcBef>
-                <a:spcPts val="0"/>
-              </a:spcBef>
-              <a:spcAft>
-                <a:spcPts val="0"/>
-              </a:spcAft>
-              <a:buClr>
-                <a:schemeClr val="dk2"/>
-              </a:buClr>
-              <a:buSzPts val="1200"/>
-              <a:buFont typeface="Open Sans Medium"/>
-              <a:buChar char="■"/>
-              <a:defRPr sz="1200" b="0" i="0" u="none" strike="noStrike" cap="none">
-                <a:solidFill>
-                  <a:schemeClr val="dk2"/>
-                </a:solidFill>
-                <a:latin typeface="Open Sans Medium"/>
-                <a:ea typeface="Open Sans Medium"/>
-                <a:cs typeface="Open Sans Medium"/>
-                <a:sym typeface="Open Sans Medium"/>
-              </a:defRPr>
-            </a:lvl6pPr>
-            <a:lvl7pPr marL="3200400" marR="0" lvl="6" indent="-304800" algn="l" rtl="0">
-              <a:lnSpc>
-                <a:spcPct val="115000"/>
-              </a:lnSpc>
-              <a:spcBef>
-                <a:spcPts val="0"/>
-              </a:spcBef>
-              <a:spcAft>
-                <a:spcPts val="0"/>
-              </a:spcAft>
-              <a:buClr>
-                <a:schemeClr val="dk2"/>
-              </a:buClr>
-              <a:buSzPts val="1200"/>
-              <a:buFont typeface="Open Sans Medium"/>
-              <a:buChar char="●"/>
-              <a:defRPr sz="1200" b="0" i="0" u="none" strike="noStrike" cap="none">
-                <a:solidFill>
-                  <a:schemeClr val="dk2"/>
-                </a:solidFill>
-                <a:latin typeface="Open Sans Medium"/>
-                <a:ea typeface="Open Sans Medium"/>
-                <a:cs typeface="Open Sans Medium"/>
-                <a:sym typeface="Open Sans Medium"/>
-              </a:defRPr>
-            </a:lvl7pPr>
-            <a:lvl8pPr marL="3657600" marR="0" lvl="7" indent="-304800" algn="l" rtl="0">
-              <a:lnSpc>
-                <a:spcPct val="115000"/>
-              </a:lnSpc>
-              <a:spcBef>
-                <a:spcPts val="0"/>
-              </a:spcBef>
-              <a:spcAft>
-                <a:spcPts val="0"/>
-              </a:spcAft>
-              <a:buClr>
-                <a:schemeClr val="dk2"/>
-              </a:buClr>
-              <a:buSzPts val="1200"/>
-              <a:buFont typeface="Open Sans Medium"/>
-              <a:buChar char="○"/>
-              <a:defRPr sz="1200" b="0" i="0" u="none" strike="noStrike" cap="none">
-                <a:solidFill>
-                  <a:schemeClr val="dk2"/>
-                </a:solidFill>
-                <a:latin typeface="Open Sans Medium"/>
-                <a:ea typeface="Open Sans Medium"/>
-                <a:cs typeface="Open Sans Medium"/>
-                <a:sym typeface="Open Sans Medium"/>
-              </a:defRPr>
-            </a:lvl8pPr>
-            <a:lvl9pPr marL="4114800" marR="0" lvl="8" indent="-304800" algn="l" rtl="0">
-              <a:lnSpc>
-                <a:spcPct val="115000"/>
-              </a:lnSpc>
-              <a:spcBef>
-                <a:spcPts val="0"/>
-              </a:spcBef>
-              <a:spcAft>
-                <a:spcPts val="0"/>
-              </a:spcAft>
-              <a:buClr>
-                <a:schemeClr val="dk2"/>
-              </a:buClr>
-              <a:buSzPts val="1200"/>
-              <a:buFont typeface="Open Sans Medium"/>
-              <a:buChar char="■"/>
-              <a:defRPr sz="1200" b="0" i="0" u="none" strike="noStrike" cap="none">
-                <a:solidFill>
-                  <a:schemeClr val="dk2"/>
-                </a:solidFill>
-                <a:latin typeface="Open Sans Medium"/>
-                <a:ea typeface="Open Sans Medium"/>
-                <a:cs typeface="Open Sans Medium"/>
-                <a:sym typeface="Open Sans Medium"/>
-              </a:defRPr>
-            </a:lvl9pPr>
-          </a:lstStyle>
-          <a:p>
-            <a:pPr marL="0" indent="0" algn="ctr">
-              <a:spcAft>
-                <a:spcPts val="1200"/>
-              </a:spcAft>
-              <a:buNone/>
-            </a:pPr>
-            <a:r>
-              <a:rPr lang="en-US" b="1" i="1" dirty="0"/>
-              <a:t>Flexible</a:t>
-            </a:r>
-            <a:r>
-              <a:rPr lang="en-US" dirty="0"/>
-              <a:t> program size</a:t>
-            </a:r>
-          </a:p>
-          <a:p>
-            <a:pPr marL="0" indent="0" algn="ctr">
-              <a:spcAft>
-                <a:spcPts val="1200"/>
-              </a:spcAft>
-              <a:buNone/>
-            </a:pPr>
-            <a:r>
-              <a:rPr lang="en-US" dirty="0"/>
-              <a:t>Covering:</a:t>
-            </a:r>
-          </a:p>
-          <a:p>
-            <a:pPr marL="285750" indent="-285750" algn="ctr">
-              <a:spcAft>
-                <a:spcPts val="1200"/>
-              </a:spcAft>
-            </a:pPr>
-            <a:r>
-              <a:rPr lang="en-US" dirty="0"/>
-              <a:t>Inbound processes</a:t>
-            </a:r>
-          </a:p>
-          <a:p>
-            <a:pPr marL="285750" indent="-285750" algn="ctr">
-              <a:spcAft>
-                <a:spcPts val="1200"/>
-              </a:spcAft>
-            </a:pPr>
-            <a:r>
-              <a:rPr lang="en-US" dirty="0"/>
-              <a:t>Internal processes</a:t>
-            </a:r>
-          </a:p>
-          <a:p>
-            <a:pPr marL="285750" indent="-285750" algn="ctr">
-              <a:spcAft>
-                <a:spcPts val="1200"/>
-              </a:spcAft>
-            </a:pPr>
-            <a:r>
-              <a:rPr lang="en-US" dirty="0"/>
-              <a:t>Outbound processes</a:t>
-            </a:r>
-          </a:p>
-          <a:p>
-            <a:pPr marL="0" indent="0" algn="ctr">
-              <a:spcAft>
-                <a:spcPts val="1200"/>
-              </a:spcAft>
-              <a:buNone/>
-            </a:pPr>
-            <a:r>
-              <a:rPr lang="en-US" dirty="0"/>
-              <a:t>Standards about process </a:t>
-            </a:r>
-            <a:r>
-              <a:rPr lang="en-US" b="1" i="1" dirty="0"/>
-              <a:t>points</a:t>
-            </a:r>
-          </a:p>
-          <a:p>
-            <a:pPr marL="0" indent="0" algn="ctr">
-              <a:spcAft>
-                <a:spcPts val="1200"/>
-              </a:spcAft>
-              <a:buNone/>
-            </a:pPr>
-            <a:r>
-              <a:rPr lang="en-US" dirty="0"/>
-              <a:t>Not about process </a:t>
-            </a:r>
-            <a:r>
-              <a:rPr lang="en-US" b="1" i="1" dirty="0"/>
-              <a:t>content</a:t>
-            </a:r>
-          </a:p>
-        </p:txBody>
-      </p:sp>
-      <p:pic>
-        <p:nvPicPr>
-          <p:cNvPr id="10" name="Picture 9" descr="A qr code with a few black squares&#10;&#10;Description automatically generated">
-            <a:extLst>
-              <a:ext uri="{FF2B5EF4-FFF2-40B4-BE49-F238E27FC236}">
-                <a16:creationId xmlns:a16="http://schemas.microsoft.com/office/drawing/2014/main" id="{3F2056C9-2E32-9776-1981-CD6D73B509EC}"/>
-              </a:ext>
-            </a:extLst>
-          </p:cNvPr>
-          <p:cNvPicPr>
-            <a:picLocks noChangeAspect="1"/>
-          </p:cNvPicPr>
-          <p:nvPr/>
-        </p:nvPicPr>
-        <p:blipFill>
-          <a:blip r:embed="rId3"/>
-          <a:stretch>
-            <a:fillRect/>
-          </a:stretch>
-        </p:blipFill>
-        <p:spPr>
-          <a:xfrm>
-            <a:off x="1120637" y="2197134"/>
-            <a:ext cx="1716389" cy="1716389"/>
-          </a:xfrm>
-          <a:prstGeom prst="rect">
-            <a:avLst/>
-          </a:prstGeom>
-        </p:spPr>
-      </p:pic>
-      <p:pic>
-        <p:nvPicPr>
-          <p:cNvPr id="11" name="Picture 10" descr="A qr code with a black and white background&#10;&#10;Description automatically generated">
-            <a:extLst>
-              <a:ext uri="{FF2B5EF4-FFF2-40B4-BE49-F238E27FC236}">
-                <a16:creationId xmlns:a16="http://schemas.microsoft.com/office/drawing/2014/main" id="{0944199F-ECD1-5506-D4E7-CDA9E9CFE703}"/>
-              </a:ext>
-            </a:extLst>
-          </p:cNvPr>
-          <p:cNvPicPr>
-            <a:picLocks noChangeAspect="1"/>
-          </p:cNvPicPr>
-          <p:nvPr/>
-        </p:nvPicPr>
-        <p:blipFill>
-          <a:blip r:embed="rId4"/>
-          <a:stretch>
-            <a:fillRect/>
-          </a:stretch>
-        </p:blipFill>
-        <p:spPr>
-          <a:xfrm>
-            <a:off x="6306973" y="2197134"/>
-            <a:ext cx="1716389" cy="1716389"/>
-          </a:xfrm>
-          <a:prstGeom prst="rect">
-            <a:avLst/>
-          </a:prstGeom>
-        </p:spPr>
-      </p:pic>
-      <p:pic>
-        <p:nvPicPr>
-          <p:cNvPr id="2" name="Picture 1" descr="A person in a suit and tie&#10;&#10;AI-generated content may be incorrect.">
-            <a:extLst>
-              <a:ext uri="{FF2B5EF4-FFF2-40B4-BE49-F238E27FC236}">
-                <a16:creationId xmlns:a16="http://schemas.microsoft.com/office/drawing/2014/main" id="{A7FE0088-86E7-CBF9-635A-FE14EA2C9291}"/>
-              </a:ext>
-            </a:extLst>
-          </p:cNvPr>
-          <p:cNvPicPr>
-            <a:picLocks noChangeAspect="1"/>
-          </p:cNvPicPr>
-          <p:nvPr/>
-        </p:nvPicPr>
-        <p:blipFill>
-          <a:blip r:embed="rId5"/>
-          <a:stretch>
-            <a:fillRect/>
-          </a:stretch>
-        </p:blipFill>
-        <p:spPr>
-          <a:xfrm>
-            <a:off x="7931820" y="0"/>
-            <a:ext cx="1212180" cy="1212180"/>
-          </a:xfrm>
-          <a:prstGeom prst="rect">
-            <a:avLst/>
-          </a:prstGeom>
-        </p:spPr>
-      </p:pic>
-      <p:sp>
-        <p:nvSpPr>
-          <p:cNvPr id="3" name="TextBox 2">
-            <a:extLst>
-              <a:ext uri="{FF2B5EF4-FFF2-40B4-BE49-F238E27FC236}">
-                <a16:creationId xmlns:a16="http://schemas.microsoft.com/office/drawing/2014/main" id="{126628C2-65F3-0863-CFA4-F3F4B764E7EA}"/>
+                <a16:creationId xmlns:a16="http://schemas.microsoft.com/office/drawing/2014/main" id="{9C5CCA5C-B2EE-62C1-A6E4-26087899D741}"/>
               </a:ext>
             </a:extLst>
           </p:cNvPr>
@@ -10770,8 +9508,8 @@
         </p:nvSpPr>
         <p:spPr>
           <a:xfrm>
-            <a:off x="6218433" y="3931318"/>
-            <a:ext cx="1885453" cy="307777"/>
+            <a:off x="196482" y="205964"/>
+            <a:ext cx="2789546" cy="954107"/>
           </a:xfrm>
           <a:prstGeom prst="rect">
             <a:avLst/>
@@ -10785,222 +9523,72 @@
           <a:lstStyle/>
           <a:p>
             <a:r>
-              <a:rPr lang="en-US" dirty="0"/>
-              <a:t>http://</a:t>
+              <a:rPr lang="en-JP" dirty="0">
+                <a:solidFill>
+                  <a:srgbClr val="FF0000"/>
+                </a:solidFill>
+                <a:latin typeface="Chalkduster" panose="03050602040202020205" pitchFamily="66" charset="77"/>
+              </a:rPr>
+              <a:t>For reference only. </a:t>
             </a:r>
+            <a:br>
+              <a:rPr lang="en-JP" dirty="0">
+                <a:solidFill>
+                  <a:srgbClr val="FF0000"/>
+                </a:solidFill>
+                <a:latin typeface="Chalkduster" panose="03050602040202020205" pitchFamily="66" charset="77"/>
+              </a:rPr>
+            </a:br>
             <a:r>
-              <a:rPr lang="en-US" dirty="0" err="1"/>
-              <a:t>bit.ly</a:t>
+              <a:rPr lang="en-JP" dirty="0">
+                <a:solidFill>
+                  <a:srgbClr val="FF0000"/>
+                </a:solidFill>
+                <a:latin typeface="Chalkduster" panose="03050602040202020205" pitchFamily="66" charset="77"/>
+              </a:rPr>
+              <a:t>There is no need to read</a:t>
             </a:r>
+            <a:br>
+              <a:rPr lang="en-JP" dirty="0">
+                <a:solidFill>
+                  <a:srgbClr val="FF0000"/>
+                </a:solidFill>
+                <a:latin typeface="Chalkduster" panose="03050602040202020205" pitchFamily="66" charset="77"/>
+              </a:rPr>
+            </a:br>
             <a:r>
-              <a:rPr lang="en-US" dirty="0"/>
-              <a:t>/4mbmOd8</a:t>
+              <a:rPr lang="en-JP" dirty="0">
+                <a:solidFill>
+                  <a:srgbClr val="FF0000"/>
+                </a:solidFill>
+                <a:latin typeface="Chalkduster" panose="03050602040202020205" pitchFamily="66" charset="77"/>
+              </a:rPr>
+              <a:t>this material in-depth</a:t>
             </a:r>
-            <a:endParaRPr lang="en-JP" dirty="0"/>
-          </a:p>
-        </p:txBody>
-      </p:sp>
-      <p:sp>
-        <p:nvSpPr>
-          <p:cNvPr id="4" name="TextBox 3">
-            <a:extLst>
-              <a:ext uri="{FF2B5EF4-FFF2-40B4-BE49-F238E27FC236}">
-                <a16:creationId xmlns:a16="http://schemas.microsoft.com/office/drawing/2014/main" id="{E9F3EBC2-FBD2-320D-4372-A9B2669E568F}"/>
-              </a:ext>
-            </a:extLst>
-          </p:cNvPr>
-          <p:cNvSpPr txBox="1"/>
-          <p:nvPr/>
-        </p:nvSpPr>
-        <p:spPr>
-          <a:xfrm>
-            <a:off x="1040113" y="3933471"/>
-            <a:ext cx="1877437" cy="307777"/>
-          </a:xfrm>
-          <a:prstGeom prst="rect">
-            <a:avLst/>
-          </a:prstGeom>
-          <a:noFill/>
-        </p:spPr>
-        <p:txBody>
-          <a:bodyPr wrap="none" rtlCol="0">
-            <a:spAutoFit/>
-          </a:bodyPr>
-          <a:lstStyle/>
-          <a:p>
+            <a:br>
+              <a:rPr lang="en-JP" dirty="0">
+                <a:solidFill>
+                  <a:srgbClr val="FF0000"/>
+                </a:solidFill>
+                <a:latin typeface="Chalkduster" panose="03050602040202020205" pitchFamily="66" charset="77"/>
+              </a:rPr>
+            </a:br>
             <a:r>
-              <a:rPr lang="en-US" dirty="0"/>
-              <a:t>https://</a:t>
+              <a:rPr lang="en-JP" dirty="0">
+                <a:solidFill>
+                  <a:srgbClr val="FF0000"/>
+                </a:solidFill>
+                <a:latin typeface="Chalkduster" panose="03050602040202020205" pitchFamily="66" charset="77"/>
+              </a:rPr>
+              <a:t>in this meeting</a:t>
             </a:r>
-            <a:r>
-              <a:rPr lang="en-US" dirty="0" err="1"/>
-              <a:t>bit.ly</a:t>
-            </a:r>
-            <a:r>
-              <a:rPr lang="en-US" dirty="0"/>
-              <a:t>/3JUnEh8</a:t>
-            </a:r>
-            <a:endParaRPr lang="en-JP" dirty="0"/>
           </a:p>
         </p:txBody>
       </p:sp>
     </p:spTree>
     <p:extLst>
       <p:ext uri="{BB962C8B-B14F-4D97-AF65-F5344CB8AC3E}">
-        <p14:creationId xmlns:p14="http://schemas.microsoft.com/office/powerpoint/2010/main" val="3438064881"/>
-      </p:ext>
-    </p:extLst>
-  </p:cSld>
-  <p:clrMapOvr>
-    <a:masterClrMapping/>
-  </p:clrMapOvr>
-</p:sld>
-</file>
-
-<file path=ppt/slides/slide9.xml><?xml version="1.0" encoding="utf-8"?>
-<p:sld xmlns:a="http://schemas.openxmlformats.org/drawingml/2006/main" xmlns:r="http://schemas.openxmlformats.org/officeDocument/2006/relationships" xmlns:p="http://schemas.openxmlformats.org/presentationml/2006/main">
-  <p:cSld>
-    <p:spTree>
-      <p:nvGrpSpPr>
-        <p:cNvPr id="1" name=""/>
-        <p:cNvGrpSpPr/>
-        <p:nvPr/>
-      </p:nvGrpSpPr>
-      <p:grpSpPr>
-        <a:xfrm>
-          <a:off x="0" y="0"/>
-          <a:ext cx="0" cy="0"/>
-          <a:chOff x="0" y="0"/>
-          <a:chExt cx="0" cy="0"/>
-        </a:xfrm>
-      </p:grpSpPr>
-      <p:sp>
-        <p:nvSpPr>
-          <p:cNvPr id="2" name="Title 1">
-            <a:extLst>
-              <a:ext uri="{FF2B5EF4-FFF2-40B4-BE49-F238E27FC236}">
-                <a16:creationId xmlns:a16="http://schemas.microsoft.com/office/drawing/2014/main" id="{7941415A-1739-6B67-BB25-B03696BB3EF3}"/>
-              </a:ext>
-            </a:extLst>
-          </p:cNvPr>
-          <p:cNvSpPr>
-            <a:spLocks noGrp="1"/>
-          </p:cNvSpPr>
-          <p:nvPr>
-            <p:ph type="title"/>
-          </p:nvPr>
-        </p:nvSpPr>
-        <p:spPr/>
-        <p:txBody>
-          <a:bodyPr>
-            <a:normAutofit fontScale="90000"/>
-          </a:bodyPr>
-          <a:lstStyle/>
-          <a:p>
-            <a:r>
-              <a:rPr lang="en-JP" dirty="0"/>
-              <a:t>Further Development of the Specs</a:t>
-            </a:r>
-          </a:p>
-        </p:txBody>
-      </p:sp>
-      <p:sp>
-        <p:nvSpPr>
-          <p:cNvPr id="3" name="Text Placeholder 2">
-            <a:extLst>
-              <a:ext uri="{FF2B5EF4-FFF2-40B4-BE49-F238E27FC236}">
-                <a16:creationId xmlns:a16="http://schemas.microsoft.com/office/drawing/2014/main" id="{F4809B5E-FB4D-31C6-776A-2253EFAD9725}"/>
-              </a:ext>
-            </a:extLst>
-          </p:cNvPr>
-          <p:cNvSpPr>
-            <a:spLocks noGrp="1"/>
-          </p:cNvSpPr>
-          <p:nvPr>
-            <p:ph type="body" idx="1"/>
-          </p:nvPr>
-        </p:nvSpPr>
-        <p:spPr/>
-        <p:txBody>
-          <a:bodyPr>
-            <a:normAutofit/>
-          </a:bodyPr>
-          <a:lstStyle/>
-          <a:p>
-            <a:pPr marL="114300" indent="0">
-              <a:buNone/>
-            </a:pPr>
-            <a:r>
-              <a:rPr lang="en-US" dirty="0"/>
-              <a:t>An open question for our community is whether we should continue to expand the scope and coverage of our standards</a:t>
-            </a:r>
-          </a:p>
-          <a:p>
-            <a:pPr marL="114300" indent="0">
-              <a:buNone/>
-            </a:pPr>
-            <a:endParaRPr lang="en-US" dirty="0"/>
-          </a:p>
-          <a:p>
-            <a:pPr marL="114300" indent="0">
-              <a:buNone/>
-            </a:pPr>
-            <a:r>
-              <a:rPr lang="en-US" dirty="0"/>
-              <a:t>Perhaps the most immediate example is the Security Specification, ISO/IEC 18974, with the incoming CRA regulation in December 2026.</a:t>
-            </a:r>
-          </a:p>
-          <a:p>
-            <a:pPr marL="114300" indent="0">
-              <a:buNone/>
-            </a:pPr>
-            <a:endParaRPr lang="en-US" dirty="0"/>
-          </a:p>
-          <a:p>
-            <a:pPr marL="114300" indent="0">
-              <a:buNone/>
-            </a:pPr>
-            <a:r>
-              <a:rPr lang="en-US" dirty="0"/>
-              <a:t>On the next slide we will examine one of the key regulation(s) that will impact open source projects.</a:t>
-            </a:r>
-          </a:p>
-        </p:txBody>
-      </p:sp>
-      <p:pic>
-        <p:nvPicPr>
-          <p:cNvPr id="4" name="Picture 3" descr="A person in a suit and tie&#10;&#10;AI-generated content may be incorrect.">
-            <a:extLst>
-              <a:ext uri="{FF2B5EF4-FFF2-40B4-BE49-F238E27FC236}">
-                <a16:creationId xmlns:a16="http://schemas.microsoft.com/office/drawing/2014/main" id="{CCCF66E2-5AF3-F7D9-AE70-25DD3BD54990}"/>
-              </a:ext>
-            </a:extLst>
-          </p:cNvPr>
-          <p:cNvPicPr>
-            <a:picLocks noChangeAspect="1"/>
-          </p:cNvPicPr>
-          <p:nvPr/>
-        </p:nvPicPr>
-        <p:blipFill>
-          <a:blip r:embed="rId2"/>
-          <a:stretch>
-            <a:fillRect/>
-          </a:stretch>
-        </p:blipFill>
-        <p:spPr>
-          <a:xfrm>
-            <a:off x="7931820" y="0"/>
-            <a:ext cx="1212180" cy="1212180"/>
-          </a:xfrm>
-          <a:prstGeom prst="rect">
-            <a:avLst/>
-          </a:prstGeom>
-        </p:spPr>
-      </p:pic>
-    </p:spTree>
-    <p:extLst>
-      <p:ext uri="{BB962C8B-B14F-4D97-AF65-F5344CB8AC3E}">
-        <p14:creationId xmlns:p14="http://schemas.microsoft.com/office/powerpoint/2010/main" val="2364177965"/>
+        <p14:creationId xmlns:p14="http://schemas.microsoft.com/office/powerpoint/2010/main" val="2685976132"/>
       </p:ext>
     </p:extLst>
   </p:cSld>
